--- a/documents/P8_Presentationprojet.pptx
+++ b/documents/P8_Presentationprojet.pptx
@@ -12,15 +12,15 @@
     <p:sldId id="258" r:id="rId3"/>
     <p:sldId id="257" r:id="rId4"/>
     <p:sldId id="311" r:id="rId5"/>
-    <p:sldId id="305" r:id="rId6"/>
-    <p:sldId id="314" r:id="rId7"/>
-    <p:sldId id="315" r:id="rId8"/>
-    <p:sldId id="303" r:id="rId9"/>
-    <p:sldId id="317" r:id="rId10"/>
+    <p:sldId id="314" r:id="rId6"/>
+    <p:sldId id="325" r:id="rId7"/>
+    <p:sldId id="305" r:id="rId8"/>
+    <p:sldId id="321" r:id="rId9"/>
+    <p:sldId id="322" r:id="rId10"/>
     <p:sldId id="318" r:id="rId11"/>
-    <p:sldId id="319" r:id="rId12"/>
-    <p:sldId id="320" r:id="rId13"/>
-    <p:sldId id="310" r:id="rId14"/>
+    <p:sldId id="323" r:id="rId12"/>
+    <p:sldId id="324" r:id="rId13"/>
+    <p:sldId id="320" r:id="rId14"/>
     <p:sldId id="259" r:id="rId15"/>
   </p:sldIdLst>
   <p:sldSz cx="9144000" cy="6858000" type="screen4x3"/>
@@ -205,7 +205,7 @@
           <a:p>
             <a:fld id="{C4C3E8E9-A919-4C68-B121-14F6D52B650C}" type="datetimeFigureOut">
               <a:rPr lang="fr-FR" smtClean="0"/>
-              <a:t>31/12/2020</a:t>
+              <a:t>19/05/2021</a:t>
             </a:fld>
             <a:endParaRPr lang="fr-FR"/>
           </a:p>
@@ -979,7 +979,7 @@
           <a:p>
             <a:fld id="{FE0D7259-87B9-47CA-BDEC-5E4090DC5F8C}" type="datetime1">
               <a:rPr lang="en-US" smtClean="0"/>
-              <a:t>12/31/2020</a:t>
+              <a:t>5/19/2021</a:t>
             </a:fld>
             <a:endParaRPr lang="en-US"/>
           </a:p>
@@ -1196,7 +1196,7 @@
           <a:p>
             <a:fld id="{11FEDB67-1693-43A0-9021-85F20F6F8AED}" type="datetime1">
               <a:rPr lang="en-US" smtClean="0"/>
-              <a:t>12/31/2020</a:t>
+              <a:t>5/19/2021</a:t>
             </a:fld>
             <a:endParaRPr lang="en-US"/>
           </a:p>
@@ -1388,7 +1388,7 @@
           <a:p>
             <a:fld id="{28CF767E-2D91-4B6D-8927-95616B518184}" type="datetime1">
               <a:rPr lang="en-US" smtClean="0"/>
-              <a:t>12/31/2020</a:t>
+              <a:t>5/19/2021</a:t>
             </a:fld>
             <a:endParaRPr lang="en-US"/>
           </a:p>
@@ -1490,7 +1490,7 @@
           <a:p>
             <a:fld id="{E1E77539-BEFC-4A18-B7F5-4AD99A53FA3F}" type="datetime1">
               <a:rPr lang="en-US" smtClean="0"/>
-              <a:t>12/31/2020</a:t>
+              <a:t>5/19/2021</a:t>
             </a:fld>
             <a:endParaRPr lang="en-US"/>
           </a:p>
@@ -2091,7 +2091,7 @@
           <a:p>
             <a:fld id="{8C052279-316E-4322-9EED-FB99523F486A}" type="datetime1">
               <a:rPr lang="en-US" smtClean="0"/>
-              <a:t>12/31/2020</a:t>
+              <a:t>5/19/2021</a:t>
             </a:fld>
             <a:endParaRPr lang="en-US"/>
           </a:p>
@@ -2193,7 +2193,7 @@
           <a:p>
             <a:fld id="{6F311A7E-14CC-4DE4-BB24-955A4AF16883}" type="datetime1">
               <a:rPr lang="en-US" smtClean="0"/>
-              <a:t>12/31/2020</a:t>
+              <a:t>5/19/2021</a:t>
             </a:fld>
             <a:endParaRPr lang="en-US"/>
           </a:p>
@@ -2803,7 +2803,7 @@
           <a:p>
             <a:fld id="{EF870C3A-172C-4742-920C-170AC9D6884C}" type="datetime1">
               <a:rPr lang="en-US" smtClean="0"/>
-              <a:t>12/31/2020</a:t>
+              <a:t>5/19/2021</a:t>
             </a:fld>
             <a:endParaRPr lang="en-US"/>
           </a:p>
@@ -2951,7 +2951,7 @@
           <a:p>
             <a:fld id="{F0697F3A-1F5C-45D2-8635-BAC0A49137F8}" type="datetime1">
               <a:rPr lang="en-US" smtClean="0"/>
-              <a:t>12/31/2020</a:t>
+              <a:t>5/19/2021</a:t>
             </a:fld>
             <a:endParaRPr lang="en-US"/>
           </a:p>
@@ -3053,7 +3053,7 @@
           <a:p>
             <a:fld id="{7CE40A2E-73EE-4399-AF44-FCFE875BF5D2}" type="datetime1">
               <a:rPr lang="en-US" smtClean="0"/>
-              <a:t>12/31/2020</a:t>
+              <a:t>5/19/2021</a:t>
             </a:fld>
             <a:endParaRPr lang="en-US"/>
           </a:p>
@@ -3342,7 +3342,7 @@
           <a:p>
             <a:fld id="{0E5875F7-6E45-4E8B-AAB9-B00487A5ED42}" type="datetime1">
               <a:rPr lang="en-US" smtClean="0"/>
-              <a:t>12/31/2020</a:t>
+              <a:t>5/19/2021</a:t>
             </a:fld>
             <a:endParaRPr lang="en-US"/>
           </a:p>
@@ -3869,7 +3869,7 @@
           <a:p>
             <a:fld id="{E6D889CD-65BC-4528-9972-1F20B0B941FC}" type="datetime1">
               <a:rPr lang="en-US" smtClean="0"/>
-              <a:t>12/31/2020</a:t>
+              <a:t>5/19/2021</a:t>
             </a:fld>
             <a:endParaRPr lang="en-US"/>
           </a:p>
@@ -4394,7 +4394,7 @@
           <a:p>
             <a:fld id="{1E7E45CF-CF3A-4023-8F43-FD308A6C0D8F}" type="datetime1">
               <a:rPr lang="en-US" smtClean="0"/>
-              <a:t>12/31/2020</a:t>
+              <a:t>5/19/2021</a:t>
             </a:fld>
             <a:endParaRPr lang="en-US" dirty="0"/>
           </a:p>
@@ -5029,11 +5029,19 @@
             </a:pPr>
             <a:r>
               <a:rPr lang="fr-FR" sz="4000" dirty="0"/>
-              <a:t>Projet </a:t>
+              <a:t>Projet 8</a:t>
             </a:r>
             <a:r>
               <a:rPr lang="fr-FR" sz="4000" dirty="0" smtClean="0"/>
-              <a:t>5 : Catégorisation automatiquement des questions</a:t>
+              <a:t> : Prédiction des prix des logements(</a:t>
+            </a:r>
+            <a:r>
+              <a:rPr lang="fr-FR" sz="4000" dirty="0" err="1" smtClean="0"/>
+              <a:t>Kaggle</a:t>
+            </a:r>
+            <a:r>
+              <a:rPr lang="fr-FR" sz="4000" dirty="0" smtClean="0"/>
+              <a:t>)</a:t>
             </a:r>
             <a:endParaRPr lang="fr-FR" sz="4000" dirty="0"/>
           </a:p>
@@ -5177,8 +5185,20 @@
               <a:buNone/>
             </a:pPr>
             <a:r>
+              <a:rPr lang="fr-FR" sz="3200" dirty="0"/>
+              <a:t>Les résultats </a:t>
+            </a:r>
+            <a:r>
+              <a:rPr lang="fr-FR" sz="3200" dirty="0" err="1"/>
+              <a:t>Kaggle</a:t>
+            </a:r>
+            <a:r>
+              <a:rPr lang="fr-FR" sz="3200" dirty="0"/>
+              <a:t> </a:t>
+            </a:r>
+            <a:r>
               <a:rPr lang="fr-FR" sz="3200" dirty="0" smtClean="0"/>
-              <a:t>Modélisation : Approche non-supervisée</a:t>
+              <a:t>:</a:t>
             </a:r>
             <a:endParaRPr lang="fr-FR" sz="3200" dirty="0"/>
           </a:p>
@@ -5208,118 +5228,119 @@
           <a:p>
             <a:pPr algn="l"/>
             <a:r>
-              <a:rPr lang="fr-FR" sz="1600" dirty="0" smtClean="0"/>
-              <a:t>Le modèle NMF </a:t>
-            </a:r>
-            <a:r>
-              <a:rPr lang="fr-FR" sz="1600" dirty="0"/>
-              <a:t>(Non-</a:t>
-            </a:r>
-            <a:r>
-              <a:rPr lang="fr-FR" sz="1600" dirty="0" err="1"/>
-              <a:t>Negative</a:t>
-            </a:r>
-            <a:r>
-              <a:rPr lang="fr-FR" sz="1600" dirty="0"/>
-              <a:t> Matrix </a:t>
-            </a:r>
-            <a:r>
-              <a:rPr lang="fr-FR" sz="1600" dirty="0" err="1"/>
-              <a:t>Factorization</a:t>
-            </a:r>
-            <a:r>
-              <a:rPr lang="fr-FR" sz="1600" dirty="0"/>
-              <a:t>) </a:t>
-            </a:r>
-            <a:r>
-              <a:rPr lang="fr-FR" sz="1600" dirty="0" smtClean="0"/>
-              <a:t>:</a:t>
-            </a:r>
+              <a:rPr lang="fr-FR" sz="1600" b="1" dirty="0" smtClean="0"/>
+              <a:t>Etats des lieux de compétitions :</a:t>
+            </a:r>
+          </a:p>
+          <a:p>
+            <a:pPr marL="285750" indent="-285750" algn="l">
+              <a:buFontTx/>
+              <a:buChar char="-"/>
+            </a:pPr>
+            <a:r>
+              <a:rPr lang="fr-FR" sz="1200" b="1" dirty="0" smtClean="0"/>
+              <a:t>10 433 équipes sur la compétition</a:t>
+            </a:r>
+          </a:p>
+          <a:p>
+            <a:pPr marL="285750" indent="-285750" algn="l">
+              <a:buFontTx/>
+              <a:buChar char="-"/>
+            </a:pPr>
+            <a:r>
+              <a:rPr lang="fr-FR" sz="1200" b="1" dirty="0" smtClean="0"/>
+              <a:t>2 502</a:t>
+            </a:r>
+            <a:r>
+              <a:rPr lang="fr-FR" sz="1200" b="1" baseline="30000" dirty="0" smtClean="0"/>
+              <a:t>ème</a:t>
+            </a:r>
+            <a:r>
+              <a:rPr lang="fr-FR" sz="1200" b="1" dirty="0" smtClean="0"/>
+              <a:t> à la première soumission</a:t>
+            </a:r>
+          </a:p>
+          <a:p>
+            <a:pPr marL="285750" indent="-285750" algn="l">
+              <a:buFontTx/>
+              <a:buChar char="-"/>
+            </a:pPr>
+            <a:endParaRPr lang="fr-FR" sz="1600" b="1" dirty="0"/>
+          </a:p>
+          <a:p>
+            <a:pPr marL="285750" indent="-285750" algn="l">
+              <a:buFontTx/>
+              <a:buChar char="-"/>
+            </a:pPr>
+            <a:endParaRPr lang="fr-FR" sz="1600" b="1" dirty="0" smtClean="0"/>
+          </a:p>
+          <a:p>
+            <a:pPr marL="285750" indent="-285750" algn="l">
+              <a:buFontTx/>
+              <a:buChar char="-"/>
+            </a:pPr>
+            <a:endParaRPr lang="fr-FR" sz="1600" b="1" dirty="0"/>
+          </a:p>
+          <a:p>
+            <a:pPr marL="285750" indent="-285750" algn="l">
+              <a:buFontTx/>
+              <a:buChar char="-"/>
+            </a:pPr>
+            <a:endParaRPr lang="fr-FR" sz="1600" b="1" dirty="0" smtClean="0"/>
           </a:p>
           <a:p>
             <a:pPr algn="l"/>
-            <a:endParaRPr lang="fr-FR" sz="1100" dirty="0" smtClean="0"/>
+            <a:r>
+              <a:rPr lang="fr-FR" sz="1600" b="1" dirty="0" smtClean="0"/>
+              <a:t>Les techniques mises en place :</a:t>
+            </a:r>
+          </a:p>
+          <a:p>
+            <a:pPr marL="285750" indent="-285750" algn="l">
+              <a:buFont typeface="Arial" pitchFamily="34" charset="0"/>
+              <a:buChar char="•"/>
+            </a:pPr>
+            <a:r>
+              <a:rPr lang="fr-FR" sz="1200" b="1" dirty="0" smtClean="0"/>
+              <a:t>Normalisation des variables</a:t>
+            </a:r>
+          </a:p>
+          <a:p>
+            <a:pPr marL="285750" indent="-285750" algn="l">
+              <a:buFont typeface="Arial" pitchFamily="34" charset="0"/>
+              <a:buChar char="•"/>
+            </a:pPr>
+            <a:r>
+              <a:rPr lang="fr-FR" sz="1200" b="1" dirty="0" smtClean="0"/>
+              <a:t>Suppression des valeurs aberrantes sur la surface</a:t>
+            </a:r>
+          </a:p>
+          <a:p>
+            <a:pPr marL="285750" indent="-285750" algn="l">
+              <a:buFont typeface="Arial" pitchFamily="34" charset="0"/>
+              <a:buChar char="•"/>
+            </a:pPr>
+            <a:endParaRPr lang="fr-FR" sz="1600" b="1" dirty="0"/>
           </a:p>
           <a:p>
             <a:pPr algn="l"/>
-            <a:endParaRPr lang="fr-FR" sz="1100" dirty="0"/>
+            <a:endParaRPr lang="fr-FR" sz="1600" b="1" dirty="0"/>
           </a:p>
           <a:p>
             <a:pPr algn="l"/>
-            <a:endParaRPr lang="fr-FR" sz="1100" dirty="0" smtClean="0"/>
+            <a:endParaRPr lang="fr-FR" sz="1600" b="1" dirty="0" smtClean="0"/>
           </a:p>
           <a:p>
             <a:pPr algn="l"/>
-            <a:endParaRPr lang="fr-FR" sz="1100" dirty="0"/>
+            <a:endParaRPr lang="fr-FR" sz="1600" b="1" dirty="0"/>
           </a:p>
           <a:p>
             <a:pPr algn="l"/>
-            <a:endParaRPr lang="fr-FR" sz="1100" dirty="0" smtClean="0"/>
+            <a:endParaRPr lang="fr-FR" sz="1600" b="1" dirty="0" smtClean="0"/>
           </a:p>
           <a:p>
             <a:pPr algn="l"/>
-            <a:endParaRPr lang="fr-FR" sz="1100" dirty="0"/>
-          </a:p>
-          <a:p>
-            <a:pPr algn="l"/>
-            <a:endParaRPr lang="fr-FR" sz="1600" dirty="0" smtClean="0"/>
-          </a:p>
-          <a:p>
-            <a:pPr algn="l"/>
-            <a:endParaRPr lang="fr-FR" sz="1600" dirty="0" smtClean="0"/>
-          </a:p>
-          <a:p>
-            <a:pPr algn="l"/>
-            <a:r>
-              <a:rPr lang="fr-FR" sz="1600" dirty="0" smtClean="0"/>
-              <a:t>Mesures de performance : </a:t>
-            </a:r>
-          </a:p>
-          <a:p>
-            <a:pPr algn="l"/>
-            <a:r>
-              <a:rPr lang="fr-FR" sz="1100" dirty="0" smtClean="0"/>
-              <a:t>« </a:t>
-            </a:r>
-            <a:r>
-              <a:rPr lang="fr-FR" sz="1100" b="1" dirty="0" err="1" smtClean="0"/>
-              <a:t>Jacard_smilarity</a:t>
-            </a:r>
-            <a:r>
-              <a:rPr lang="fr-FR" sz="1100" dirty="0" smtClean="0"/>
-              <a:t> », </a:t>
-            </a:r>
-            <a:r>
-              <a:rPr lang="fr-FR" sz="1100" dirty="0"/>
-              <a:t>permet de quantifier la ressemblance entre deux vecteurs(vecteurs </a:t>
-            </a:r>
-            <a:r>
-              <a:rPr lang="fr-FR" sz="1100" dirty="0" smtClean="0"/>
-              <a:t>de </a:t>
-            </a:r>
-            <a:r>
-              <a:rPr lang="fr-FR" sz="1100" dirty="0"/>
-              <a:t>prédictions et vecteurs des vrais </a:t>
-            </a:r>
-            <a:r>
-              <a:rPr lang="fr-FR" sz="1100" dirty="0" smtClean="0"/>
-              <a:t>valeurs)</a:t>
-            </a:r>
-          </a:p>
-          <a:p>
-            <a:pPr algn="l"/>
-            <a:r>
-              <a:rPr lang="fr-FR" sz="1100" dirty="0" smtClean="0"/>
-              <a:t>valeur </a:t>
-            </a:r>
-            <a:r>
-              <a:rPr lang="fr-FR" sz="1100" dirty="0" smtClean="0"/>
-              <a:t>comprise entre [-1,1] : - 1 vecteurs opposés/0 vecteurs indépendants/ 1 vecteurs similaires</a:t>
-            </a:r>
-          </a:p>
-          <a:p>
-            <a:pPr algn="l"/>
-            <a:endParaRPr lang="fr-FR" sz="1100" b="1" dirty="0" smtClean="0"/>
+            <a:endParaRPr lang="fr-FR" sz="1600" b="1" dirty="0" smtClean="0"/>
           </a:p>
         </p:txBody>
       </p:sp>
@@ -5406,7 +5427,7 @@
       </p:pic>
       <p:pic>
         <p:nvPicPr>
-          <p:cNvPr id="3074" name="Picture 2"/>
+          <p:cNvPr id="2050" name="Picture 2"/>
           <p:cNvPicPr>
             <a:picLocks noChangeAspect="1" noChangeArrowheads="1"/>
           </p:cNvPicPr>
@@ -5427,72 +5448,8 @@
         </p:blipFill>
         <p:spPr bwMode="auto">
           <a:xfrm>
-            <a:off x="683569" y="1484784"/>
-            <a:ext cx="4536503" cy="2200877"/>
-          </a:xfrm>
-          <a:prstGeom prst="rect">
-            <a:avLst/>
-          </a:prstGeom>
-          <a:noFill/>
-          <a:ln>
-            <a:noFill/>
-          </a:ln>
-          <a:effectLst/>
-          <a:extLst>
-            <a:ext uri="{909E8E84-426E-40DD-AFC4-6F175D3DCCD1}">
-              <a14:hiddenFill xmlns:a14="http://schemas.microsoft.com/office/drawing/2010/main">
-                <a:solidFill>
-                  <a:schemeClr val="accent1"/>
-                </a:solidFill>
-              </a14:hiddenFill>
-            </a:ext>
-            <a:ext uri="{91240B29-F687-4F45-9708-019B960494DF}">
-              <a14:hiddenLine xmlns:a14="http://schemas.microsoft.com/office/drawing/2010/main" w="9525">
-                <a:solidFill>
-                  <a:schemeClr val="tx1"/>
-                </a:solidFill>
-                <a:miter lim="800000"/>
-                <a:headEnd/>
-                <a:tailEnd/>
-              </a14:hiddenLine>
-            </a:ext>
-            <a:ext uri="{AF507438-7753-43E0-B8FC-AC1667EBCBE1}">
-              <a14:hiddenEffects xmlns:a14="http://schemas.microsoft.com/office/drawing/2010/main">
-                <a:effectLst>
-                  <a:outerShdw dist="35921" dir="2700000" algn="ctr" rotWithShape="0">
-                    <a:schemeClr val="bg2"/>
-                  </a:outerShdw>
-                </a:effectLst>
-              </a14:hiddenEffects>
-            </a:ext>
-          </a:extLst>
-        </p:spPr>
-      </p:pic>
-      <p:pic>
-        <p:nvPicPr>
-          <p:cNvPr id="3075" name="Picture 3"/>
-          <p:cNvPicPr>
-            <a:picLocks noChangeAspect="1" noChangeArrowheads="1"/>
-          </p:cNvPicPr>
-          <p:nvPr/>
-        </p:nvPicPr>
-        <p:blipFill>
-          <a:blip r:embed="rId4">
-            <a:extLst>
-              <a:ext uri="{28A0092B-C50C-407E-A947-70E740481C1C}">
-                <a14:useLocalDpi xmlns:a14="http://schemas.microsoft.com/office/drawing/2010/main" val="0"/>
-              </a:ext>
-            </a:extLst>
-          </a:blip>
-          <a:srcRect/>
-          <a:stretch>
-            <a:fillRect/>
-          </a:stretch>
-        </p:blipFill>
-        <p:spPr bwMode="auto">
-          <a:xfrm>
-            <a:off x="701924" y="4786688"/>
-            <a:ext cx="3004472" cy="360040"/>
+            <a:off x="1010369" y="2204864"/>
+            <a:ext cx="7219950" cy="1104900"/>
           </a:xfrm>
           <a:prstGeom prst="rect">
             <a:avLst/>
@@ -5593,8 +5550,20 @@
               <a:buNone/>
             </a:pPr>
             <a:r>
+              <a:rPr lang="fr-FR" sz="3200" dirty="0"/>
+              <a:t>Les résultats </a:t>
+            </a:r>
+            <a:r>
+              <a:rPr lang="fr-FR" sz="3200" dirty="0" err="1"/>
+              <a:t>Kaggle</a:t>
+            </a:r>
+            <a:r>
+              <a:rPr lang="fr-FR" sz="3200" dirty="0"/>
+              <a:t> </a:t>
+            </a:r>
+            <a:r>
               <a:rPr lang="fr-FR" sz="3200" dirty="0" smtClean="0"/>
-              <a:t>Modélisation : Approche supervisée</a:t>
+              <a:t>:</a:t>
             </a:r>
             <a:endParaRPr lang="fr-FR" sz="3200" dirty="0"/>
           </a:p>
@@ -5624,68 +5593,101 @@
           <a:p>
             <a:pPr algn="l"/>
             <a:r>
-              <a:rPr lang="fr-FR" sz="1100" dirty="0" smtClean="0"/>
-              <a:t>Déterminer la liste des tags qui correspond à une phrase en entrée </a:t>
-            </a:r>
+              <a:rPr lang="fr-FR" sz="1600" b="1" dirty="0" smtClean="0"/>
+              <a:t>Les améliorations apportées :</a:t>
+            </a:r>
+          </a:p>
+          <a:p>
+            <a:pPr marL="285750" indent="-285750" algn="l">
+              <a:buFontTx/>
+              <a:buChar char="-"/>
+            </a:pPr>
+            <a:r>
+              <a:rPr lang="fr-FR" sz="1200" b="1" dirty="0" smtClean="0"/>
+              <a:t>Etendre la vérification des </a:t>
+            </a:r>
+            <a:r>
+              <a:rPr lang="fr-FR" sz="1200" b="1" dirty="0" err="1"/>
+              <a:t>O</a:t>
+            </a:r>
+            <a:r>
+              <a:rPr lang="fr-FR" sz="1200" b="1" dirty="0" err="1" smtClean="0"/>
+              <a:t>utliers</a:t>
+            </a:r>
+            <a:endParaRPr lang="fr-FR" sz="1200" b="1" dirty="0"/>
+          </a:p>
+          <a:p>
+            <a:pPr marL="285750" indent="-285750" algn="l">
+              <a:buFontTx/>
+              <a:buChar char="-"/>
+            </a:pPr>
+            <a:endParaRPr lang="fr-FR" sz="1200" b="1" dirty="0" smtClean="0"/>
+          </a:p>
+          <a:p>
+            <a:pPr marL="285750" indent="-285750" algn="l">
+              <a:buFontTx/>
+              <a:buChar char="-"/>
+            </a:pPr>
+            <a:endParaRPr lang="fr-FR" sz="1200" b="1" dirty="0"/>
+          </a:p>
+          <a:p>
+            <a:pPr marL="285750" indent="-285750" algn="l">
+              <a:buFontTx/>
+              <a:buChar char="-"/>
+            </a:pPr>
+            <a:endParaRPr lang="fr-FR" sz="1200" b="1" dirty="0" smtClean="0"/>
+          </a:p>
+          <a:p>
+            <a:pPr marL="285750" indent="-285750" algn="l">
+              <a:buFontTx/>
+              <a:buChar char="-"/>
+            </a:pPr>
+            <a:endParaRPr lang="fr-FR" sz="1200" b="1" dirty="0"/>
+          </a:p>
+          <a:p>
+            <a:pPr marL="285750" indent="-285750" algn="l">
+              <a:buFontTx/>
+              <a:buChar char="-"/>
+            </a:pPr>
+            <a:endParaRPr lang="fr-FR" sz="1200" b="1" dirty="0" smtClean="0"/>
+          </a:p>
+          <a:p>
+            <a:pPr marL="285750" indent="-285750" algn="l">
+              <a:buFontTx/>
+              <a:buChar char="-"/>
+            </a:pPr>
+            <a:endParaRPr lang="fr-FR" sz="1200" b="1" dirty="0"/>
           </a:p>
           <a:p>
             <a:pPr algn="l"/>
-            <a:r>
-              <a:rPr lang="fr-FR" sz="1600" dirty="0" smtClean="0"/>
-              <a:t>Plusieurs modèles testés </a:t>
-            </a:r>
+            <a:endParaRPr lang="fr-FR" sz="1200" b="1" dirty="0"/>
           </a:p>
           <a:p>
             <a:pPr algn="l"/>
-            <a:r>
-              <a:rPr lang="fr-FR" sz="1600" u="sng" dirty="0" err="1" smtClean="0"/>
-              <a:t>Metrics</a:t>
-            </a:r>
-            <a:r>
-              <a:rPr lang="fr-FR" sz="1600" dirty="0" smtClean="0"/>
-              <a:t> : </a:t>
-            </a:r>
+            <a:endParaRPr lang="fr-FR" sz="1600" b="1" dirty="0"/>
           </a:p>
           <a:p>
             <a:pPr algn="l"/>
-            <a:r>
-              <a:rPr lang="fr-FR" sz="1100" dirty="0" err="1" smtClean="0"/>
-              <a:t>Jaccard_score</a:t>
-            </a:r>
-            <a:r>
-              <a:rPr lang="fr-FR" sz="1100" dirty="0" smtClean="0"/>
-              <a:t> : mesure de similarité et diversité entre les </a:t>
-            </a:r>
-            <a:r>
-              <a:rPr lang="fr-FR" sz="1100" dirty="0"/>
-              <a:t>é</a:t>
-            </a:r>
-            <a:r>
-              <a:rPr lang="fr-FR" sz="1100" dirty="0" smtClean="0"/>
-              <a:t>chantillons</a:t>
-            </a:r>
+            <a:endParaRPr lang="fr-FR" sz="1600" b="1" dirty="0" smtClean="0"/>
           </a:p>
           <a:p>
             <a:pPr algn="l"/>
             <a:r>
-              <a:rPr lang="fr-FR" sz="1100" dirty="0" err="1" smtClean="0"/>
-              <a:t>Accuracy_score</a:t>
-            </a:r>
-            <a:r>
-              <a:rPr lang="fr-FR" sz="1100" dirty="0" smtClean="0"/>
-              <a:t> : mesure de précision de prédiction</a:t>
+              <a:rPr lang="fr-FR" sz="1200" b="1" dirty="0" smtClean="0"/>
+              <a:t>La matrice des corrélations nous permet d’identifier les variables à prendre en compte:</a:t>
             </a:r>
           </a:p>
           <a:p>
             <a:pPr algn="l"/>
-            <a:r>
-              <a:rPr lang="fr-FR" sz="1600" b="1" u="sng" dirty="0" smtClean="0"/>
-              <a:t>Résultats </a:t>
-            </a:r>
-            <a:r>
-              <a:rPr lang="fr-FR" sz="1600" dirty="0" smtClean="0"/>
-              <a:t>:</a:t>
-            </a:r>
+            <a:endParaRPr lang="fr-FR" sz="1200" b="1" dirty="0"/>
+          </a:p>
+          <a:p>
+            <a:pPr algn="l"/>
+            <a:endParaRPr lang="fr-FR" sz="1600" b="1" dirty="0" smtClean="0"/>
+          </a:p>
+          <a:p>
+            <a:pPr algn="l"/>
+            <a:endParaRPr lang="fr-FR" sz="1600" b="1" dirty="0" smtClean="0"/>
           </a:p>
         </p:txBody>
       </p:sp>
@@ -5772,13 +5774,13 @@
       </p:pic>
       <p:pic>
         <p:nvPicPr>
-          <p:cNvPr id="8194" name="Picture 2"/>
+          <p:cNvPr id="3074" name="Picture 2"/>
           <p:cNvPicPr>
             <a:picLocks noChangeAspect="1" noChangeArrowheads="1"/>
           </p:cNvPicPr>
           <p:nvPr/>
         </p:nvPicPr>
-        <p:blipFill>
+        <p:blipFill rotWithShape="1">
           <a:blip r:embed="rId3">
             <a:extLst>
               <a:ext uri="{28A0092B-C50C-407E-A947-70E740481C1C}">
@@ -5786,15 +5788,13 @@
               </a:ext>
             </a:extLst>
           </a:blip>
-          <a:srcRect/>
-          <a:stretch>
-            <a:fillRect/>
-          </a:stretch>
+          <a:srcRect b="23456"/>
+          <a:stretch/>
         </p:blipFill>
         <p:spPr bwMode="auto">
           <a:xfrm>
-            <a:off x="683568" y="2924943"/>
-            <a:ext cx="3240360" cy="3290991"/>
+            <a:off x="3635896" y="2011453"/>
+            <a:ext cx="5278447" cy="1800200"/>
           </a:xfrm>
           <a:prstGeom prst="rect">
             <a:avLst/>
@@ -5834,509 +5834,16 @@
           </a:extLst>
         </p:spPr>
       </p:pic>
-      <p:sp>
-        <p:nvSpPr>
-          <p:cNvPr id="5" name="ZoneTexte 4"/>
-          <p:cNvSpPr txBox="1"/>
-          <p:nvPr/>
-        </p:nvSpPr>
-        <p:spPr>
-          <a:xfrm>
-            <a:off x="4375688" y="4653136"/>
-            <a:ext cx="4104455" cy="1200329"/>
-          </a:xfrm>
-          <a:prstGeom prst="rect">
-            <a:avLst/>
-          </a:prstGeom>
-          <a:noFill/>
-        </p:spPr>
-        <p:txBody>
-          <a:bodyPr wrap="square" rtlCol="0">
-            <a:spAutoFit/>
-          </a:bodyPr>
-          <a:lstStyle/>
-          <a:p>
-            <a:r>
-              <a:rPr lang="fr-FR" sz="1200" dirty="0" err="1" smtClean="0"/>
-              <a:t>LogisticRegression</a:t>
-            </a:r>
-            <a:r>
-              <a:rPr lang="fr-FR" sz="1200" dirty="0" smtClean="0"/>
-              <a:t> a un meilleur score(0,45)</a:t>
-            </a:r>
-          </a:p>
-          <a:p>
-            <a:endParaRPr lang="fr-FR" sz="1200" dirty="0" smtClean="0"/>
-          </a:p>
-          <a:p>
-            <a:r>
-              <a:rPr lang="fr-FR" sz="1200" dirty="0" smtClean="0"/>
-              <a:t>C’est un modèle de régression binomiale, c’est un cas particulier de modèle linéaire généralisé</a:t>
-            </a:r>
-          </a:p>
-          <a:p>
-            <a:endParaRPr lang="fr-FR" sz="1200" dirty="0"/>
-          </a:p>
-          <a:p>
-            <a:r>
-              <a:rPr lang="fr-FR" sz="1200" dirty="0" smtClean="0"/>
-              <a:t>Modèle à </a:t>
-            </a:r>
-            <a:r>
-              <a:rPr lang="fr-FR" sz="1200" dirty="0" smtClean="0"/>
-              <a:t>utiliser dans </a:t>
-            </a:r>
-            <a:r>
-              <a:rPr lang="fr-FR" sz="1200" dirty="0" smtClean="0"/>
-              <a:t>le </a:t>
-            </a:r>
-            <a:r>
-              <a:rPr lang="fr-FR" sz="1200" dirty="0" err="1" smtClean="0"/>
-              <a:t>WebAPI</a:t>
-            </a:r>
-            <a:endParaRPr lang="fr-FR" sz="1200" dirty="0"/>
-          </a:p>
-        </p:txBody>
-      </p:sp>
-      <p:sp>
-        <p:nvSpPr>
-          <p:cNvPr id="4" name="ZoneTexte 3"/>
-          <p:cNvSpPr txBox="1"/>
-          <p:nvPr/>
-        </p:nvSpPr>
-        <p:spPr>
-          <a:xfrm>
-            <a:off x="4354740" y="2780928"/>
-            <a:ext cx="3888432" cy="1631216"/>
-          </a:xfrm>
-          <a:prstGeom prst="rect">
-            <a:avLst/>
-          </a:prstGeom>
-          <a:noFill/>
-        </p:spPr>
-        <p:txBody>
-          <a:bodyPr wrap="square" rtlCol="0">
-            <a:spAutoFit/>
-          </a:bodyPr>
-          <a:lstStyle/>
-          <a:p>
-            <a:r>
-              <a:rPr lang="fr-FR" sz="1200" dirty="0" smtClean="0"/>
-              <a:t>Temps d’entrainement (s) : </a:t>
-            </a:r>
-          </a:p>
-          <a:p>
-            <a:pPr lvl="1"/>
-            <a:r>
-              <a:rPr lang="fr-FR" sz="1100" dirty="0" err="1" smtClean="0">
-                <a:solidFill>
-                  <a:srgbClr val="C00000"/>
-                </a:solidFill>
-              </a:rPr>
-              <a:t>LogisticsRegression</a:t>
-            </a:r>
-            <a:r>
-              <a:rPr lang="fr-FR" sz="1100" dirty="0" smtClean="0">
-                <a:solidFill>
-                  <a:srgbClr val="C00000"/>
-                </a:solidFill>
-              </a:rPr>
-              <a:t> : 	</a:t>
-            </a:r>
-            <a:r>
-              <a:rPr lang="fr-FR" sz="1100" dirty="0">
-                <a:solidFill>
-                  <a:srgbClr val="C00000"/>
-                </a:solidFill>
-              </a:rPr>
-              <a:t>	</a:t>
-            </a:r>
-            <a:r>
-              <a:rPr lang="fr-FR" sz="1100" dirty="0" smtClean="0">
-                <a:solidFill>
-                  <a:srgbClr val="C00000"/>
-                </a:solidFill>
-              </a:rPr>
-              <a:t>2,25 mn</a:t>
-            </a:r>
-          </a:p>
-          <a:p>
-            <a:pPr lvl="1"/>
-            <a:r>
-              <a:rPr lang="fr-FR" sz="1100" dirty="0" err="1" smtClean="0"/>
-              <a:t>SGDBClassifier</a:t>
-            </a:r>
-            <a:r>
-              <a:rPr lang="fr-FR" sz="1100" dirty="0" smtClean="0"/>
-              <a:t> :	 	0,28 mn</a:t>
-            </a:r>
-          </a:p>
-          <a:p>
-            <a:pPr lvl="1"/>
-            <a:r>
-              <a:rPr lang="fr-FR" sz="1100" dirty="0" err="1" smtClean="0"/>
-              <a:t>RandomForest</a:t>
-            </a:r>
-            <a:r>
-              <a:rPr lang="fr-FR" sz="1100" dirty="0" smtClean="0"/>
-              <a:t> : 	 	1,60 mn</a:t>
-            </a:r>
-          </a:p>
-          <a:p>
-            <a:pPr lvl="1"/>
-            <a:r>
-              <a:rPr lang="fr-FR" sz="1100" dirty="0" smtClean="0"/>
-              <a:t>KNN :		 	13,4 mn</a:t>
-            </a:r>
-          </a:p>
-          <a:p>
-            <a:pPr lvl="1"/>
-            <a:r>
-              <a:rPr lang="fr-FR" sz="1100" dirty="0" err="1" smtClean="0"/>
-              <a:t>MultinomialNB</a:t>
-            </a:r>
-            <a:r>
-              <a:rPr lang="fr-FR" sz="1100" dirty="0" smtClean="0"/>
-              <a:t> :	 	0,10 mn</a:t>
-            </a:r>
-          </a:p>
-          <a:p>
-            <a:pPr lvl="1"/>
-            <a:r>
-              <a:rPr lang="fr-FR" sz="1100" dirty="0" err="1" smtClean="0"/>
-              <a:t>LinearSVC</a:t>
-            </a:r>
-            <a:r>
-              <a:rPr lang="fr-FR" sz="1100" dirty="0" smtClean="0"/>
-              <a:t> :	 	9,08 mn</a:t>
-            </a:r>
-          </a:p>
-          <a:p>
-            <a:pPr lvl="1"/>
-            <a:r>
-              <a:rPr lang="fr-FR" sz="1100" dirty="0" smtClean="0"/>
-              <a:t>Perceptron:	 	1,08 mn</a:t>
-            </a:r>
-          </a:p>
-          <a:p>
-            <a:pPr lvl="1"/>
-            <a:r>
-              <a:rPr lang="fr-FR" sz="1100" dirty="0" err="1" smtClean="0"/>
-              <a:t>PassiveAgressiveClassifier</a:t>
-            </a:r>
-            <a:r>
-              <a:rPr lang="fr-FR" sz="1100" dirty="0" smtClean="0"/>
-              <a:t> : 	1,40mn</a:t>
-            </a:r>
-            <a:endParaRPr lang="fr-FR" sz="1100" dirty="0"/>
-          </a:p>
-        </p:txBody>
-      </p:sp>
-    </p:spTree>
-    <p:extLst>
-      <p:ext uri="{BB962C8B-B14F-4D97-AF65-F5344CB8AC3E}">
-        <p14:creationId xmlns:p14="http://schemas.microsoft.com/office/powerpoint/2010/main" val="3625589253"/>
-      </p:ext>
-    </p:extLst>
-  </p:cSld>
-  <p:clrMapOvr>
-    <a:masterClrMapping/>
-  </p:clrMapOvr>
-  <p:timing>
-    <p:tnLst>
-      <p:par>
-        <p:cTn id="1" dur="indefinite" restart="never" nodeType="tmRoot"/>
-      </p:par>
-    </p:tnLst>
-  </p:timing>
-</p:sld>
-</file>
-
-<file path=ppt/slides/slide12.xml><?xml version="1.0" encoding="utf-8"?>
-<p:sld xmlns:a="http://schemas.openxmlformats.org/drawingml/2006/main" xmlns:r="http://schemas.openxmlformats.org/officeDocument/2006/relationships" xmlns:p="http://schemas.openxmlformats.org/presentationml/2006/main">
-  <p:cSld>
-    <p:spTree>
-      <p:nvGrpSpPr>
-        <p:cNvPr id="1" name=""/>
-        <p:cNvGrpSpPr/>
-        <p:nvPr/>
-      </p:nvGrpSpPr>
-      <p:grpSpPr>
-        <a:xfrm>
-          <a:off x="0" y="0"/>
-          <a:ext cx="0" cy="0"/>
-          <a:chOff x="0" y="0"/>
-          <a:chExt cx="0" cy="0"/>
-        </a:xfrm>
-      </p:grpSpPr>
-      <p:sp>
-        <p:nvSpPr>
-          <p:cNvPr id="2" name="Titre 1"/>
-          <p:cNvSpPr>
-            <a:spLocks noGrp="1"/>
-          </p:cNvSpPr>
-          <p:nvPr>
-            <p:ph type="title"/>
-          </p:nvPr>
-        </p:nvSpPr>
-        <p:spPr>
-          <a:xfrm>
-            <a:off x="395536" y="332656"/>
-            <a:ext cx="8424936" cy="720080"/>
-          </a:xfrm>
-        </p:spPr>
-        <p:txBody>
-          <a:bodyPr/>
-          <a:lstStyle/>
-          <a:p>
-            <a:pPr marL="0" indent="0" algn="l">
-              <a:buNone/>
-            </a:pPr>
-            <a:r>
-              <a:rPr lang="fr-FR" sz="3200" dirty="0" smtClean="0"/>
-              <a:t>Test Web API</a:t>
-            </a:r>
-            <a:endParaRPr lang="fr-FR" sz="3200" dirty="0"/>
-          </a:p>
-        </p:txBody>
-      </p:sp>
-      <p:sp>
-        <p:nvSpPr>
-          <p:cNvPr id="3" name="Espace réservé du texte 2"/>
-          <p:cNvSpPr>
-            <a:spLocks noGrp="1"/>
-          </p:cNvSpPr>
-          <p:nvPr>
-            <p:ph type="body" idx="1"/>
-          </p:nvPr>
-        </p:nvSpPr>
-        <p:spPr>
-          <a:xfrm>
-            <a:off x="611560" y="1196752"/>
-            <a:ext cx="7848872" cy="4464496"/>
-          </a:xfrm>
-        </p:spPr>
-        <p:txBody>
-          <a:bodyPr>
-            <a:normAutofit/>
-          </a:bodyPr>
-          <a:lstStyle/>
-          <a:p>
-            <a:pPr algn="l"/>
-            <a:endParaRPr lang="fr-FR" sz="1100" dirty="0" smtClean="0"/>
-          </a:p>
-          <a:p>
-            <a:pPr algn="l"/>
-            <a:r>
-              <a:rPr lang="fr-FR" sz="1100" dirty="0" err="1" smtClean="0"/>
-              <a:t>Flask</a:t>
-            </a:r>
-            <a:r>
-              <a:rPr lang="fr-FR" sz="1100" dirty="0" smtClean="0"/>
-              <a:t> API hébergé sur </a:t>
-            </a:r>
-            <a:r>
-              <a:rPr lang="fr-FR" sz="1100" dirty="0" err="1" smtClean="0"/>
-              <a:t>PythonAnywhere</a:t>
-            </a:r>
-            <a:endParaRPr lang="fr-FR" sz="1100" dirty="0" smtClean="0"/>
-          </a:p>
-          <a:p>
-            <a:pPr algn="l"/>
-            <a:r>
-              <a:rPr lang="fr-FR" sz="1100" dirty="0" smtClean="0"/>
-              <a:t>Phrase de test : </a:t>
-            </a:r>
-            <a:r>
-              <a:rPr lang="fr-FR" sz="1100" dirty="0"/>
-              <a:t>« </a:t>
-            </a:r>
-            <a:r>
-              <a:rPr lang="fr-FR" sz="1100" dirty="0" smtClean="0"/>
-              <a:t>Mes langages préférés sont : </a:t>
-            </a:r>
-            <a:r>
-              <a:rPr lang="fr-FR" sz="1100" dirty="0" err="1" smtClean="0"/>
-              <a:t>javascript</a:t>
-            </a:r>
-            <a:r>
-              <a:rPr lang="fr-FR" sz="1100" dirty="0" smtClean="0"/>
-              <a:t>, python, c#, PHP»</a:t>
-            </a:r>
-          </a:p>
-          <a:p>
-            <a:pPr algn="l"/>
-            <a:r>
-              <a:rPr lang="fr-FR" sz="1100" dirty="0" smtClean="0"/>
-              <a:t>Modèle : </a:t>
-            </a:r>
-            <a:r>
-              <a:rPr lang="fr-FR" sz="1100" dirty="0" err="1" smtClean="0"/>
-              <a:t>LogisticsRegression</a:t>
-            </a:r>
-            <a:endParaRPr lang="fr-FR" sz="1100" dirty="0" smtClean="0"/>
-          </a:p>
-          <a:p>
-            <a:pPr algn="l"/>
-            <a:endParaRPr lang="fr-FR" sz="1100" dirty="0" smtClean="0"/>
-          </a:p>
-          <a:p>
-            <a:pPr algn="l"/>
-            <a:endParaRPr lang="fr-FR" sz="1100" dirty="0"/>
-          </a:p>
-          <a:p>
-            <a:pPr algn="l"/>
-            <a:endParaRPr lang="fr-FR" sz="1100" dirty="0" smtClean="0"/>
-          </a:p>
-          <a:p>
-            <a:pPr algn="l"/>
-            <a:endParaRPr lang="fr-FR" sz="1100" dirty="0"/>
-          </a:p>
-          <a:p>
-            <a:pPr algn="l"/>
-            <a:endParaRPr lang="fr-FR" sz="1100" dirty="0" smtClean="0"/>
-          </a:p>
-          <a:p>
-            <a:pPr algn="l"/>
-            <a:endParaRPr lang="fr-FR" sz="1100" dirty="0"/>
-          </a:p>
-          <a:p>
-            <a:pPr algn="l"/>
-            <a:endParaRPr lang="fr-FR" sz="1100" dirty="0" smtClean="0"/>
-          </a:p>
-          <a:p>
-            <a:pPr algn="l"/>
-            <a:endParaRPr lang="fr-FR" sz="1100" dirty="0"/>
-          </a:p>
-          <a:p>
-            <a:pPr algn="l"/>
-            <a:endParaRPr lang="fr-FR" sz="1100" dirty="0" smtClean="0"/>
-          </a:p>
-          <a:p>
-            <a:pPr algn="l"/>
-            <a:endParaRPr lang="fr-FR" sz="1100" dirty="0"/>
-          </a:p>
-          <a:p>
-            <a:pPr algn="l"/>
-            <a:endParaRPr lang="fr-FR" sz="1100" dirty="0" smtClean="0"/>
-          </a:p>
-          <a:p>
-            <a:pPr algn="l"/>
-            <a:endParaRPr lang="fr-FR" sz="1100" dirty="0"/>
-          </a:p>
-          <a:p>
-            <a:pPr algn="l"/>
-            <a:r>
-              <a:rPr lang="fr-FR" sz="1100" dirty="0" smtClean="0"/>
-              <a:t>Résultat : </a:t>
-            </a:r>
-            <a:r>
-              <a:rPr lang="fr-FR" sz="1100" dirty="0"/>
-              <a:t>['</a:t>
-            </a:r>
-            <a:r>
-              <a:rPr lang="fr-FR" sz="1100" dirty="0" err="1"/>
-              <a:t>javascript</a:t>
-            </a:r>
-            <a:r>
-              <a:rPr lang="fr-FR" sz="1100" dirty="0"/>
-              <a:t>', 'python']</a:t>
-            </a:r>
-            <a:endParaRPr lang="fr-FR" sz="1100" dirty="0" smtClean="0"/>
-          </a:p>
-        </p:txBody>
-      </p:sp>
-      <p:sp>
-        <p:nvSpPr>
-          <p:cNvPr id="6" name="Espace réservé du pied de page 5"/>
-          <p:cNvSpPr>
-            <a:spLocks noGrp="1"/>
-          </p:cNvSpPr>
-          <p:nvPr>
-            <p:ph type="ftr" sz="quarter" idx="11"/>
-          </p:nvPr>
-        </p:nvSpPr>
-        <p:spPr/>
-        <p:txBody>
-          <a:bodyPr/>
-          <a:lstStyle/>
-          <a:p>
-            <a:r>
-              <a:rPr lang="en-US" dirty="0" err="1" smtClean="0"/>
-              <a:t>Léandre</a:t>
-            </a:r>
-            <a:r>
-              <a:rPr lang="en-US" dirty="0" smtClean="0"/>
-              <a:t> ANDRIANIAINA</a:t>
-            </a:r>
-            <a:endParaRPr lang="en-US" dirty="0"/>
-          </a:p>
-        </p:txBody>
-      </p:sp>
-      <p:sp>
-        <p:nvSpPr>
-          <p:cNvPr id="7" name="Espace réservé du numéro de diapositive 6"/>
-          <p:cNvSpPr>
-            <a:spLocks noGrp="1"/>
-          </p:cNvSpPr>
-          <p:nvPr>
-            <p:ph type="sldNum" sz="quarter" idx="12"/>
-          </p:nvPr>
-        </p:nvSpPr>
-        <p:spPr/>
-        <p:txBody>
-          <a:bodyPr/>
-          <a:lstStyle/>
-          <a:p>
-            <a:fld id="{D7E63A33-8271-4DD0-9C48-789913D7C115}" type="slidenum">
-              <a:rPr lang="en-US" smtClean="0"/>
-              <a:pPr/>
-              <a:t>12</a:t>
-            </a:fld>
-            <a:endParaRPr lang="en-US" dirty="0"/>
-          </a:p>
-        </p:txBody>
-      </p:sp>
       <p:pic>
         <p:nvPicPr>
-          <p:cNvPr id="8" name="Image 7"/>
-          <p:cNvPicPr>
-            <a:picLocks noChangeAspect="1"/>
-          </p:cNvPicPr>
-          <p:nvPr/>
-        </p:nvPicPr>
-        <p:blipFill>
-          <a:blip r:embed="rId2" cstate="print">
-            <a:extLst>
-              <a:ext uri="{28A0092B-C50C-407E-A947-70E740481C1C}">
-                <a14:useLocalDpi xmlns:a14="http://schemas.microsoft.com/office/drawing/2010/main" val="0"/>
-              </a:ext>
-            </a:extLst>
-          </a:blip>
-          <a:stretch>
-            <a:fillRect/>
-          </a:stretch>
-        </p:blipFill>
-        <p:spPr>
-          <a:xfrm>
-            <a:off x="8230319" y="6212347"/>
-            <a:ext cx="913681" cy="645653"/>
-          </a:xfrm>
-          <a:prstGeom prst="rect">
-            <a:avLst/>
-          </a:prstGeom>
-        </p:spPr>
-      </p:pic>
-      <p:pic>
-        <p:nvPicPr>
-          <p:cNvPr id="4098" name="Picture 2"/>
+          <p:cNvPr id="3075" name="Picture 3"/>
           <p:cNvPicPr>
             <a:picLocks noChangeAspect="1" noChangeArrowheads="1"/>
           </p:cNvPicPr>
           <p:nvPr/>
         </p:nvPicPr>
         <p:blipFill>
-          <a:blip r:embed="rId3">
+          <a:blip r:embed="rId4">
             <a:extLst>
               <a:ext uri="{28A0092B-C50C-407E-A947-70E740481C1C}">
                 <a14:useLocalDpi xmlns:a14="http://schemas.microsoft.com/office/drawing/2010/main" val="0"/>
@@ -6350,8 +5857,8 @@
         </p:blipFill>
         <p:spPr bwMode="auto">
           <a:xfrm>
-            <a:off x="670724" y="2420888"/>
-            <a:ext cx="7545673" cy="2435874"/>
+            <a:off x="899592" y="1844824"/>
+            <a:ext cx="2592288" cy="2277475"/>
           </a:xfrm>
           <a:prstGeom prst="rect">
             <a:avLst/>
@@ -6394,7 +5901,324 @@
     </p:spTree>
     <p:extLst>
       <p:ext uri="{BB962C8B-B14F-4D97-AF65-F5344CB8AC3E}">
-        <p14:creationId xmlns:p14="http://schemas.microsoft.com/office/powerpoint/2010/main" val="4266399491"/>
+        <p14:creationId xmlns:p14="http://schemas.microsoft.com/office/powerpoint/2010/main" val="4254941"/>
+      </p:ext>
+    </p:extLst>
+  </p:cSld>
+  <p:clrMapOvr>
+    <a:masterClrMapping/>
+  </p:clrMapOvr>
+  <p:timing>
+    <p:tnLst>
+      <p:par>
+        <p:cTn id="1" dur="indefinite" restart="never" nodeType="tmRoot"/>
+      </p:par>
+    </p:tnLst>
+  </p:timing>
+</p:sld>
+</file>
+
+<file path=ppt/slides/slide12.xml><?xml version="1.0" encoding="utf-8"?>
+<p:sld xmlns:a="http://schemas.openxmlformats.org/drawingml/2006/main" xmlns:r="http://schemas.openxmlformats.org/officeDocument/2006/relationships" xmlns:p="http://schemas.openxmlformats.org/presentationml/2006/main">
+  <p:cSld>
+    <p:spTree>
+      <p:nvGrpSpPr>
+        <p:cNvPr id="1" name=""/>
+        <p:cNvGrpSpPr/>
+        <p:nvPr/>
+      </p:nvGrpSpPr>
+      <p:grpSpPr>
+        <a:xfrm>
+          <a:off x="0" y="0"/>
+          <a:ext cx="0" cy="0"/>
+          <a:chOff x="0" y="0"/>
+          <a:chExt cx="0" cy="0"/>
+        </a:xfrm>
+      </p:grpSpPr>
+      <p:sp>
+        <p:nvSpPr>
+          <p:cNvPr id="2" name="Titre 1"/>
+          <p:cNvSpPr>
+            <a:spLocks noGrp="1"/>
+          </p:cNvSpPr>
+          <p:nvPr>
+            <p:ph type="title"/>
+          </p:nvPr>
+        </p:nvSpPr>
+        <p:spPr>
+          <a:xfrm>
+            <a:off x="395536" y="332656"/>
+            <a:ext cx="8424936" cy="720080"/>
+          </a:xfrm>
+        </p:spPr>
+        <p:txBody>
+          <a:bodyPr/>
+          <a:lstStyle/>
+          <a:p>
+            <a:pPr marL="0" indent="0" algn="l">
+              <a:buNone/>
+            </a:pPr>
+            <a:r>
+              <a:rPr lang="fr-FR" sz="3200" dirty="0"/>
+              <a:t>Les résultats </a:t>
+            </a:r>
+            <a:r>
+              <a:rPr lang="fr-FR" sz="3200" dirty="0" err="1"/>
+              <a:t>Kaggle</a:t>
+            </a:r>
+            <a:r>
+              <a:rPr lang="fr-FR" sz="3200" dirty="0"/>
+              <a:t> </a:t>
+            </a:r>
+            <a:r>
+              <a:rPr lang="fr-FR" sz="3200" dirty="0" smtClean="0"/>
+              <a:t>:</a:t>
+            </a:r>
+            <a:endParaRPr lang="fr-FR" sz="3200" dirty="0"/>
+          </a:p>
+        </p:txBody>
+      </p:sp>
+      <p:sp>
+        <p:nvSpPr>
+          <p:cNvPr id="3" name="Espace réservé du texte 2"/>
+          <p:cNvSpPr>
+            <a:spLocks noGrp="1"/>
+          </p:cNvSpPr>
+          <p:nvPr>
+            <p:ph type="body" idx="1"/>
+          </p:nvPr>
+        </p:nvSpPr>
+        <p:spPr>
+          <a:xfrm>
+            <a:off x="611560" y="1196752"/>
+            <a:ext cx="7848872" cy="4464496"/>
+          </a:xfrm>
+        </p:spPr>
+        <p:txBody>
+          <a:bodyPr>
+            <a:normAutofit/>
+          </a:bodyPr>
+          <a:lstStyle/>
+          <a:p>
+            <a:pPr algn="l"/>
+            <a:r>
+              <a:rPr lang="fr-FR" sz="1600" b="1" dirty="0" smtClean="0"/>
+              <a:t>Les améliorations apportées :</a:t>
+            </a:r>
+          </a:p>
+          <a:p>
+            <a:pPr algn="l"/>
+            <a:endParaRPr lang="fr-FR" sz="1200" b="1" dirty="0"/>
+          </a:p>
+          <a:p>
+            <a:pPr marL="285750" indent="-285750" algn="l">
+              <a:buFontTx/>
+              <a:buChar char="-"/>
+            </a:pPr>
+            <a:r>
+              <a:rPr lang="fr-FR" sz="1200" b="1" dirty="0" smtClean="0"/>
+              <a:t>Utiliser des nouvelles variables pertinentes comme :</a:t>
+            </a:r>
+          </a:p>
+          <a:p>
+            <a:pPr algn="l"/>
+            <a:r>
+              <a:rPr lang="fr-FR" sz="1100" dirty="0" smtClean="0"/>
+              <a:t>l’âge de la maison au moment de la vente à la place de l’année de construction</a:t>
+            </a:r>
+          </a:p>
+          <a:p>
+            <a:pPr algn="l"/>
+            <a:r>
+              <a:rPr lang="fr-FR" sz="1100" dirty="0" smtClean="0"/>
+              <a:t>un </a:t>
+            </a:r>
+            <a:r>
+              <a:rPr lang="fr-FR" sz="1100" dirty="0" err="1" smtClean="0"/>
+              <a:t>FlagRénovation</a:t>
+            </a:r>
+            <a:r>
+              <a:rPr lang="fr-FR" sz="1100" dirty="0" smtClean="0"/>
+              <a:t> à la place de la date de rénovation</a:t>
+            </a:r>
+          </a:p>
+          <a:p>
+            <a:pPr algn="l"/>
+            <a:r>
+              <a:rPr lang="fr-FR" sz="1100" dirty="0" smtClean="0"/>
+              <a:t>La surface totale qui regroupe l’ensemble des surfaces(Sous-sol, RDC, Etages)</a:t>
+            </a:r>
+          </a:p>
+          <a:p>
+            <a:pPr algn="l"/>
+            <a:endParaRPr lang="fr-FR" sz="1200" b="1" dirty="0" smtClean="0"/>
+          </a:p>
+          <a:p>
+            <a:pPr marL="285750" indent="-285750" algn="l">
+              <a:buFontTx/>
+              <a:buChar char="-"/>
+            </a:pPr>
+            <a:r>
+              <a:rPr lang="fr-FR" sz="1200" b="1" dirty="0" smtClean="0"/>
+              <a:t>Traitement des variables catégorielles au cas par cas pour éviter un problème de sous-évaluation de l’importance des variables</a:t>
+            </a:r>
+          </a:p>
+          <a:p>
+            <a:pPr algn="l"/>
+            <a:r>
+              <a:rPr lang="fr-FR" sz="1100" dirty="0" smtClean="0"/>
+              <a:t>Les variables catégorielles ordonnées sont remplacées </a:t>
+            </a:r>
+            <a:r>
+              <a:rPr lang="fr-FR" sz="1100" dirty="0"/>
+              <a:t>comme suivant "Fa":1, "TA":2, "Gd":3, "Ex":4</a:t>
+            </a:r>
+            <a:endParaRPr lang="fr-FR" sz="1100" dirty="0" smtClean="0"/>
+          </a:p>
+          <a:p>
+            <a:pPr marL="285750" indent="-285750" algn="l">
+              <a:buFontTx/>
+              <a:buChar char="-"/>
+            </a:pPr>
+            <a:endParaRPr lang="fr-FR" sz="1200" b="1" dirty="0" smtClean="0"/>
+          </a:p>
+          <a:p>
+            <a:pPr algn="l"/>
+            <a:endParaRPr lang="fr-FR" sz="1600" b="1" dirty="0"/>
+          </a:p>
+          <a:p>
+            <a:pPr algn="l"/>
+            <a:r>
+              <a:rPr lang="fr-FR" sz="1600" b="1" dirty="0" smtClean="0"/>
+              <a:t>Classement final :</a:t>
+            </a:r>
+            <a:endParaRPr lang="fr-FR" sz="1600" b="1" dirty="0"/>
+          </a:p>
+          <a:p>
+            <a:pPr algn="l"/>
+            <a:endParaRPr lang="fr-FR" sz="1600" b="1" dirty="0" smtClean="0"/>
+          </a:p>
+          <a:p>
+            <a:pPr algn="l"/>
+            <a:endParaRPr lang="fr-FR" sz="1600" b="1" dirty="0"/>
+          </a:p>
+          <a:p>
+            <a:pPr algn="l"/>
+            <a:endParaRPr lang="fr-FR" sz="1600" b="1" dirty="0" smtClean="0"/>
+          </a:p>
+          <a:p>
+            <a:pPr algn="l"/>
+            <a:endParaRPr lang="fr-FR" sz="1600" b="1" dirty="0" smtClean="0"/>
+          </a:p>
+        </p:txBody>
+      </p:sp>
+      <p:sp>
+        <p:nvSpPr>
+          <p:cNvPr id="6" name="Espace réservé du pied de page 5"/>
+          <p:cNvSpPr>
+            <a:spLocks noGrp="1"/>
+          </p:cNvSpPr>
+          <p:nvPr>
+            <p:ph type="ftr" sz="quarter" idx="11"/>
+          </p:nvPr>
+        </p:nvSpPr>
+        <p:spPr/>
+        <p:txBody>
+          <a:bodyPr/>
+          <a:lstStyle/>
+          <a:p>
+            <a:r>
+              <a:rPr lang="en-US" dirty="0" err="1" smtClean="0"/>
+              <a:t>Léandre</a:t>
+            </a:r>
+            <a:r>
+              <a:rPr lang="en-US" dirty="0" smtClean="0"/>
+              <a:t> ANDRIANIAINA</a:t>
+            </a:r>
+            <a:endParaRPr lang="en-US" dirty="0"/>
+          </a:p>
+        </p:txBody>
+      </p:sp>
+      <p:sp>
+        <p:nvSpPr>
+          <p:cNvPr id="7" name="Espace réservé du numéro de diapositive 6"/>
+          <p:cNvSpPr>
+            <a:spLocks noGrp="1"/>
+          </p:cNvSpPr>
+          <p:nvPr>
+            <p:ph type="sldNum" sz="quarter" idx="12"/>
+          </p:nvPr>
+        </p:nvSpPr>
+        <p:spPr/>
+        <p:txBody>
+          <a:bodyPr/>
+          <a:lstStyle/>
+          <a:p>
+            <a:fld id="{D7E63A33-8271-4DD0-9C48-789913D7C115}" type="slidenum">
+              <a:rPr lang="en-US" smtClean="0"/>
+              <a:pPr/>
+              <a:t>12</a:t>
+            </a:fld>
+            <a:endParaRPr lang="en-US" dirty="0"/>
+          </a:p>
+        </p:txBody>
+      </p:sp>
+      <p:pic>
+        <p:nvPicPr>
+          <p:cNvPr id="8" name="Image 7"/>
+          <p:cNvPicPr>
+            <a:picLocks noChangeAspect="1"/>
+          </p:cNvPicPr>
+          <p:nvPr/>
+        </p:nvPicPr>
+        <p:blipFill>
+          <a:blip r:embed="rId2" cstate="print">
+            <a:extLst>
+              <a:ext uri="{28A0092B-C50C-407E-A947-70E740481C1C}">
+                <a14:useLocalDpi xmlns:a14="http://schemas.microsoft.com/office/drawing/2010/main" val="0"/>
+              </a:ext>
+            </a:extLst>
+          </a:blip>
+          <a:stretch>
+            <a:fillRect/>
+          </a:stretch>
+        </p:blipFill>
+        <p:spPr>
+          <a:xfrm>
+            <a:off x="8230319" y="6212347"/>
+            <a:ext cx="913681" cy="645653"/>
+          </a:xfrm>
+          <a:prstGeom prst="rect">
+            <a:avLst/>
+          </a:prstGeom>
+        </p:spPr>
+      </p:pic>
+      <p:pic>
+        <p:nvPicPr>
+          <p:cNvPr id="9" name="Image 8"/>
+          <p:cNvPicPr/>
+          <p:nvPr/>
+        </p:nvPicPr>
+        <p:blipFill>
+          <a:blip r:embed="rId3"/>
+          <a:stretch>
+            <a:fillRect/>
+          </a:stretch>
+        </p:blipFill>
+        <p:spPr>
+          <a:xfrm>
+            <a:off x="1331640" y="4581128"/>
+            <a:ext cx="5760720" cy="911225"/>
+          </a:xfrm>
+          <a:prstGeom prst="rect">
+            <a:avLst/>
+          </a:prstGeom>
+        </p:spPr>
+      </p:pic>
+    </p:spTree>
+    <p:extLst>
+      <p:ext uri="{BB962C8B-B14F-4D97-AF65-F5344CB8AC3E}">
+        <p14:creationId xmlns:p14="http://schemas.microsoft.com/office/powerpoint/2010/main" val="3018296628"/>
       </p:ext>
     </p:extLst>
   </p:cSld>
@@ -6453,7 +6277,7 @@
             </a:pPr>
             <a:r>
               <a:rPr lang="fr-FR" sz="3200" dirty="0" smtClean="0"/>
-              <a:t>Conclusion :</a:t>
+              <a:t>Conclusion et axes d’améliorations : </a:t>
             </a:r>
             <a:endParaRPr lang="fr-FR" sz="3200" dirty="0"/>
           </a:p>
@@ -6472,7 +6296,7 @@
         <p:spPr>
           <a:xfrm>
             <a:off x="611560" y="1196752"/>
-            <a:ext cx="7848872" cy="4824536"/>
+            <a:ext cx="7848872" cy="4464496"/>
           </a:xfrm>
         </p:spPr>
         <p:txBody>
@@ -6481,94 +6305,176 @@
           </a:bodyPr>
           <a:lstStyle/>
           <a:p>
-            <a:pPr marL="342900" indent="-342900" algn="l">
+            <a:pPr algn="l"/>
+            <a:endParaRPr lang="fr-FR" sz="1200" b="1" dirty="0" smtClean="0"/>
+          </a:p>
+          <a:p>
+            <a:pPr algn="l"/>
+            <a:r>
+              <a:rPr lang="fr-FR" sz="1200" b="1" dirty="0" smtClean="0"/>
+              <a:t>L’intérêt de </a:t>
+            </a:r>
+            <a:r>
+              <a:rPr lang="fr-FR" sz="1200" b="1" dirty="0" err="1" smtClean="0"/>
+              <a:t>Kaggle</a:t>
+            </a:r>
+            <a:r>
+              <a:rPr lang="fr-FR" sz="1200" b="1" dirty="0" smtClean="0"/>
+              <a:t> pour un data </a:t>
+            </a:r>
+            <a:r>
+              <a:rPr lang="fr-FR" sz="1200" b="1" dirty="0" err="1" smtClean="0"/>
+              <a:t>scientist</a:t>
+            </a:r>
+            <a:r>
+              <a:rPr lang="fr-FR" sz="1200" b="1" dirty="0" smtClean="0"/>
+              <a:t> :</a:t>
+            </a:r>
+          </a:p>
+          <a:p>
+            <a:pPr algn="l"/>
+            <a:r>
+              <a:rPr lang="fr-FR" sz="1200" dirty="0" smtClean="0"/>
+              <a:t>les disponibilité des données réelles </a:t>
+            </a:r>
+          </a:p>
+          <a:p>
+            <a:pPr algn="l"/>
+            <a:r>
+              <a:rPr lang="fr-FR" sz="1200" dirty="0" smtClean="0"/>
+              <a:t>les échanges des connaissances techniques et métiers</a:t>
+            </a:r>
+          </a:p>
+          <a:p>
+            <a:pPr algn="l"/>
+            <a:endParaRPr lang="fr-FR" sz="1200" b="1" dirty="0" smtClean="0"/>
+          </a:p>
+          <a:p>
+            <a:pPr algn="l"/>
+            <a:r>
+              <a:rPr lang="fr-FR" sz="1200" b="1" dirty="0" smtClean="0"/>
+              <a:t>Constatations :</a:t>
+            </a:r>
+          </a:p>
+          <a:p>
+            <a:pPr marL="171450" indent="-171450" algn="l">
               <a:buFontTx/>
               <a:buChar char="-"/>
             </a:pPr>
-            <a:endParaRPr lang="fr-FR" dirty="0" smtClean="0"/>
-          </a:p>
-          <a:p>
-            <a:pPr marL="342900" indent="-342900" algn="l">
+            <a:r>
+              <a:rPr lang="fr-FR" sz="1100" dirty="0" smtClean="0"/>
+              <a:t>Les techniques de modélisation utilisées sont à peu près les mêmes </a:t>
+            </a:r>
+          </a:p>
+          <a:p>
+            <a:pPr marL="171450" indent="-171450" algn="l">
               <a:buFontTx/>
               <a:buChar char="-"/>
             </a:pPr>
             <a:r>
-              <a:rPr lang="fr-FR" dirty="0" smtClean="0"/>
-              <a:t>BDD complète avec beaucoup de possibilités d’analyse</a:t>
-            </a:r>
-          </a:p>
-          <a:p>
-            <a:pPr marL="342900" indent="-342900" algn="l">
+              <a:rPr lang="fr-FR" sz="1100" dirty="0" smtClean="0"/>
+              <a:t>Les scores dépendent beaucoup de :</a:t>
+            </a:r>
+            <a:endParaRPr lang="fr-FR" sz="1100" dirty="0"/>
+          </a:p>
+          <a:p>
+            <a:pPr algn="l"/>
+            <a:r>
+              <a:rPr lang="fr-FR" sz="1100" dirty="0" smtClean="0"/>
+              <a:t>La préparation des données : Nettoyage </a:t>
+            </a:r>
+          </a:p>
+          <a:p>
+            <a:pPr algn="l"/>
+            <a:r>
+              <a:rPr lang="fr-FR" sz="1100" dirty="0" smtClean="0"/>
+              <a:t>La connaissance des données et ses exploitations en créant des variables plus pertinentes</a:t>
+            </a:r>
+          </a:p>
+          <a:p>
+            <a:pPr algn="l"/>
+            <a:endParaRPr lang="fr-FR" sz="1100" dirty="0"/>
+          </a:p>
+          <a:p>
+            <a:pPr algn="l"/>
+            <a:r>
+              <a:rPr lang="fr-FR" sz="1200" b="1" dirty="0" smtClean="0"/>
+              <a:t>Améliorations possibles :</a:t>
+            </a:r>
+          </a:p>
+          <a:p>
+            <a:pPr marL="171450" indent="-171450" algn="l">
               <a:buFontTx/>
               <a:buChar char="-"/>
             </a:pPr>
             <a:r>
-              <a:rPr lang="fr-FR" dirty="0" smtClean="0"/>
-              <a:t>3 données essentielles dans </a:t>
-            </a:r>
-            <a:r>
-              <a:rPr lang="fr-FR" dirty="0" err="1" smtClean="0"/>
-              <a:t>Posts</a:t>
-            </a:r>
-            <a:r>
-              <a:rPr lang="fr-FR" dirty="0" smtClean="0"/>
-              <a:t> : </a:t>
-            </a:r>
-            <a:r>
-              <a:rPr lang="fr-FR" dirty="0" err="1" smtClean="0"/>
-              <a:t>Title</a:t>
-            </a:r>
-            <a:r>
-              <a:rPr lang="fr-FR" dirty="0" smtClean="0"/>
-              <a:t>, Body, Tags</a:t>
-            </a:r>
-          </a:p>
-          <a:p>
-            <a:pPr marL="342900" indent="-342900" algn="l">
+              <a:rPr lang="fr-FR" sz="1100" dirty="0" smtClean="0"/>
+              <a:t>Transformation des variables en binaire(Ex : surface de piscine, car la surface n’influence pas le prix)</a:t>
+            </a:r>
+          </a:p>
+          <a:p>
+            <a:pPr marL="171450" indent="-171450" algn="l">
               <a:buFontTx/>
               <a:buChar char="-"/>
             </a:pPr>
             <a:r>
-              <a:rPr lang="fr-FR" dirty="0" smtClean="0"/>
-              <a:t>Modèle de </a:t>
-            </a:r>
-            <a:r>
-              <a:rPr lang="fr-FR" dirty="0" err="1" smtClean="0"/>
-              <a:t>LogisticRegression</a:t>
-            </a:r>
-            <a:r>
-              <a:rPr lang="fr-FR" dirty="0" smtClean="0"/>
-              <a:t> le plus performent</a:t>
-            </a:r>
-          </a:p>
-          <a:p>
-            <a:pPr marL="342900" indent="-342900" algn="l">
+              <a:rPr lang="fr-FR" sz="1100" dirty="0" smtClean="0"/>
+              <a:t>Tester d’autres modèles comme le « </a:t>
+            </a:r>
+            <a:r>
+              <a:rPr lang="fr-FR" sz="1100" dirty="0" err="1" smtClean="0"/>
+              <a:t>CatBoost</a:t>
+            </a:r>
+            <a:r>
+              <a:rPr lang="fr-FR" sz="1100" dirty="0" smtClean="0"/>
+              <a:t> » et aussi d’autres modèles de bases pour le </a:t>
+            </a:r>
+            <a:r>
+              <a:rPr lang="fr-FR" sz="1100" dirty="0" err="1" smtClean="0"/>
+              <a:t>StackingRegressor</a:t>
+            </a:r>
+            <a:endParaRPr lang="fr-FR" sz="1100" dirty="0" smtClean="0"/>
+          </a:p>
+          <a:p>
+            <a:pPr marL="171450" indent="-171450" algn="l">
               <a:buFontTx/>
               <a:buChar char="-"/>
             </a:pPr>
             <a:r>
-              <a:rPr lang="fr-FR" dirty="0" smtClean="0"/>
-              <a:t>Axes d’améliorations possibles :</a:t>
-            </a:r>
-          </a:p>
-          <a:p>
-            <a:pPr algn="l"/>
-            <a:r>
-              <a:rPr lang="fr-FR" dirty="0"/>
-              <a:t>	</a:t>
-            </a:r>
-            <a:r>
-              <a:rPr lang="fr-FR" dirty="0" smtClean="0"/>
-              <a:t>- Pris en compte date d’enregistrement</a:t>
-            </a:r>
-          </a:p>
-          <a:p>
-            <a:pPr algn="l"/>
-            <a:r>
-              <a:rPr lang="fr-FR" dirty="0" smtClean="0"/>
-              <a:t>	- Amélioration du temps de réactivité du formulaire</a:t>
-            </a:r>
-            <a:endParaRPr lang="fr-FR" dirty="0"/>
+              <a:rPr lang="fr-FR" sz="1100" dirty="0" smtClean="0"/>
+              <a:t>Avoir des données d’entrainement plus importantes en fusionnant </a:t>
+            </a:r>
+            <a:r>
+              <a:rPr lang="fr-FR" sz="1100" dirty="0" smtClean="0"/>
+              <a:t> les 3 fichiers (</a:t>
+            </a:r>
+            <a:r>
+              <a:rPr lang="fr-FR" sz="1100" dirty="0"/>
+              <a:t>train.csv, test.csv</a:t>
+            </a:r>
+            <a:r>
+              <a:rPr lang="fr-FR" sz="1100"/>
+              <a:t>, </a:t>
+            </a:r>
+            <a:r>
+              <a:rPr lang="fr-FR" sz="1100" smtClean="0"/>
+              <a:t>submission.csv</a:t>
+            </a:r>
+            <a:r>
+              <a:rPr lang="fr-FR" sz="1100" smtClean="0"/>
+              <a:t>) pour </a:t>
+            </a:r>
+            <a:r>
+              <a:rPr lang="fr-FR" sz="1100" dirty="0" smtClean="0"/>
+              <a:t>le modèle final</a:t>
+            </a:r>
+          </a:p>
+          <a:p>
+            <a:pPr marL="171450" indent="-171450" algn="l">
+              <a:buFontTx/>
+              <a:buChar char="-"/>
+            </a:pPr>
+            <a:endParaRPr lang="fr-FR" sz="1100" dirty="0" smtClean="0"/>
           </a:p>
         </p:txBody>
       </p:sp>
@@ -6656,7 +6562,7 @@
     </p:spTree>
     <p:extLst>
       <p:ext uri="{BB962C8B-B14F-4D97-AF65-F5344CB8AC3E}">
-        <p14:creationId xmlns:p14="http://schemas.microsoft.com/office/powerpoint/2010/main" val="305073707"/>
+        <p14:creationId xmlns:p14="http://schemas.microsoft.com/office/powerpoint/2010/main" val="4266399491"/>
       </p:ext>
     </p:extLst>
   </p:cSld>
@@ -7070,7 +6976,7 @@
             </a:pPr>
             <a:r>
               <a:rPr lang="fr-FR" dirty="0" smtClean="0"/>
-              <a:t>Les préparations et explorations des données</a:t>
+              <a:t>Les explorations et préparation des données</a:t>
             </a:r>
           </a:p>
           <a:p>
@@ -7080,7 +6986,7 @@
             </a:pPr>
             <a:r>
               <a:rPr lang="fr-FR" dirty="0" smtClean="0"/>
-              <a:t>L’approche non-supervisée</a:t>
+              <a:t>La modélisation</a:t>
             </a:r>
           </a:p>
           <a:p>
@@ -7090,7 +6996,15 @@
             </a:pPr>
             <a:r>
               <a:rPr lang="fr-FR" dirty="0" smtClean="0"/>
-              <a:t>L’approche supervisée</a:t>
+              <a:t>Les résultats </a:t>
+            </a:r>
+            <a:r>
+              <a:rPr lang="fr-FR" dirty="0" err="1" smtClean="0"/>
+              <a:t>Kaggle</a:t>
+            </a:r>
+            <a:r>
+              <a:rPr lang="fr-FR" dirty="0" smtClean="0"/>
+              <a:t> et approches de perfectionnement</a:t>
             </a:r>
           </a:p>
           <a:p>
@@ -7100,7 +7014,7 @@
             </a:pPr>
             <a:r>
               <a:rPr lang="fr-FR" dirty="0" smtClean="0"/>
-              <a:t>Le Web API de test</a:t>
+              <a:t>Conclusion</a:t>
             </a:r>
           </a:p>
         </p:txBody>
@@ -7231,11 +7145,11 @@
             </a:pPr>
             <a:r>
               <a:rPr lang="fr-FR" dirty="0" err="1" smtClean="0"/>
-              <a:t>StackOverflow</a:t>
+              <a:t>Kaggle</a:t>
             </a:r>
             <a:r>
               <a:rPr lang="fr-FR" dirty="0" smtClean="0"/>
-              <a:t>: </a:t>
+              <a:t> : </a:t>
             </a:r>
           </a:p>
           <a:p>
@@ -7246,7 +7160,7 @@
             </a:r>
             <a:r>
               <a:rPr lang="fr-FR" sz="1500" dirty="0" smtClean="0"/>
-              <a:t>Créé en 2008, plus de 50 M de visiteurs uniques par mois</a:t>
+              <a:t>Créé en xxx, site communautaire basé sur la data science</a:t>
             </a:r>
           </a:p>
           <a:p>
@@ -7257,50 +7171,62 @@
             </a:r>
             <a:r>
               <a:rPr lang="fr-FR" sz="1500" dirty="0" smtClean="0"/>
-              <a:t>- Questions-réponses sur des programmations informatiques</a:t>
+              <a:t>- </a:t>
+            </a:r>
+            <a:r>
+              <a:rPr lang="fr-FR" sz="1600" dirty="0"/>
+              <a:t>mettre en relation </a:t>
+            </a:r>
+            <a:r>
+              <a:rPr lang="fr-FR" sz="1600" dirty="0" smtClean="0"/>
+              <a:t>des </a:t>
+            </a:r>
+            <a:r>
+              <a:rPr lang="fr-FR" sz="1600" i="1" dirty="0"/>
+              <a:t>data </a:t>
+            </a:r>
+            <a:r>
+              <a:rPr lang="fr-FR" sz="1600" i="1" dirty="0" err="1" smtClean="0"/>
+              <a:t>scientists</a:t>
+            </a:r>
+            <a:r>
+              <a:rPr lang="fr-FR" sz="1600" dirty="0" smtClean="0"/>
+              <a:t> et </a:t>
+            </a:r>
+            <a:r>
+              <a:rPr lang="fr-FR" sz="1600" dirty="0"/>
+              <a:t>les besoins des entreprises</a:t>
+            </a:r>
+            <a:r>
+              <a:rPr lang="fr-FR" sz="1500" dirty="0" smtClean="0"/>
+              <a:t>	</a:t>
             </a:r>
           </a:p>
           <a:p>
             <a:pPr algn="l"/>
             <a:r>
+              <a:rPr lang="fr-FR" sz="1500" dirty="0"/>
+              <a:t>	</a:t>
+            </a:r>
+            <a:r>
               <a:rPr lang="fr-FR" sz="1500" dirty="0" smtClean="0"/>
-              <a:t>	- Votes </a:t>
-            </a:r>
+              <a:t>- Données, codes et forums à disposition des utilisateurs</a:t>
+            </a:r>
+          </a:p>
+          <a:p>
+            <a:pPr algn="l"/>
             <a:r>
               <a:rPr lang="fr-FR" sz="1500" dirty="0"/>
-              <a:t>des </a:t>
+              <a:t>	</a:t>
             </a:r>
             <a:r>
               <a:rPr lang="fr-FR" sz="1500" dirty="0" smtClean="0"/>
-              <a:t>utilisateurs définissent la </a:t>
-            </a:r>
-            <a:r>
-              <a:rPr lang="fr-FR" sz="1500" dirty="0"/>
-              <a:t>q</a:t>
-            </a:r>
-            <a:r>
-              <a:rPr lang="fr-FR" sz="1500" dirty="0" smtClean="0"/>
-              <a:t>ualité et pertinence</a:t>
+              <a:t>- Récompenses les meilleurs compétiteurs</a:t>
             </a:r>
           </a:p>
           <a:p>
             <a:pPr algn="l"/>
-            <a:r>
-              <a:rPr lang="fr-FR" sz="1500" dirty="0" smtClean="0"/>
-              <a:t>                -  Recherche </a:t>
-            </a:r>
-            <a:r>
-              <a:rPr lang="fr-FR" sz="1500" dirty="0"/>
-              <a:t>des sujets par tags </a:t>
-            </a:r>
-            <a:endParaRPr lang="fr-FR" sz="1500" dirty="0" smtClean="0"/>
-          </a:p>
-          <a:p>
-            <a:pPr algn="l"/>
-            <a:r>
-              <a:rPr lang="fr-FR" sz="1400" dirty="0" smtClean="0"/>
-              <a:t> </a:t>
-            </a:r>
+            <a:endParaRPr lang="fr-FR" sz="1400" dirty="0" smtClean="0"/>
           </a:p>
           <a:p>
             <a:pPr marL="342900" indent="-342900" algn="l">
@@ -7317,21 +7243,14 @@
             <a:pPr algn="l"/>
             <a:r>
               <a:rPr lang="fr-FR" sz="1600" dirty="0" smtClean="0"/>
-              <a:t>	- Aider les nouveaux utilisateurs </a:t>
+              <a:t>	- Prédire les prix des biens immobiliers </a:t>
             </a:r>
           </a:p>
           <a:p>
             <a:pPr algn="l"/>
             <a:r>
               <a:rPr lang="fr-FR" sz="1600" dirty="0" smtClean="0"/>
-              <a:t>	- suggestion des tags associés à une question</a:t>
-            </a:r>
-          </a:p>
-          <a:p>
-            <a:pPr algn="l"/>
-            <a:r>
-              <a:rPr lang="fr-FR" sz="1600" dirty="0" smtClean="0"/>
-              <a:t>	- Créer une interface graphique pour tester</a:t>
+              <a:t>	- Améliorer progressivement mes scores grâces aux techniques partagées par d’autres compétiteurs. </a:t>
             </a:r>
             <a:endParaRPr lang="fr-FR" dirty="0"/>
           </a:p>
@@ -7520,19 +7439,38 @@
               <a:buFont typeface="Arial" pitchFamily="34" charset="0"/>
               <a:buChar char="•"/>
             </a:pPr>
-            <a:r>
-              <a:rPr lang="fr-FR" dirty="0" smtClean="0"/>
-              <a:t>Les données authentiques</a:t>
-            </a:r>
+            <a:endParaRPr lang="fr-FR" dirty="0" smtClean="0"/>
           </a:p>
           <a:p>
             <a:pPr marL="457200" indent="-457200" algn="l">
               <a:buFont typeface="Arial" pitchFamily="34" charset="0"/>
               <a:buChar char="•"/>
             </a:pPr>
+            <a:endParaRPr lang="fr-FR" dirty="0" smtClean="0"/>
+          </a:p>
+          <a:p>
+            <a:pPr marL="457200" indent="-457200" algn="l">
+              <a:buFont typeface="Arial" pitchFamily="34" charset="0"/>
+              <a:buChar char="•"/>
+            </a:pPr>
+            <a:endParaRPr lang="fr-FR" dirty="0"/>
+          </a:p>
+          <a:p>
+            <a:pPr marL="457200" indent="-457200" algn="l">
+              <a:buFont typeface="Arial" pitchFamily="34" charset="0"/>
+              <a:buChar char="•"/>
+            </a:pPr>
             <a:r>
               <a:rPr lang="fr-FR" dirty="0" smtClean="0"/>
-              <a:t>29 tables qui contiennent :</a:t>
+              <a:t>Variable cible : </a:t>
+            </a:r>
+            <a:r>
+              <a:rPr lang="fr-FR" dirty="0" err="1" smtClean="0"/>
+              <a:t>SalePrice</a:t>
+            </a:r>
+            <a:r>
+              <a:rPr lang="fr-FR" dirty="0" smtClean="0"/>
+              <a:t>( $ )</a:t>
             </a:r>
           </a:p>
           <a:p>
@@ -7542,7 +7480,7 @@
             </a:pPr>
             <a:r>
               <a:rPr lang="fr-FR" sz="1600" dirty="0" smtClean="0"/>
-              <a:t>Les informations utilisateurs (nom, adresse, score…)</a:t>
+              <a:t>Les informations physiques de la maison(Surfaces, nombre des pièces, Localisation, …)</a:t>
             </a:r>
           </a:p>
           <a:p>
@@ -7552,37 +7490,8 @@
             </a:pPr>
             <a:r>
               <a:rPr lang="fr-FR" sz="1600" dirty="0" smtClean="0"/>
-              <a:t>Les informations questions ou </a:t>
-            </a:r>
-            <a:r>
-              <a:rPr lang="fr-FR" sz="1600" dirty="0" err="1"/>
-              <a:t>P</a:t>
-            </a:r>
-            <a:r>
-              <a:rPr lang="fr-FR" sz="1600" dirty="0" err="1" smtClean="0"/>
-              <a:t>osts</a:t>
-            </a:r>
-            <a:r>
-              <a:rPr lang="fr-FR" sz="1600" dirty="0" smtClean="0"/>
-              <a:t>(titre, contenu, score, nb réponses, tags, dates, …)</a:t>
-            </a:r>
-          </a:p>
-          <a:p>
-            <a:pPr marL="342900" indent="-342900" algn="l">
-              <a:buFont typeface="Wingdings" pitchFamily="2" charset="2"/>
-              <a:buChar char="Ø"/>
-            </a:pPr>
-            <a:r>
-              <a:rPr lang="fr-FR" sz="1600" dirty="0" smtClean="0"/>
-              <a:t> Les historiques</a:t>
-            </a:r>
-          </a:p>
-          <a:p>
-            <a:pPr marL="342900" indent="-342900" algn="l">
-              <a:buFont typeface="Wingdings" pitchFamily="2" charset="2"/>
-              <a:buChar char="§"/>
-            </a:pPr>
-            <a:endParaRPr lang="fr-FR" sz="1800" dirty="0"/>
+              <a:t>Les informations historiques(Construction, vente, rénovation, …)</a:t>
+            </a:r>
           </a:p>
         </p:txBody>
       </p:sp>
@@ -7665,7 +7574,7 @@
       </p:pic>
       <p:pic>
         <p:nvPicPr>
-          <p:cNvPr id="1026" name="Picture 2"/>
+          <p:cNvPr id="1027" name="Picture 3"/>
           <p:cNvPicPr>
             <a:picLocks noChangeAspect="1" noChangeArrowheads="1"/>
           </p:cNvPicPr>
@@ -7686,8 +7595,8 @@
         </p:blipFill>
         <p:spPr bwMode="auto">
           <a:xfrm>
-            <a:off x="971600" y="3771393"/>
-            <a:ext cx="4414508" cy="2154502"/>
+            <a:off x="683568" y="1301463"/>
+            <a:ext cx="7701016" cy="936104"/>
           </a:xfrm>
           <a:prstGeom prst="rect">
             <a:avLst/>
@@ -7789,7 +7698,7 @@
             </a:pPr>
             <a:r>
               <a:rPr lang="fr-FR" sz="3600" dirty="0" smtClean="0"/>
-              <a:t>Préparations des données :</a:t>
+              <a:t>Explorations des données :</a:t>
             </a:r>
             <a:endParaRPr lang="fr-FR" sz="3600" dirty="0"/>
           </a:p>
@@ -7823,67 +7732,12 @@
             </a:pPr>
             <a:r>
               <a:rPr lang="fr-FR" sz="1800" dirty="0" smtClean="0"/>
-              <a:t>Récupération </a:t>
-            </a:r>
-            <a:r>
-              <a:rPr lang="fr-FR" sz="1800" dirty="0"/>
-              <a:t>des données </a:t>
-            </a:r>
+              <a:t>Quelques points à savoir :</a:t>
+            </a:r>
+          </a:p>
+          <a:p>
+            <a:pPr algn="l"/>
             <a:endParaRPr lang="fr-FR" sz="1800" dirty="0" smtClean="0"/>
-          </a:p>
-          <a:p>
-            <a:pPr marL="342900" indent="-342900" algn="l">
-              <a:buFontTx/>
-              <a:buChar char="-"/>
-            </a:pPr>
-            <a:r>
-              <a:rPr lang="fr-FR" sz="1200" dirty="0" smtClean="0"/>
-              <a:t>Utiliser la table « </a:t>
-            </a:r>
-            <a:r>
-              <a:rPr lang="fr-FR" sz="1200" dirty="0" err="1" smtClean="0"/>
-              <a:t>Posts</a:t>
-            </a:r>
-            <a:r>
-              <a:rPr lang="fr-FR" sz="1200" dirty="0" smtClean="0"/>
-              <a:t> »</a:t>
-            </a:r>
-            <a:endParaRPr lang="fr-FR" sz="1200" dirty="0"/>
-          </a:p>
-          <a:p>
-            <a:pPr marL="342900" indent="-342900" algn="l">
-              <a:buFontTx/>
-              <a:buChar char="-"/>
-            </a:pPr>
-            <a:r>
-              <a:rPr lang="fr-FR" sz="1200" dirty="0" smtClean="0"/>
-              <a:t>Score supérieur à 100</a:t>
-            </a:r>
-          </a:p>
-          <a:p>
-            <a:pPr marL="342900" indent="-342900" algn="l">
-              <a:buFontTx/>
-              <a:buChar char="-"/>
-            </a:pPr>
-            <a:r>
-              <a:rPr lang="fr-FR" sz="1200" dirty="0" err="1" smtClean="0"/>
-              <a:t>FavoriteCount</a:t>
-            </a:r>
-            <a:r>
-              <a:rPr lang="fr-FR" sz="1200" dirty="0" smtClean="0"/>
-              <a:t> supérieur à 50</a:t>
-            </a:r>
-          </a:p>
-          <a:p>
-            <a:pPr marL="342900" indent="-342900" algn="l">
-              <a:buFontTx/>
-              <a:buChar char="-"/>
-            </a:pPr>
-            <a:r>
-              <a:rPr lang="fr-FR" sz="1200" dirty="0" smtClean="0"/>
-              <a:t>Au moins une réponse</a:t>
-            </a:r>
-            <a:endParaRPr lang="fr-FR" sz="1800" dirty="0"/>
           </a:p>
           <a:p>
             <a:pPr algn="l"/>
@@ -7895,6 +7749,10 @@
           </a:p>
           <a:p>
             <a:pPr algn="l"/>
+            <a:endParaRPr lang="fr-FR" sz="1800" dirty="0"/>
+          </a:p>
+          <a:p>
+            <a:pPr algn="l"/>
             <a:endParaRPr lang="fr-FR" sz="1800" dirty="0" smtClean="0"/>
           </a:p>
           <a:p>
@@ -7903,86 +7761,6 @@
           </a:p>
           <a:p>
             <a:pPr algn="l"/>
-            <a:endParaRPr lang="fr-FR" sz="1800" dirty="0"/>
-          </a:p>
-          <a:p>
-            <a:pPr marL="285750" indent="-285750" algn="l">
-              <a:buFont typeface="Wingdings" pitchFamily="2" charset="2"/>
-              <a:buChar char="Ø"/>
-            </a:pPr>
-            <a:r>
-              <a:rPr lang="fr-FR" sz="1800" dirty="0" smtClean="0"/>
-              <a:t>Traitement des données</a:t>
-            </a:r>
-          </a:p>
-          <a:p>
-            <a:pPr marL="342900" indent="-342900" algn="l">
-              <a:buFontTx/>
-              <a:buChar char="-"/>
-            </a:pPr>
-            <a:r>
-              <a:rPr lang="fr-FR" sz="1200" dirty="0" smtClean="0"/>
-              <a:t>Fusionner « Body » et « </a:t>
-            </a:r>
-            <a:r>
-              <a:rPr lang="fr-FR" sz="1200" dirty="0" err="1" smtClean="0"/>
-              <a:t>Title</a:t>
-            </a:r>
-            <a:r>
-              <a:rPr lang="fr-FR" sz="1200" dirty="0" smtClean="0"/>
-              <a:t> »</a:t>
-            </a:r>
-          </a:p>
-          <a:p>
-            <a:pPr marL="342900" indent="-342900" algn="l">
-              <a:buFontTx/>
-              <a:buChar char="-"/>
-            </a:pPr>
-            <a:r>
-              <a:rPr lang="fr-FR" sz="1200" dirty="0" err="1" smtClean="0"/>
-              <a:t>BeautifulSoup</a:t>
-            </a:r>
-            <a:r>
-              <a:rPr lang="fr-FR" sz="1200" dirty="0" smtClean="0"/>
-              <a:t> pour extraire des données dans html</a:t>
-            </a:r>
-          </a:p>
-          <a:p>
-            <a:pPr marL="342900" indent="-342900" algn="l">
-              <a:buFontTx/>
-              <a:buChar char="-"/>
-            </a:pPr>
-            <a:r>
-              <a:rPr lang="fr-FR" sz="1200" dirty="0" smtClean="0"/>
-              <a:t>Nettoyages : chiffres, ponctuations, car </a:t>
-            </a:r>
-            <a:r>
-              <a:rPr lang="fr-FR" sz="1200" dirty="0" err="1" smtClean="0"/>
-              <a:t>speciaux</a:t>
-            </a:r>
-            <a:r>
-              <a:rPr lang="fr-FR" sz="1200" dirty="0" smtClean="0"/>
-              <a:t>, </a:t>
-            </a:r>
-            <a:r>
-              <a:rPr lang="fr-FR" sz="1200" dirty="0" err="1" smtClean="0"/>
-              <a:t>stopwords</a:t>
-            </a:r>
-            <a:endParaRPr lang="fr-FR" sz="1200" dirty="0" smtClean="0"/>
-          </a:p>
-          <a:p>
-            <a:pPr marL="342900" indent="-342900" algn="l">
-              <a:buFontTx/>
-              <a:buChar char="-"/>
-            </a:pPr>
-            <a:r>
-              <a:rPr lang="fr-FR" sz="1200" dirty="0" err="1" smtClean="0"/>
-              <a:t>Tokenisation</a:t>
-            </a:r>
-            <a:r>
-              <a:rPr lang="fr-FR" sz="1200" dirty="0" smtClean="0"/>
-              <a:t> et lemmatisation </a:t>
-            </a:r>
             <a:endParaRPr lang="fr-FR" sz="1800" dirty="0" smtClean="0"/>
           </a:p>
           <a:p>
@@ -8076,148 +7854,6 @@
           </a:prstGeom>
         </p:spPr>
       </p:pic>
-      <p:sp>
-        <p:nvSpPr>
-          <p:cNvPr id="4" name="Accolade fermante 3"/>
-          <p:cNvSpPr/>
-          <p:nvPr/>
-        </p:nvSpPr>
-        <p:spPr>
-          <a:xfrm>
-            <a:off x="4792560" y="2636912"/>
-            <a:ext cx="432048" cy="1224136"/>
-          </a:xfrm>
-          <a:prstGeom prst="rightBrace">
-            <a:avLst/>
-          </a:prstGeom>
-        </p:spPr>
-        <p:style>
-          <a:lnRef idx="1">
-            <a:schemeClr val="accent1"/>
-          </a:lnRef>
-          <a:fillRef idx="0">
-            <a:schemeClr val="accent1"/>
-          </a:fillRef>
-          <a:effectRef idx="0">
-            <a:schemeClr val="accent1"/>
-          </a:effectRef>
-          <a:fontRef idx="minor">
-            <a:schemeClr val="tx1"/>
-          </a:fontRef>
-        </p:style>
-        <p:txBody>
-          <a:bodyPr rtlCol="0" anchor="ctr"/>
-          <a:lstStyle/>
-          <a:p>
-            <a:pPr algn="ctr"/>
-            <a:endParaRPr lang="fr-FR"/>
-          </a:p>
-        </p:txBody>
-      </p:sp>
-      <p:sp>
-        <p:nvSpPr>
-          <p:cNvPr id="5" name="ZoneTexte 4"/>
-          <p:cNvSpPr txBox="1"/>
-          <p:nvPr/>
-        </p:nvSpPr>
-        <p:spPr>
-          <a:xfrm>
-            <a:off x="5436096" y="3095091"/>
-            <a:ext cx="2664296" cy="307777"/>
-          </a:xfrm>
-          <a:prstGeom prst="rect">
-            <a:avLst/>
-          </a:prstGeom>
-          <a:noFill/>
-        </p:spPr>
-        <p:txBody>
-          <a:bodyPr wrap="square" rtlCol="0">
-            <a:spAutoFit/>
-          </a:bodyPr>
-          <a:lstStyle/>
-          <a:p>
-            <a:r>
-              <a:rPr lang="fr-FR" sz="1400" dirty="0" smtClean="0"/>
-              <a:t>Résultat : (19 759, 4)</a:t>
-            </a:r>
-            <a:endParaRPr lang="fr-FR" sz="1400" dirty="0"/>
-          </a:p>
-        </p:txBody>
-      </p:sp>
-      <p:sp>
-        <p:nvSpPr>
-          <p:cNvPr id="10" name="Accolade fermante 9"/>
-          <p:cNvSpPr/>
-          <p:nvPr/>
-        </p:nvSpPr>
-        <p:spPr>
-          <a:xfrm>
-            <a:off x="5580112" y="4653136"/>
-            <a:ext cx="432048" cy="1224136"/>
-          </a:xfrm>
-          <a:prstGeom prst="rightBrace">
-            <a:avLst/>
-          </a:prstGeom>
-        </p:spPr>
-        <p:style>
-          <a:lnRef idx="1">
-            <a:schemeClr val="accent1"/>
-          </a:lnRef>
-          <a:fillRef idx="0">
-            <a:schemeClr val="accent1"/>
-          </a:fillRef>
-          <a:effectRef idx="0">
-            <a:schemeClr val="accent1"/>
-          </a:effectRef>
-          <a:fontRef idx="minor">
-            <a:schemeClr val="tx1"/>
-          </a:fontRef>
-        </p:style>
-        <p:txBody>
-          <a:bodyPr rtlCol="0" anchor="ctr"/>
-          <a:lstStyle/>
-          <a:p>
-            <a:pPr algn="ctr"/>
-            <a:endParaRPr lang="fr-FR"/>
-          </a:p>
-        </p:txBody>
-      </p:sp>
-      <p:sp>
-        <p:nvSpPr>
-          <p:cNvPr id="11" name="ZoneTexte 10"/>
-          <p:cNvSpPr txBox="1"/>
-          <p:nvPr/>
-        </p:nvSpPr>
-        <p:spPr>
-          <a:xfrm>
-            <a:off x="6084168" y="5111315"/>
-            <a:ext cx="2664296" cy="523220"/>
-          </a:xfrm>
-          <a:prstGeom prst="rect">
-            <a:avLst/>
-          </a:prstGeom>
-          <a:noFill/>
-        </p:spPr>
-        <p:txBody>
-          <a:bodyPr wrap="square" rtlCol="0">
-            <a:spAutoFit/>
-          </a:bodyPr>
-          <a:lstStyle/>
-          <a:p>
-            <a:r>
-              <a:rPr lang="fr-FR" sz="1400" dirty="0" smtClean="0"/>
-              <a:t>- 70 204 mots</a:t>
-            </a:r>
-          </a:p>
-          <a:p>
-            <a:r>
-              <a:rPr lang="fr-FR" sz="1400" dirty="0" smtClean="0"/>
-              <a:t>- 6 791 tags</a:t>
-            </a:r>
-            <a:endParaRPr lang="fr-FR" sz="1400" dirty="0"/>
-          </a:p>
-        </p:txBody>
-      </p:sp>
       <p:pic>
         <p:nvPicPr>
           <p:cNvPr id="2050" name="Picture 2"/>
@@ -8227,7 +7863,7 @@
           <p:nvPr/>
         </p:nvPicPr>
         <p:blipFill>
-          <a:blip r:embed="rId3">
+          <a:blip r:embed="rId3" cstate="print">
             <a:extLst>
               <a:ext uri="{28A0092B-C50C-407E-A947-70E740481C1C}">
                 <a14:useLocalDpi xmlns:a14="http://schemas.microsoft.com/office/drawing/2010/main" val="0"/>
@@ -8241,8 +7877,8 @@
         </p:blipFill>
         <p:spPr bwMode="auto">
           <a:xfrm>
-            <a:off x="899592" y="2636912"/>
-            <a:ext cx="3703630" cy="1368152"/>
+            <a:off x="915027" y="1700808"/>
+            <a:ext cx="4737094" cy="1890340"/>
           </a:xfrm>
           <a:prstGeom prst="rect">
             <a:avLst/>
@@ -8282,255 +7918,31 @@
           </a:extLst>
         </p:spPr>
       </p:pic>
-    </p:spTree>
-    <p:extLst>
-      <p:ext uri="{BB962C8B-B14F-4D97-AF65-F5344CB8AC3E}">
-        <p14:creationId xmlns:p14="http://schemas.microsoft.com/office/powerpoint/2010/main" val="3331912443"/>
-      </p:ext>
-    </p:extLst>
-  </p:cSld>
-  <p:clrMapOvr>
-    <a:masterClrMapping/>
-  </p:clrMapOvr>
-  <p:timing>
-    <p:tnLst>
-      <p:par>
-        <p:cTn id="1" dur="indefinite" restart="never" nodeType="tmRoot"/>
-      </p:par>
-    </p:tnLst>
-  </p:timing>
-</p:sld>
-</file>
-
-<file path=ppt/slides/slide6.xml><?xml version="1.0" encoding="utf-8"?>
-<p:sld xmlns:a="http://schemas.openxmlformats.org/drawingml/2006/main" xmlns:r="http://schemas.openxmlformats.org/officeDocument/2006/relationships" xmlns:p="http://schemas.openxmlformats.org/presentationml/2006/main">
-  <p:cSld>
-    <p:spTree>
-      <p:nvGrpSpPr>
-        <p:cNvPr id="1" name=""/>
-        <p:cNvGrpSpPr/>
-        <p:nvPr/>
-      </p:nvGrpSpPr>
-      <p:grpSpPr>
-        <a:xfrm>
-          <a:off x="0" y="0"/>
-          <a:ext cx="0" cy="0"/>
-          <a:chOff x="0" y="0"/>
-          <a:chExt cx="0" cy="0"/>
-        </a:xfrm>
-      </p:grpSpPr>
-      <p:sp>
-        <p:nvSpPr>
-          <p:cNvPr id="2" name="Titre 1"/>
-          <p:cNvSpPr>
-            <a:spLocks noGrp="1"/>
-          </p:cNvSpPr>
-          <p:nvPr>
-            <p:ph type="title"/>
-          </p:nvPr>
-        </p:nvSpPr>
-        <p:spPr>
-          <a:xfrm>
-            <a:off x="971600" y="332656"/>
-            <a:ext cx="6696744" cy="720080"/>
-          </a:xfrm>
-        </p:spPr>
-        <p:txBody>
-          <a:bodyPr/>
-          <a:lstStyle/>
-          <a:p>
-            <a:pPr marL="0" indent="0" algn="l">
-              <a:buNone/>
-            </a:pPr>
-            <a:r>
-              <a:rPr lang="fr-FR" sz="3600" dirty="0" smtClean="0"/>
-              <a:t>Explorations des données :</a:t>
-            </a:r>
-            <a:endParaRPr lang="fr-FR" sz="3600" dirty="0"/>
-          </a:p>
-        </p:txBody>
-      </p:sp>
-      <p:sp>
-        <p:nvSpPr>
-          <p:cNvPr id="3" name="Espace réservé du texte 2"/>
-          <p:cNvSpPr>
-            <a:spLocks noGrp="1"/>
-          </p:cNvSpPr>
-          <p:nvPr>
-            <p:ph type="body" idx="1"/>
-          </p:nvPr>
-        </p:nvSpPr>
-        <p:spPr>
-          <a:xfrm>
-            <a:off x="827584" y="1196752"/>
-            <a:ext cx="7632848" cy="4824536"/>
-          </a:xfrm>
-        </p:spPr>
-        <p:txBody>
-          <a:bodyPr>
-            <a:normAutofit/>
-          </a:bodyPr>
-          <a:lstStyle/>
-          <a:p>
-            <a:pPr marL="285750" indent="-285750" algn="l">
-              <a:buFont typeface="Wingdings" pitchFamily="2" charset="2"/>
-              <a:buChar char="Ø"/>
-            </a:pPr>
-            <a:r>
-              <a:rPr lang="fr-FR" sz="1800" dirty="0" smtClean="0"/>
-              <a:t>Les 100 mots  et tags les plus utilisés : (histogramme, </a:t>
-            </a:r>
-            <a:r>
-              <a:rPr lang="fr-FR" sz="1800" dirty="0" err="1" smtClean="0"/>
-              <a:t>wordcloud</a:t>
-            </a:r>
-            <a:r>
-              <a:rPr lang="fr-FR" sz="1800" dirty="0" smtClean="0"/>
-              <a:t>)</a:t>
-            </a:r>
-          </a:p>
-          <a:p>
-            <a:pPr algn="l"/>
-            <a:endParaRPr lang="fr-FR" sz="1800" dirty="0" smtClean="0"/>
-          </a:p>
-          <a:p>
-            <a:pPr algn="l"/>
-            <a:endParaRPr lang="fr-FR" sz="1800" dirty="0"/>
-          </a:p>
-          <a:p>
-            <a:pPr algn="l"/>
-            <a:endParaRPr lang="fr-FR" sz="1800" dirty="0" smtClean="0"/>
-          </a:p>
-          <a:p>
-            <a:pPr algn="l"/>
-            <a:endParaRPr lang="fr-FR" sz="1800" dirty="0"/>
-          </a:p>
-          <a:p>
-            <a:pPr algn="l"/>
-            <a:endParaRPr lang="fr-FR" sz="1800" dirty="0" smtClean="0"/>
-          </a:p>
-          <a:p>
-            <a:pPr algn="l"/>
-            <a:endParaRPr lang="fr-FR" sz="1800" dirty="0"/>
-          </a:p>
-          <a:p>
-            <a:pPr algn="l"/>
-            <a:endParaRPr lang="fr-FR" sz="1800" dirty="0" smtClean="0"/>
-          </a:p>
-          <a:p>
-            <a:pPr algn="l"/>
-            <a:endParaRPr lang="fr-FR" sz="1200" dirty="0" smtClean="0"/>
-          </a:p>
-          <a:p>
-            <a:pPr algn="l"/>
-            <a:endParaRPr lang="fr-FR" sz="1800" dirty="0"/>
-          </a:p>
-        </p:txBody>
-      </p:sp>
-      <p:sp>
-        <p:nvSpPr>
-          <p:cNvPr id="6" name="Espace réservé du pied de page 5"/>
-          <p:cNvSpPr>
-            <a:spLocks noGrp="1"/>
-          </p:cNvSpPr>
-          <p:nvPr>
-            <p:ph type="ftr" sz="quarter" idx="11"/>
-          </p:nvPr>
-        </p:nvSpPr>
-        <p:spPr/>
-        <p:txBody>
-          <a:bodyPr/>
-          <a:lstStyle/>
-          <a:p>
-            <a:r>
-              <a:rPr lang="en-US" dirty="0" err="1" smtClean="0"/>
-              <a:t>Léandre</a:t>
-            </a:r>
-            <a:r>
-              <a:rPr lang="en-US" dirty="0" smtClean="0"/>
-              <a:t> ANDRIANIAINA</a:t>
-            </a:r>
-            <a:endParaRPr lang="en-US" dirty="0"/>
-          </a:p>
-        </p:txBody>
-      </p:sp>
-      <p:sp>
-        <p:nvSpPr>
-          <p:cNvPr id="7" name="Espace réservé du numéro de diapositive 6"/>
-          <p:cNvSpPr>
-            <a:spLocks noGrp="1"/>
-          </p:cNvSpPr>
-          <p:nvPr>
-            <p:ph type="sldNum" sz="quarter" idx="12"/>
-          </p:nvPr>
-        </p:nvSpPr>
-        <p:spPr/>
-        <p:txBody>
-          <a:bodyPr/>
-          <a:lstStyle/>
-          <a:p>
-            <a:fld id="{D7E63A33-8271-4DD0-9C48-789913D7C115}" type="slidenum">
-              <a:rPr lang="en-US" smtClean="0"/>
-              <a:pPr/>
-              <a:t>6</a:t>
-            </a:fld>
-            <a:endParaRPr lang="en-US"/>
-          </a:p>
-        </p:txBody>
-      </p:sp>
       <p:pic>
         <p:nvPicPr>
-          <p:cNvPr id="9" name="Image 8"/>
+          <p:cNvPr id="2051" name="Picture 3"/>
           <p:cNvPicPr>
-            <a:picLocks noChangeAspect="1"/>
+            <a:picLocks noChangeAspect="1" noChangeArrowheads="1"/>
           </p:cNvPicPr>
           <p:nvPr/>
         </p:nvPicPr>
         <p:blipFill>
-          <a:blip r:embed="rId2" cstate="print">
+          <a:blip r:embed="rId4" cstate="print">
             <a:extLst>
               <a:ext uri="{28A0092B-C50C-407E-A947-70E740481C1C}">
                 <a14:useLocalDpi xmlns:a14="http://schemas.microsoft.com/office/drawing/2010/main" val="0"/>
               </a:ext>
             </a:extLst>
           </a:blip>
+          <a:srcRect/>
           <a:stretch>
             <a:fillRect/>
           </a:stretch>
         </p:blipFill>
-        <p:spPr>
-          <a:xfrm>
-            <a:off x="8230319" y="6212347"/>
-            <a:ext cx="913681" cy="645653"/>
-          </a:xfrm>
-          <a:prstGeom prst="rect">
-            <a:avLst/>
-          </a:prstGeom>
-        </p:spPr>
-      </p:pic>
-      <p:pic>
-        <p:nvPicPr>
-          <p:cNvPr id="3075" name="Picture 3"/>
-          <p:cNvPicPr>
-            <a:picLocks noChangeAspect="1" noChangeArrowheads="1"/>
-          </p:cNvPicPr>
-          <p:nvPr/>
-        </p:nvPicPr>
-        <p:blipFill rotWithShape="1">
-          <a:blip r:embed="rId3" cstate="print">
-            <a:extLst>
-              <a:ext uri="{28A0092B-C50C-407E-A947-70E740481C1C}">
-                <a14:useLocalDpi xmlns:a14="http://schemas.microsoft.com/office/drawing/2010/main" val="0"/>
-              </a:ext>
-            </a:extLst>
-          </a:blip>
-          <a:srcRect t="8103" r="5136"/>
-          <a:stretch/>
-        </p:blipFill>
         <p:spPr bwMode="auto">
           <a:xfrm>
-            <a:off x="323528" y="1628801"/>
-            <a:ext cx="5707294" cy="2448272"/>
+            <a:off x="915026" y="3621206"/>
+            <a:ext cx="4856069" cy="2184058"/>
           </a:xfrm>
           <a:prstGeom prst="rect">
             <a:avLst/>
@@ -8570,16 +7982,1513 @@
           </a:extLst>
         </p:spPr>
       </p:pic>
+      <p:sp>
+        <p:nvSpPr>
+          <p:cNvPr id="4" name="ZoneTexte 3"/>
+          <p:cNvSpPr txBox="1"/>
+          <p:nvPr/>
+        </p:nvSpPr>
+        <p:spPr>
+          <a:xfrm>
+            <a:off x="5868144" y="2122758"/>
+            <a:ext cx="2606804" cy="523220"/>
+          </a:xfrm>
+          <a:prstGeom prst="rect">
+            <a:avLst/>
+          </a:prstGeom>
+          <a:noFill/>
+        </p:spPr>
+        <p:txBody>
+          <a:bodyPr wrap="none" rtlCol="0">
+            <a:spAutoFit/>
+          </a:bodyPr>
+          <a:lstStyle/>
+          <a:p>
+            <a:r>
+              <a:rPr lang="fr-FR" sz="1400" dirty="0" smtClean="0"/>
+              <a:t>Les prix se concentrent entre </a:t>
+            </a:r>
+          </a:p>
+          <a:p>
+            <a:r>
+              <a:rPr lang="fr-FR" sz="1400" dirty="0" smtClean="0"/>
+              <a:t>100 000 $ et 250 000$</a:t>
+            </a:r>
+            <a:endParaRPr lang="fr-FR" sz="1400" dirty="0"/>
+          </a:p>
+        </p:txBody>
+      </p:sp>
+      <p:sp>
+        <p:nvSpPr>
+          <p:cNvPr id="10" name="ZoneTexte 9"/>
+          <p:cNvSpPr txBox="1"/>
+          <p:nvPr/>
+        </p:nvSpPr>
+        <p:spPr>
+          <a:xfrm>
+            <a:off x="5896874" y="4236181"/>
+            <a:ext cx="3398687" cy="1384995"/>
+          </a:xfrm>
+          <a:prstGeom prst="rect">
+            <a:avLst/>
+          </a:prstGeom>
+          <a:noFill/>
+        </p:spPr>
+        <p:txBody>
+          <a:bodyPr wrap="none" rtlCol="0">
+            <a:spAutoFit/>
+          </a:bodyPr>
+          <a:lstStyle/>
+          <a:p>
+            <a:r>
+              <a:rPr lang="fr-FR" sz="1400" dirty="0" smtClean="0"/>
+              <a:t>- Forte augmentation des constructions </a:t>
+            </a:r>
+          </a:p>
+          <a:p>
+            <a:r>
+              <a:rPr lang="fr-FR" sz="1400" dirty="0" smtClean="0"/>
+              <a:t>à partir des années 90</a:t>
+            </a:r>
+          </a:p>
+          <a:p>
+            <a:r>
+              <a:rPr lang="fr-FR" sz="1400" dirty="0" smtClean="0"/>
+              <a:t>- La tendance des rénovations </a:t>
+            </a:r>
+          </a:p>
+          <a:p>
+            <a:r>
+              <a:rPr lang="fr-FR" sz="1400" dirty="0" smtClean="0"/>
+              <a:t>suit les constructions</a:t>
+            </a:r>
+          </a:p>
+          <a:p>
+            <a:pPr marL="285750" indent="-285750">
+              <a:buFontTx/>
+              <a:buChar char="-"/>
+            </a:pPr>
+            <a:r>
+              <a:rPr lang="fr-FR" sz="1400" dirty="0" smtClean="0"/>
+              <a:t>Les ventes se concentrent </a:t>
+            </a:r>
+          </a:p>
+          <a:p>
+            <a:r>
+              <a:rPr lang="fr-FR" sz="1400" dirty="0" smtClean="0"/>
+              <a:t>aux mois de juin et juillet</a:t>
+            </a:r>
+          </a:p>
+        </p:txBody>
+      </p:sp>
+    </p:spTree>
+    <p:extLst>
+      <p:ext uri="{BB962C8B-B14F-4D97-AF65-F5344CB8AC3E}">
+        <p14:creationId xmlns:p14="http://schemas.microsoft.com/office/powerpoint/2010/main" val="2993796379"/>
+      </p:ext>
+    </p:extLst>
+  </p:cSld>
+  <p:clrMapOvr>
+    <a:masterClrMapping/>
+  </p:clrMapOvr>
+  <p:timing>
+    <p:tnLst>
+      <p:par>
+        <p:cTn id="1" dur="indefinite" restart="never" nodeType="tmRoot"/>
+      </p:par>
+    </p:tnLst>
+  </p:timing>
+</p:sld>
+</file>
+
+<file path=ppt/slides/slide6.xml><?xml version="1.0" encoding="utf-8"?>
+<p:sld xmlns:a="http://schemas.openxmlformats.org/drawingml/2006/main" xmlns:r="http://schemas.openxmlformats.org/officeDocument/2006/relationships" xmlns:p="http://schemas.openxmlformats.org/presentationml/2006/main">
+  <p:cSld>
+    <p:spTree>
+      <p:nvGrpSpPr>
+        <p:cNvPr id="1" name=""/>
+        <p:cNvGrpSpPr/>
+        <p:nvPr/>
+      </p:nvGrpSpPr>
+      <p:grpSpPr>
+        <a:xfrm>
+          <a:off x="0" y="0"/>
+          <a:ext cx="0" cy="0"/>
+          <a:chOff x="0" y="0"/>
+          <a:chExt cx="0" cy="0"/>
+        </a:xfrm>
+      </p:grpSpPr>
+      <p:sp>
+        <p:nvSpPr>
+          <p:cNvPr id="2" name="Titre 1"/>
+          <p:cNvSpPr>
+            <a:spLocks noGrp="1"/>
+          </p:cNvSpPr>
+          <p:nvPr>
+            <p:ph type="title"/>
+          </p:nvPr>
+        </p:nvSpPr>
+        <p:spPr>
+          <a:xfrm>
+            <a:off x="971600" y="332656"/>
+            <a:ext cx="6696744" cy="720080"/>
+          </a:xfrm>
+        </p:spPr>
+        <p:txBody>
+          <a:bodyPr/>
+          <a:lstStyle/>
+          <a:p>
+            <a:pPr marL="0" indent="0" algn="l">
+              <a:buNone/>
+            </a:pPr>
+            <a:r>
+              <a:rPr lang="fr-FR" sz="3600" dirty="0" smtClean="0"/>
+              <a:t>Explorations des données :</a:t>
+            </a:r>
+            <a:endParaRPr lang="fr-FR" sz="3600" dirty="0"/>
+          </a:p>
+        </p:txBody>
+      </p:sp>
+      <p:sp>
+        <p:nvSpPr>
+          <p:cNvPr id="3" name="Espace réservé du texte 2"/>
+          <p:cNvSpPr>
+            <a:spLocks noGrp="1"/>
+          </p:cNvSpPr>
+          <p:nvPr>
+            <p:ph type="body" idx="1"/>
+          </p:nvPr>
+        </p:nvSpPr>
+        <p:spPr>
+          <a:xfrm>
+            <a:off x="827584" y="1196752"/>
+            <a:ext cx="7632848" cy="4824536"/>
+          </a:xfrm>
+        </p:spPr>
+        <p:txBody>
+          <a:bodyPr>
+            <a:normAutofit/>
+          </a:bodyPr>
+          <a:lstStyle/>
+          <a:p>
+            <a:pPr marL="285750" indent="-285750" algn="l">
+              <a:buFont typeface="Wingdings" pitchFamily="2" charset="2"/>
+              <a:buChar char="Ø"/>
+            </a:pPr>
+            <a:r>
+              <a:rPr lang="fr-FR" sz="1800" dirty="0" smtClean="0"/>
+              <a:t>Quelques points à savoir :</a:t>
+            </a:r>
+          </a:p>
+          <a:p>
+            <a:pPr algn="l"/>
+            <a:endParaRPr lang="fr-FR" sz="1800" dirty="0" smtClean="0"/>
+          </a:p>
+          <a:p>
+            <a:pPr algn="l"/>
+            <a:endParaRPr lang="fr-FR" sz="1800" dirty="0"/>
+          </a:p>
+          <a:p>
+            <a:pPr algn="l"/>
+            <a:endParaRPr lang="fr-FR" sz="1800" dirty="0" smtClean="0"/>
+          </a:p>
+          <a:p>
+            <a:pPr algn="l"/>
+            <a:endParaRPr lang="fr-FR" sz="1800" dirty="0"/>
+          </a:p>
+          <a:p>
+            <a:pPr algn="l"/>
+            <a:endParaRPr lang="fr-FR" sz="1800" dirty="0" smtClean="0"/>
+          </a:p>
+          <a:p>
+            <a:pPr algn="l"/>
+            <a:endParaRPr lang="fr-FR" sz="1800" dirty="0"/>
+          </a:p>
+          <a:p>
+            <a:pPr algn="l"/>
+            <a:endParaRPr lang="fr-FR" sz="1800" dirty="0" smtClean="0"/>
+          </a:p>
+          <a:p>
+            <a:pPr algn="l"/>
+            <a:endParaRPr lang="fr-FR" sz="1200" dirty="0" smtClean="0"/>
+          </a:p>
+          <a:p>
+            <a:pPr algn="l"/>
+            <a:endParaRPr lang="fr-FR" sz="1800" dirty="0"/>
+          </a:p>
+        </p:txBody>
+      </p:sp>
+      <p:sp>
+        <p:nvSpPr>
+          <p:cNvPr id="6" name="Espace réservé du pied de page 5"/>
+          <p:cNvSpPr>
+            <a:spLocks noGrp="1"/>
+          </p:cNvSpPr>
+          <p:nvPr>
+            <p:ph type="ftr" sz="quarter" idx="11"/>
+          </p:nvPr>
+        </p:nvSpPr>
+        <p:spPr/>
+        <p:txBody>
+          <a:bodyPr/>
+          <a:lstStyle/>
+          <a:p>
+            <a:r>
+              <a:rPr lang="en-US" dirty="0" err="1" smtClean="0"/>
+              <a:t>Léandre</a:t>
+            </a:r>
+            <a:r>
+              <a:rPr lang="en-US" dirty="0" smtClean="0"/>
+              <a:t> ANDRIANIAINA</a:t>
+            </a:r>
+            <a:endParaRPr lang="en-US" dirty="0"/>
+          </a:p>
+        </p:txBody>
+      </p:sp>
+      <p:sp>
+        <p:nvSpPr>
+          <p:cNvPr id="7" name="Espace réservé du numéro de diapositive 6"/>
+          <p:cNvSpPr>
+            <a:spLocks noGrp="1"/>
+          </p:cNvSpPr>
+          <p:nvPr>
+            <p:ph type="sldNum" sz="quarter" idx="12"/>
+          </p:nvPr>
+        </p:nvSpPr>
+        <p:spPr/>
+        <p:txBody>
+          <a:bodyPr/>
+          <a:lstStyle/>
+          <a:p>
+            <a:fld id="{D7E63A33-8271-4DD0-9C48-789913D7C115}" type="slidenum">
+              <a:rPr lang="en-US" smtClean="0"/>
+              <a:pPr/>
+              <a:t>6</a:t>
+            </a:fld>
+            <a:endParaRPr lang="en-US"/>
+          </a:p>
+        </p:txBody>
+      </p:sp>
       <p:pic>
         <p:nvPicPr>
-          <p:cNvPr id="3076" name="Picture 4"/>
+          <p:cNvPr id="9" name="Image 8"/>
+          <p:cNvPicPr>
+            <a:picLocks noChangeAspect="1"/>
+          </p:cNvPicPr>
+          <p:nvPr/>
+        </p:nvPicPr>
+        <p:blipFill>
+          <a:blip r:embed="rId2" cstate="print">
+            <a:extLst>
+              <a:ext uri="{28A0092B-C50C-407E-A947-70E740481C1C}">
+                <a14:useLocalDpi xmlns:a14="http://schemas.microsoft.com/office/drawing/2010/main" val="0"/>
+              </a:ext>
+            </a:extLst>
+          </a:blip>
+          <a:stretch>
+            <a:fillRect/>
+          </a:stretch>
+        </p:blipFill>
+        <p:spPr>
+          <a:xfrm>
+            <a:off x="8230319" y="6212347"/>
+            <a:ext cx="913681" cy="645653"/>
+          </a:xfrm>
+          <a:prstGeom prst="rect">
+            <a:avLst/>
+          </a:prstGeom>
+        </p:spPr>
+      </p:pic>
+      <p:sp>
+        <p:nvSpPr>
+          <p:cNvPr id="4" name="ZoneTexte 3"/>
+          <p:cNvSpPr txBox="1"/>
+          <p:nvPr/>
+        </p:nvSpPr>
+        <p:spPr>
+          <a:xfrm>
+            <a:off x="5868144" y="2122758"/>
+            <a:ext cx="2659702" cy="646331"/>
+          </a:xfrm>
+          <a:prstGeom prst="rect">
+            <a:avLst/>
+          </a:prstGeom>
+          <a:noFill/>
+        </p:spPr>
+        <p:txBody>
+          <a:bodyPr wrap="none" rtlCol="0">
+            <a:spAutoFit/>
+          </a:bodyPr>
+          <a:lstStyle/>
+          <a:p>
+            <a:r>
+              <a:rPr lang="fr-FR" sz="1200" dirty="0" smtClean="0"/>
+              <a:t>- La période de vente est 2006-2010</a:t>
+            </a:r>
+          </a:p>
+          <a:p>
+            <a:r>
+              <a:rPr lang="fr-FR" sz="1200" dirty="0" smtClean="0"/>
+              <a:t>- Les ventes se concentrent entre </a:t>
+            </a:r>
+          </a:p>
+          <a:p>
+            <a:r>
+              <a:rPr lang="fr-FR" sz="1200" dirty="0" smtClean="0"/>
+              <a:t>Mai et Juillet</a:t>
+            </a:r>
+            <a:endParaRPr lang="fr-FR" sz="1200" dirty="0"/>
+          </a:p>
+        </p:txBody>
+      </p:sp>
+      <p:pic>
+        <p:nvPicPr>
+          <p:cNvPr id="11" name="Image 10"/>
+          <p:cNvPicPr/>
+          <p:nvPr/>
+        </p:nvPicPr>
+        <p:blipFill>
+          <a:blip r:embed="rId3"/>
+          <a:stretch>
+            <a:fillRect/>
+          </a:stretch>
+        </p:blipFill>
+        <p:spPr>
+          <a:xfrm>
+            <a:off x="971600" y="1539963"/>
+            <a:ext cx="4032448" cy="4464496"/>
+          </a:xfrm>
+          <a:prstGeom prst="rect">
+            <a:avLst/>
+          </a:prstGeom>
+        </p:spPr>
+      </p:pic>
+    </p:spTree>
+    <p:extLst>
+      <p:ext uri="{BB962C8B-B14F-4D97-AF65-F5344CB8AC3E}">
+        <p14:creationId xmlns:p14="http://schemas.microsoft.com/office/powerpoint/2010/main" val="521814870"/>
+      </p:ext>
+    </p:extLst>
+  </p:cSld>
+  <p:clrMapOvr>
+    <a:masterClrMapping/>
+  </p:clrMapOvr>
+  <p:timing>
+    <p:tnLst>
+      <p:par>
+        <p:cTn id="1" dur="indefinite" restart="never" nodeType="tmRoot"/>
+      </p:par>
+    </p:tnLst>
+  </p:timing>
+</p:sld>
+</file>
+
+<file path=ppt/slides/slide7.xml><?xml version="1.0" encoding="utf-8"?>
+<p:sld xmlns:a="http://schemas.openxmlformats.org/drawingml/2006/main" xmlns:r="http://schemas.openxmlformats.org/officeDocument/2006/relationships" xmlns:p="http://schemas.openxmlformats.org/presentationml/2006/main">
+  <p:cSld>
+    <p:spTree>
+      <p:nvGrpSpPr>
+        <p:cNvPr id="1" name=""/>
+        <p:cNvGrpSpPr/>
+        <p:nvPr/>
+      </p:nvGrpSpPr>
+      <p:grpSpPr>
+        <a:xfrm>
+          <a:off x="0" y="0"/>
+          <a:ext cx="0" cy="0"/>
+          <a:chOff x="0" y="0"/>
+          <a:chExt cx="0" cy="0"/>
+        </a:xfrm>
+      </p:grpSpPr>
+      <p:sp>
+        <p:nvSpPr>
+          <p:cNvPr id="2" name="Titre 1"/>
+          <p:cNvSpPr>
+            <a:spLocks noGrp="1"/>
+          </p:cNvSpPr>
+          <p:nvPr>
+            <p:ph type="title"/>
+          </p:nvPr>
+        </p:nvSpPr>
+        <p:spPr>
+          <a:xfrm>
+            <a:off x="971600" y="332656"/>
+            <a:ext cx="6696744" cy="720080"/>
+          </a:xfrm>
+        </p:spPr>
+        <p:txBody>
+          <a:bodyPr/>
+          <a:lstStyle/>
+          <a:p>
+            <a:pPr marL="0" indent="0" algn="l">
+              <a:buNone/>
+            </a:pPr>
+            <a:r>
+              <a:rPr lang="fr-FR" sz="3600" dirty="0" smtClean="0"/>
+              <a:t>Préparations des données :</a:t>
+            </a:r>
+            <a:endParaRPr lang="fr-FR" sz="3600" dirty="0"/>
+          </a:p>
+        </p:txBody>
+      </p:sp>
+      <p:sp>
+        <p:nvSpPr>
+          <p:cNvPr id="3" name="Espace réservé du texte 2"/>
+          <p:cNvSpPr>
+            <a:spLocks noGrp="1"/>
+          </p:cNvSpPr>
+          <p:nvPr>
+            <p:ph type="body" idx="1"/>
+          </p:nvPr>
+        </p:nvSpPr>
+        <p:spPr>
+          <a:xfrm>
+            <a:off x="827584" y="1196752"/>
+            <a:ext cx="7632848" cy="4824536"/>
+          </a:xfrm>
+        </p:spPr>
+        <p:txBody>
+          <a:bodyPr>
+            <a:normAutofit/>
+          </a:bodyPr>
+          <a:lstStyle/>
+          <a:p>
+            <a:pPr marL="285750" indent="-285750" algn="l">
+              <a:buFont typeface="Wingdings" pitchFamily="2" charset="2"/>
+              <a:buChar char="Ø"/>
+            </a:pPr>
+            <a:r>
+              <a:rPr lang="fr-FR" sz="1800" dirty="0" smtClean="0"/>
+              <a:t>Nettoyage </a:t>
+            </a:r>
+            <a:r>
+              <a:rPr lang="fr-FR" sz="1800" dirty="0"/>
+              <a:t>des données </a:t>
+            </a:r>
+            <a:endParaRPr lang="fr-FR" sz="1800" dirty="0" smtClean="0"/>
+          </a:p>
+          <a:p>
+            <a:pPr marL="342900" indent="-342900" algn="l">
+              <a:buFontTx/>
+              <a:buChar char="-"/>
+            </a:pPr>
+            <a:r>
+              <a:rPr lang="fr-FR" sz="1200" dirty="0" smtClean="0"/>
+              <a:t>Supprimer les valeurs aberrantes</a:t>
+            </a:r>
+            <a:endParaRPr lang="fr-FR" sz="1200" dirty="0"/>
+          </a:p>
+          <a:p>
+            <a:pPr marL="342900" indent="-342900" algn="l">
+              <a:buFontTx/>
+              <a:buChar char="-"/>
+            </a:pPr>
+            <a:r>
+              <a:rPr lang="fr-FR" sz="1200" dirty="0" smtClean="0"/>
+              <a:t>Supprimer les variables non-impactant sur le prix</a:t>
+            </a:r>
+            <a:endParaRPr lang="fr-FR" sz="1800" dirty="0"/>
+          </a:p>
+          <a:p>
+            <a:pPr algn="l"/>
+            <a:endParaRPr lang="fr-FR" sz="1800" dirty="0"/>
+          </a:p>
+          <a:p>
+            <a:pPr marL="285750" indent="-285750" algn="l">
+              <a:buFont typeface="Wingdings" pitchFamily="2" charset="2"/>
+              <a:buChar char="Ø"/>
+            </a:pPr>
+            <a:r>
+              <a:rPr lang="fr-FR" sz="1800" dirty="0" smtClean="0"/>
+              <a:t>Enrichissement des données</a:t>
+            </a:r>
+          </a:p>
+          <a:p>
+            <a:pPr marL="342900" indent="-342900" algn="l">
+              <a:buFontTx/>
+              <a:buChar char="-"/>
+            </a:pPr>
+            <a:r>
+              <a:rPr lang="fr-FR" sz="1200" dirty="0" smtClean="0"/>
+              <a:t>Remplissage des données manquantes</a:t>
+            </a:r>
+          </a:p>
+          <a:p>
+            <a:pPr marL="342900" indent="-342900" algn="l">
+              <a:buFontTx/>
+              <a:buChar char="-"/>
+            </a:pPr>
+            <a:r>
+              <a:rPr lang="fr-FR" sz="1200" dirty="0" smtClean="0"/>
+              <a:t>Création des nouvelles variables</a:t>
+            </a:r>
+          </a:p>
+          <a:p>
+            <a:pPr algn="l"/>
+            <a:endParaRPr lang="fr-FR" sz="1800" dirty="0" smtClean="0"/>
+          </a:p>
+          <a:p>
+            <a:pPr marL="285750" indent="-285750" algn="l">
+              <a:buFont typeface="Wingdings" pitchFamily="2" charset="2"/>
+              <a:buChar char="Ø"/>
+            </a:pPr>
+            <a:r>
+              <a:rPr lang="fr-FR" sz="1800" dirty="0" smtClean="0"/>
+              <a:t>Préparation des variables</a:t>
+            </a:r>
+          </a:p>
+          <a:p>
+            <a:pPr marL="342900" indent="-342900" algn="l">
+              <a:buFontTx/>
+              <a:buChar char="-"/>
+            </a:pPr>
+            <a:r>
+              <a:rPr lang="fr-FR" sz="1200" dirty="0" smtClean="0"/>
+              <a:t>Normalisation des variables</a:t>
+            </a:r>
+          </a:p>
+          <a:p>
+            <a:pPr marL="342900" indent="-342900" algn="l">
+              <a:buFontTx/>
+              <a:buChar char="-"/>
+            </a:pPr>
+            <a:r>
+              <a:rPr lang="fr-FR" sz="1200" dirty="0" smtClean="0"/>
+              <a:t>Variables catégorielles ordonnées à encoder</a:t>
+            </a:r>
+          </a:p>
+          <a:p>
+            <a:pPr marL="342900" indent="-342900" algn="l">
+              <a:buFontTx/>
+              <a:buChar char="-"/>
+            </a:pPr>
+            <a:r>
+              <a:rPr lang="fr-FR" sz="1200" dirty="0" smtClean="0"/>
+              <a:t>One-hot </a:t>
+            </a:r>
+            <a:r>
+              <a:rPr lang="fr-FR" sz="1200" dirty="0" err="1" smtClean="0"/>
+              <a:t>encoding</a:t>
+            </a:r>
+            <a:r>
+              <a:rPr lang="fr-FR" sz="1200" dirty="0" smtClean="0"/>
+              <a:t> des autres variables catégorielles</a:t>
+            </a:r>
+          </a:p>
+          <a:p>
+            <a:pPr algn="l"/>
+            <a:endParaRPr lang="fr-FR" sz="1800" dirty="0"/>
+          </a:p>
+          <a:p>
+            <a:pPr marL="285750" indent="-285750" algn="l">
+              <a:buFont typeface="Wingdings" pitchFamily="2" charset="2"/>
+              <a:buChar char="Ø"/>
+            </a:pPr>
+            <a:r>
+              <a:rPr lang="fr-FR" sz="1800" dirty="0" smtClean="0"/>
+              <a:t>Réduction dimensionnelle</a:t>
+            </a:r>
+            <a:endParaRPr lang="fr-FR" sz="1800" dirty="0"/>
+          </a:p>
+          <a:p>
+            <a:pPr marL="342900" indent="-342900" algn="l">
+              <a:buFontTx/>
+              <a:buChar char="-"/>
+            </a:pPr>
+            <a:r>
+              <a:rPr lang="fr-FR" sz="1200" dirty="0" smtClean="0"/>
+              <a:t>Utilisation de </a:t>
+            </a:r>
+            <a:r>
+              <a:rPr lang="fr-FR" sz="1200" dirty="0" err="1" smtClean="0"/>
+              <a:t>XGBoost</a:t>
+            </a:r>
+            <a:r>
+              <a:rPr lang="fr-FR" sz="1200" dirty="0" smtClean="0"/>
+              <a:t> avec la méthode </a:t>
+            </a:r>
+            <a:r>
+              <a:rPr lang="fr-FR" sz="1200" dirty="0" err="1" smtClean="0"/>
+              <a:t>feature_importance</a:t>
+            </a:r>
+            <a:endParaRPr lang="fr-FR" sz="1200" dirty="0"/>
+          </a:p>
+          <a:p>
+            <a:pPr algn="l"/>
+            <a:endParaRPr lang="fr-FR" sz="1200" dirty="0" smtClean="0"/>
+          </a:p>
+          <a:p>
+            <a:pPr algn="l"/>
+            <a:endParaRPr lang="fr-FR" sz="1800" dirty="0"/>
+          </a:p>
+        </p:txBody>
+      </p:sp>
+      <p:sp>
+        <p:nvSpPr>
+          <p:cNvPr id="6" name="Espace réservé du pied de page 5"/>
+          <p:cNvSpPr>
+            <a:spLocks noGrp="1"/>
+          </p:cNvSpPr>
+          <p:nvPr>
+            <p:ph type="ftr" sz="quarter" idx="11"/>
+          </p:nvPr>
+        </p:nvSpPr>
+        <p:spPr/>
+        <p:txBody>
+          <a:bodyPr/>
+          <a:lstStyle/>
+          <a:p>
+            <a:r>
+              <a:rPr lang="en-US" dirty="0" err="1" smtClean="0"/>
+              <a:t>Léandre</a:t>
+            </a:r>
+            <a:r>
+              <a:rPr lang="en-US" dirty="0" smtClean="0"/>
+              <a:t> ANDRIANIAINA</a:t>
+            </a:r>
+            <a:endParaRPr lang="en-US" dirty="0"/>
+          </a:p>
+        </p:txBody>
+      </p:sp>
+      <p:sp>
+        <p:nvSpPr>
+          <p:cNvPr id="7" name="Espace réservé du numéro de diapositive 6"/>
+          <p:cNvSpPr>
+            <a:spLocks noGrp="1"/>
+          </p:cNvSpPr>
+          <p:nvPr>
+            <p:ph type="sldNum" sz="quarter" idx="12"/>
+          </p:nvPr>
+        </p:nvSpPr>
+        <p:spPr/>
+        <p:txBody>
+          <a:bodyPr/>
+          <a:lstStyle/>
+          <a:p>
+            <a:fld id="{D7E63A33-8271-4DD0-9C48-789913D7C115}" type="slidenum">
+              <a:rPr lang="en-US" smtClean="0"/>
+              <a:pPr/>
+              <a:t>7</a:t>
+            </a:fld>
+            <a:endParaRPr lang="en-US"/>
+          </a:p>
+        </p:txBody>
+      </p:sp>
+      <p:pic>
+        <p:nvPicPr>
+          <p:cNvPr id="9" name="Image 8"/>
+          <p:cNvPicPr>
+            <a:picLocks noChangeAspect="1"/>
+          </p:cNvPicPr>
+          <p:nvPr/>
+        </p:nvPicPr>
+        <p:blipFill>
+          <a:blip r:embed="rId2" cstate="print">
+            <a:extLst>
+              <a:ext uri="{28A0092B-C50C-407E-A947-70E740481C1C}">
+                <a14:useLocalDpi xmlns:a14="http://schemas.microsoft.com/office/drawing/2010/main" val="0"/>
+              </a:ext>
+            </a:extLst>
+          </a:blip>
+          <a:stretch>
+            <a:fillRect/>
+          </a:stretch>
+        </p:blipFill>
+        <p:spPr>
+          <a:xfrm>
+            <a:off x="8230319" y="6212347"/>
+            <a:ext cx="913681" cy="645653"/>
+          </a:xfrm>
+          <a:prstGeom prst="rect">
+            <a:avLst/>
+          </a:prstGeom>
+        </p:spPr>
+      </p:pic>
+      <p:sp>
+        <p:nvSpPr>
+          <p:cNvPr id="8" name="ZoneTexte 7"/>
+          <p:cNvSpPr txBox="1"/>
+          <p:nvPr/>
+        </p:nvSpPr>
+        <p:spPr>
+          <a:xfrm>
+            <a:off x="6054190" y="1363375"/>
+            <a:ext cx="1467068" cy="369332"/>
+          </a:xfrm>
+          <a:prstGeom prst="rect">
+            <a:avLst/>
+          </a:prstGeom>
+          <a:noFill/>
+        </p:spPr>
+        <p:txBody>
+          <a:bodyPr wrap="none" rtlCol="0">
+            <a:spAutoFit/>
+          </a:bodyPr>
+          <a:lstStyle/>
+          <a:p>
+            <a:r>
+              <a:rPr lang="fr-FR" dirty="0" smtClean="0"/>
+              <a:t>80 colonnes </a:t>
+            </a:r>
+            <a:endParaRPr lang="fr-FR" dirty="0"/>
+          </a:p>
+        </p:txBody>
+      </p:sp>
+      <p:sp>
+        <p:nvSpPr>
+          <p:cNvPr id="17" name="ZoneTexte 16"/>
+          <p:cNvSpPr txBox="1"/>
+          <p:nvPr/>
+        </p:nvSpPr>
+        <p:spPr>
+          <a:xfrm>
+            <a:off x="6073773" y="4227793"/>
+            <a:ext cx="1519968" cy="369332"/>
+          </a:xfrm>
+          <a:prstGeom prst="rect">
+            <a:avLst/>
+          </a:prstGeom>
+          <a:noFill/>
+        </p:spPr>
+        <p:txBody>
+          <a:bodyPr wrap="none" rtlCol="0">
+            <a:spAutoFit/>
+          </a:bodyPr>
+          <a:lstStyle/>
+          <a:p>
+            <a:r>
+              <a:rPr lang="fr-FR" dirty="0" smtClean="0"/>
+              <a:t>240 colonnes</a:t>
+            </a:r>
+            <a:endParaRPr lang="fr-FR" dirty="0"/>
+          </a:p>
+        </p:txBody>
+      </p:sp>
+      <p:sp>
+        <p:nvSpPr>
+          <p:cNvPr id="18" name="Flèche vers le bas 17"/>
+          <p:cNvSpPr/>
+          <p:nvPr/>
+        </p:nvSpPr>
+        <p:spPr>
+          <a:xfrm>
+            <a:off x="6063527" y="1844824"/>
+            <a:ext cx="327936" cy="2232248"/>
+          </a:xfrm>
+          <a:prstGeom prst="downArrow">
+            <a:avLst/>
+          </a:prstGeom>
+        </p:spPr>
+        <p:style>
+          <a:lnRef idx="2">
+            <a:schemeClr val="accent1">
+              <a:shade val="50000"/>
+            </a:schemeClr>
+          </a:lnRef>
+          <a:fillRef idx="1">
+            <a:schemeClr val="accent1"/>
+          </a:fillRef>
+          <a:effectRef idx="0">
+            <a:schemeClr val="accent1"/>
+          </a:effectRef>
+          <a:fontRef idx="minor">
+            <a:schemeClr val="lt1"/>
+          </a:fontRef>
+        </p:style>
+        <p:txBody>
+          <a:bodyPr rtlCol="0" anchor="ctr"/>
+          <a:lstStyle/>
+          <a:p>
+            <a:pPr algn="ctr"/>
+            <a:endParaRPr lang="fr-FR"/>
+          </a:p>
+        </p:txBody>
+      </p:sp>
+      <p:sp>
+        <p:nvSpPr>
+          <p:cNvPr id="19" name="Flèche vers le bas 18"/>
+          <p:cNvSpPr/>
+          <p:nvPr/>
+        </p:nvSpPr>
+        <p:spPr>
+          <a:xfrm>
+            <a:off x="6084696" y="4725144"/>
+            <a:ext cx="306767" cy="648072"/>
+          </a:xfrm>
+          <a:prstGeom prst="downArrow">
+            <a:avLst/>
+          </a:prstGeom>
+        </p:spPr>
+        <p:style>
+          <a:lnRef idx="2">
+            <a:schemeClr val="accent1">
+              <a:shade val="50000"/>
+            </a:schemeClr>
+          </a:lnRef>
+          <a:fillRef idx="1">
+            <a:schemeClr val="accent1"/>
+          </a:fillRef>
+          <a:effectRef idx="0">
+            <a:schemeClr val="accent1"/>
+          </a:effectRef>
+          <a:fontRef idx="minor">
+            <a:schemeClr val="lt1"/>
+          </a:fontRef>
+        </p:style>
+        <p:txBody>
+          <a:bodyPr rtlCol="0" anchor="ctr"/>
+          <a:lstStyle/>
+          <a:p>
+            <a:pPr algn="ctr"/>
+            <a:endParaRPr lang="fr-FR"/>
+          </a:p>
+        </p:txBody>
+      </p:sp>
+      <p:sp>
+        <p:nvSpPr>
+          <p:cNvPr id="20" name="ZoneTexte 19"/>
+          <p:cNvSpPr txBox="1"/>
+          <p:nvPr/>
+        </p:nvSpPr>
+        <p:spPr>
+          <a:xfrm>
+            <a:off x="6123118" y="5548590"/>
+            <a:ext cx="1398140" cy="369332"/>
+          </a:xfrm>
+          <a:prstGeom prst="rect">
+            <a:avLst/>
+          </a:prstGeom>
+          <a:noFill/>
+        </p:spPr>
+        <p:txBody>
+          <a:bodyPr wrap="none" rtlCol="0">
+            <a:spAutoFit/>
+          </a:bodyPr>
+          <a:lstStyle/>
+          <a:p>
+            <a:r>
+              <a:rPr lang="fr-FR" dirty="0" smtClean="0"/>
+              <a:t>40 colonnes</a:t>
+            </a:r>
+            <a:endParaRPr lang="fr-FR" dirty="0"/>
+          </a:p>
+        </p:txBody>
+      </p:sp>
+    </p:spTree>
+    <p:extLst>
+      <p:ext uri="{BB962C8B-B14F-4D97-AF65-F5344CB8AC3E}">
+        <p14:creationId xmlns:p14="http://schemas.microsoft.com/office/powerpoint/2010/main" val="3331912443"/>
+      </p:ext>
+    </p:extLst>
+  </p:cSld>
+  <p:clrMapOvr>
+    <a:masterClrMapping/>
+  </p:clrMapOvr>
+  <p:timing>
+    <p:tnLst>
+      <p:par>
+        <p:cTn id="1" dur="indefinite" restart="never" nodeType="tmRoot"/>
+      </p:par>
+    </p:tnLst>
+  </p:timing>
+</p:sld>
+</file>
+
+<file path=ppt/slides/slide8.xml><?xml version="1.0" encoding="utf-8"?>
+<p:sld xmlns:a="http://schemas.openxmlformats.org/drawingml/2006/main" xmlns:r="http://schemas.openxmlformats.org/officeDocument/2006/relationships" xmlns:p="http://schemas.openxmlformats.org/presentationml/2006/main">
+  <p:cSld>
+    <p:bg>
+      <p:bgPr>
+        <a:blipFill dpi="0" rotWithShape="1">
+          <a:blip r:embed="rId2">
+            <a:lum/>
+          </a:blip>
+          <a:srcRect/>
+          <a:stretch>
+            <a:fillRect l="-4000" r="-4000"/>
+          </a:stretch>
+        </a:blipFill>
+        <a:effectLst/>
+      </p:bgPr>
+    </p:bg>
+    <p:spTree>
+      <p:nvGrpSpPr>
+        <p:cNvPr id="1" name=""/>
+        <p:cNvGrpSpPr/>
+        <p:nvPr/>
+      </p:nvGrpSpPr>
+      <p:grpSpPr>
+        <a:xfrm>
+          <a:off x="0" y="0"/>
+          <a:ext cx="0" cy="0"/>
+          <a:chOff x="0" y="0"/>
+          <a:chExt cx="0" cy="0"/>
+        </a:xfrm>
+      </p:grpSpPr>
+      <p:sp>
+        <p:nvSpPr>
+          <p:cNvPr id="2" name="Titre 1"/>
+          <p:cNvSpPr>
+            <a:spLocks noGrp="1"/>
+          </p:cNvSpPr>
+          <p:nvPr>
+            <p:ph type="title"/>
+          </p:nvPr>
+        </p:nvSpPr>
+        <p:spPr>
+          <a:xfrm>
+            <a:off x="395536" y="332656"/>
+            <a:ext cx="8424936" cy="720080"/>
+          </a:xfrm>
+        </p:spPr>
+        <p:txBody>
+          <a:bodyPr/>
+          <a:lstStyle/>
+          <a:p>
+            <a:pPr marL="0" indent="0" algn="l">
+              <a:buNone/>
+            </a:pPr>
+            <a:r>
+              <a:rPr lang="fr-FR" sz="3200" dirty="0" smtClean="0"/>
+              <a:t>Modélisation : </a:t>
+            </a:r>
+            <a:endParaRPr lang="fr-FR" sz="3200" dirty="0"/>
+          </a:p>
+        </p:txBody>
+      </p:sp>
+      <p:sp>
+        <p:nvSpPr>
+          <p:cNvPr id="3" name="Espace réservé du texte 2"/>
+          <p:cNvSpPr>
+            <a:spLocks noGrp="1"/>
+          </p:cNvSpPr>
+          <p:nvPr>
+            <p:ph type="body" idx="1"/>
+          </p:nvPr>
+        </p:nvSpPr>
+        <p:spPr>
+          <a:xfrm>
+            <a:off x="611560" y="1196752"/>
+            <a:ext cx="7848872" cy="4464496"/>
+          </a:xfrm>
+        </p:spPr>
+        <p:txBody>
+          <a:bodyPr>
+            <a:normAutofit/>
+          </a:bodyPr>
+          <a:lstStyle/>
+          <a:p>
+            <a:pPr algn="l"/>
+            <a:r>
+              <a:rPr lang="fr-FR" sz="1600" dirty="0" smtClean="0"/>
+              <a:t>Test sur différents modèles :</a:t>
+            </a:r>
+          </a:p>
+          <a:p>
+            <a:pPr algn="l"/>
+            <a:endParaRPr lang="fr-FR" sz="1100" dirty="0" smtClean="0"/>
+          </a:p>
+        </p:txBody>
+      </p:sp>
+      <p:sp>
+        <p:nvSpPr>
+          <p:cNvPr id="6" name="Espace réservé du pied de page 5"/>
+          <p:cNvSpPr>
+            <a:spLocks noGrp="1"/>
+          </p:cNvSpPr>
+          <p:nvPr>
+            <p:ph type="ftr" sz="quarter" idx="11"/>
+          </p:nvPr>
+        </p:nvSpPr>
+        <p:spPr/>
+        <p:txBody>
+          <a:bodyPr/>
+          <a:lstStyle/>
+          <a:p>
+            <a:r>
+              <a:rPr lang="en-US" dirty="0" err="1" smtClean="0"/>
+              <a:t>Léandre</a:t>
+            </a:r>
+            <a:r>
+              <a:rPr lang="en-US" dirty="0" smtClean="0"/>
+              <a:t> ANDRIANIAINA</a:t>
+            </a:r>
+            <a:endParaRPr lang="en-US" dirty="0"/>
+          </a:p>
+        </p:txBody>
+      </p:sp>
+      <p:sp>
+        <p:nvSpPr>
+          <p:cNvPr id="7" name="Espace réservé du numéro de diapositive 6"/>
+          <p:cNvSpPr>
+            <a:spLocks noGrp="1"/>
+          </p:cNvSpPr>
+          <p:nvPr>
+            <p:ph type="sldNum" sz="quarter" idx="12"/>
+          </p:nvPr>
+        </p:nvSpPr>
+        <p:spPr/>
+        <p:txBody>
+          <a:bodyPr/>
+          <a:lstStyle/>
+          <a:p>
+            <a:fld id="{D7E63A33-8271-4DD0-9C48-789913D7C115}" type="slidenum">
+              <a:rPr lang="en-US" smtClean="0"/>
+              <a:pPr/>
+              <a:t>8</a:t>
+            </a:fld>
+            <a:endParaRPr lang="en-US" dirty="0"/>
+          </a:p>
+        </p:txBody>
+      </p:sp>
+      <p:pic>
+        <p:nvPicPr>
+          <p:cNvPr id="8" name="Image 7"/>
+          <p:cNvPicPr>
+            <a:picLocks noChangeAspect="1"/>
+          </p:cNvPicPr>
+          <p:nvPr/>
+        </p:nvPicPr>
+        <p:blipFill>
+          <a:blip r:embed="rId3" cstate="print">
+            <a:extLst>
+              <a:ext uri="{28A0092B-C50C-407E-A947-70E740481C1C}">
+                <a14:useLocalDpi xmlns:a14="http://schemas.microsoft.com/office/drawing/2010/main" val="0"/>
+              </a:ext>
+            </a:extLst>
+          </a:blip>
+          <a:stretch>
+            <a:fillRect/>
+          </a:stretch>
+        </p:blipFill>
+        <p:spPr>
+          <a:xfrm>
+            <a:off x="8230319" y="6212347"/>
+            <a:ext cx="913681" cy="645653"/>
+          </a:xfrm>
+          <a:prstGeom prst="rect">
+            <a:avLst/>
+          </a:prstGeom>
+        </p:spPr>
+      </p:pic>
+      <p:pic>
+        <p:nvPicPr>
+          <p:cNvPr id="10" name="Image 9"/>
+          <p:cNvPicPr>
+            <a:picLocks noChangeAspect="1"/>
+          </p:cNvPicPr>
+          <p:nvPr/>
+        </p:nvPicPr>
+        <p:blipFill rotWithShape="1">
+          <a:blip r:embed="rId2">
+            <a:extLst>
+              <a:ext uri="{28A0092B-C50C-407E-A947-70E740481C1C}">
+                <a14:useLocalDpi xmlns:a14="http://schemas.microsoft.com/office/drawing/2010/main" val="0"/>
+              </a:ext>
+            </a:extLst>
+          </a:blip>
+          <a:srcRect b="35385"/>
+          <a:stretch/>
+        </p:blipFill>
+        <p:spPr>
+          <a:xfrm>
+            <a:off x="611560" y="1484784"/>
+            <a:ext cx="7776864" cy="3246132"/>
+          </a:xfrm>
+          <a:prstGeom prst="rect">
+            <a:avLst/>
+          </a:prstGeom>
+        </p:spPr>
+      </p:pic>
+      <p:sp>
+        <p:nvSpPr>
+          <p:cNvPr id="4" name="ZoneTexte 3"/>
+          <p:cNvSpPr txBox="1"/>
+          <p:nvPr/>
+        </p:nvSpPr>
+        <p:spPr>
+          <a:xfrm>
+            <a:off x="811172" y="5301208"/>
+            <a:ext cx="7781297" cy="830997"/>
+          </a:xfrm>
+          <a:prstGeom prst="rect">
+            <a:avLst/>
+          </a:prstGeom>
+          <a:noFill/>
+        </p:spPr>
+        <p:txBody>
+          <a:bodyPr wrap="none" rtlCol="0">
+            <a:spAutoFit/>
+          </a:bodyPr>
+          <a:lstStyle/>
+          <a:p>
+            <a:r>
+              <a:rPr lang="fr-FR" sz="1200" dirty="0" smtClean="0"/>
+              <a:t>Remarques :</a:t>
+            </a:r>
+          </a:p>
+          <a:p>
+            <a:r>
+              <a:rPr lang="fr-FR" sz="1200" dirty="0" smtClean="0"/>
+              <a:t>- L’optimisation des </a:t>
+            </a:r>
+            <a:r>
+              <a:rPr lang="fr-FR" sz="1200" dirty="0" err="1" smtClean="0"/>
+              <a:t>parametres</a:t>
+            </a:r>
+            <a:r>
+              <a:rPr lang="fr-FR" sz="1200" dirty="0" smtClean="0"/>
+              <a:t> améliore chaque modèle et permet de se rapprocher du meilleur score</a:t>
+            </a:r>
+          </a:p>
+          <a:p>
+            <a:pPr marL="171450" indent="-171450">
+              <a:buFontTx/>
+              <a:buChar char="-"/>
+            </a:pPr>
+            <a:r>
+              <a:rPr lang="fr-FR" sz="1200" dirty="0" smtClean="0"/>
+              <a:t>La </a:t>
+            </a:r>
+            <a:r>
+              <a:rPr lang="fr-FR" sz="1200" dirty="0"/>
+              <a:t>performance des algorithmes </a:t>
+            </a:r>
+            <a:r>
+              <a:rPr lang="fr-FR" sz="1200" dirty="0" smtClean="0"/>
+              <a:t>fonctionne </a:t>
+            </a:r>
+            <a:r>
+              <a:rPr lang="fr-FR" sz="1200" dirty="0"/>
+              <a:t>mieux dans un problème et moins bien dans un autre </a:t>
+            </a:r>
+            <a:r>
+              <a:rPr lang="fr-FR" sz="1200" dirty="0" smtClean="0"/>
+              <a:t>problème, </a:t>
+            </a:r>
+          </a:p>
+          <a:p>
+            <a:r>
+              <a:rPr lang="fr-FR" sz="1200" dirty="0" smtClean="0"/>
+              <a:t>d’où l’intérêt de combinaison des modèles</a:t>
+            </a:r>
+            <a:endParaRPr lang="fr-FR" sz="1200" dirty="0"/>
+          </a:p>
+        </p:txBody>
+      </p:sp>
+    </p:spTree>
+    <p:extLst>
+      <p:ext uri="{BB962C8B-B14F-4D97-AF65-F5344CB8AC3E}">
+        <p14:creationId xmlns:p14="http://schemas.microsoft.com/office/powerpoint/2010/main" val="4226344644"/>
+      </p:ext>
+    </p:extLst>
+  </p:cSld>
+  <p:clrMapOvr>
+    <a:masterClrMapping/>
+  </p:clrMapOvr>
+  <p:timing>
+    <p:tnLst>
+      <p:par>
+        <p:cTn id="1" dur="indefinite" restart="never" nodeType="tmRoot"/>
+      </p:par>
+    </p:tnLst>
+  </p:timing>
+</p:sld>
+</file>
+
+<file path=ppt/slides/slide9.xml><?xml version="1.0" encoding="utf-8"?>
+<p:sld xmlns:a="http://schemas.openxmlformats.org/drawingml/2006/main" xmlns:r="http://schemas.openxmlformats.org/officeDocument/2006/relationships" xmlns:p="http://schemas.openxmlformats.org/presentationml/2006/main">
+  <p:cSld>
+    <p:bg>
+      <p:bgPr>
+        <a:blipFill dpi="0" rotWithShape="1">
+          <a:blip r:embed="rId2">
+            <a:lum/>
+          </a:blip>
+          <a:srcRect/>
+          <a:stretch>
+            <a:fillRect l="-4000" r="-4000"/>
+          </a:stretch>
+        </a:blipFill>
+        <a:effectLst/>
+      </p:bgPr>
+    </p:bg>
+    <p:spTree>
+      <p:nvGrpSpPr>
+        <p:cNvPr id="1" name=""/>
+        <p:cNvGrpSpPr/>
+        <p:nvPr/>
+      </p:nvGrpSpPr>
+      <p:grpSpPr>
+        <a:xfrm>
+          <a:off x="0" y="0"/>
+          <a:ext cx="0" cy="0"/>
+          <a:chOff x="0" y="0"/>
+          <a:chExt cx="0" cy="0"/>
+        </a:xfrm>
+      </p:grpSpPr>
+      <p:sp>
+        <p:nvSpPr>
+          <p:cNvPr id="2" name="Titre 1"/>
+          <p:cNvSpPr>
+            <a:spLocks noGrp="1"/>
+          </p:cNvSpPr>
+          <p:nvPr>
+            <p:ph type="title"/>
+          </p:nvPr>
+        </p:nvSpPr>
+        <p:spPr>
+          <a:xfrm>
+            <a:off x="395536" y="332656"/>
+            <a:ext cx="8424936" cy="720080"/>
+          </a:xfrm>
+        </p:spPr>
+        <p:txBody>
+          <a:bodyPr/>
+          <a:lstStyle/>
+          <a:p>
+            <a:pPr marL="0" indent="0" algn="l">
+              <a:buNone/>
+            </a:pPr>
+            <a:r>
+              <a:rPr lang="fr-FR" sz="3200" dirty="0" smtClean="0"/>
+              <a:t>Modélisation : </a:t>
+            </a:r>
+            <a:endParaRPr lang="fr-FR" sz="3200" dirty="0"/>
+          </a:p>
+        </p:txBody>
+      </p:sp>
+      <p:sp>
+        <p:nvSpPr>
+          <p:cNvPr id="3" name="Espace réservé du texte 2"/>
+          <p:cNvSpPr>
+            <a:spLocks noGrp="1"/>
+          </p:cNvSpPr>
+          <p:nvPr>
+            <p:ph type="body" idx="1"/>
+          </p:nvPr>
+        </p:nvSpPr>
+        <p:spPr>
+          <a:xfrm>
+            <a:off x="611560" y="1196752"/>
+            <a:ext cx="7848872" cy="4464496"/>
+          </a:xfrm>
+        </p:spPr>
+        <p:txBody>
+          <a:bodyPr>
+            <a:normAutofit/>
+          </a:bodyPr>
+          <a:lstStyle/>
+          <a:p>
+            <a:pPr algn="l"/>
+            <a:r>
+              <a:rPr lang="fr-FR" sz="1800" dirty="0" smtClean="0"/>
+              <a:t>Empilement des modèles (</a:t>
+            </a:r>
+            <a:r>
+              <a:rPr lang="fr-FR" sz="1800" dirty="0" err="1" smtClean="0"/>
+              <a:t>StackingRegressor</a:t>
+            </a:r>
+            <a:r>
+              <a:rPr lang="fr-FR" sz="1800" dirty="0" smtClean="0"/>
+              <a:t>):</a:t>
+            </a:r>
+          </a:p>
+          <a:p>
+            <a:pPr algn="l"/>
+            <a:r>
+              <a:rPr lang="fr-FR" sz="1100" dirty="0" smtClean="0"/>
+              <a:t>Fonctionnement : Combinaison des plusieurs modèles de bases</a:t>
+            </a:r>
+          </a:p>
+          <a:p>
+            <a:pPr marL="171450" indent="-171450" algn="l">
+              <a:buFontTx/>
+              <a:buChar char="-"/>
+            </a:pPr>
+            <a:r>
+              <a:rPr lang="fr-FR" sz="1100" dirty="0" smtClean="0"/>
+              <a:t>Modèles de base : différents type d’algorithme pour assurer l’hétérogénéité du modèle final </a:t>
+            </a:r>
+          </a:p>
+          <a:p>
+            <a:pPr marL="171450" indent="-171450" algn="l">
+              <a:buFontTx/>
+              <a:buChar char="-"/>
+            </a:pPr>
+            <a:r>
+              <a:rPr lang="fr-FR" sz="1100" dirty="0" smtClean="0"/>
+              <a:t>Meta-modèle : généralise les prédictions faites par des modèles de base</a:t>
+            </a:r>
+          </a:p>
+          <a:p>
+            <a:pPr marL="171450" indent="-171450" algn="l">
+              <a:buFontTx/>
+              <a:buChar char="-"/>
+            </a:pPr>
+            <a:endParaRPr lang="fr-FR" sz="1100" dirty="0"/>
+          </a:p>
+          <a:p>
+            <a:pPr marL="171450" indent="-171450" algn="l">
+              <a:buFontTx/>
+              <a:buChar char="-"/>
+            </a:pPr>
+            <a:endParaRPr lang="fr-FR" sz="1100" dirty="0" smtClean="0"/>
+          </a:p>
+          <a:p>
+            <a:pPr marL="171450" indent="-171450" algn="l">
+              <a:buFontTx/>
+              <a:buChar char="-"/>
+            </a:pPr>
+            <a:endParaRPr lang="fr-FR" sz="1100" dirty="0"/>
+          </a:p>
+          <a:p>
+            <a:pPr marL="171450" indent="-171450" algn="l">
+              <a:buFontTx/>
+              <a:buChar char="-"/>
+            </a:pPr>
+            <a:endParaRPr lang="fr-FR" sz="1100" dirty="0" smtClean="0"/>
+          </a:p>
+          <a:p>
+            <a:pPr marL="171450" indent="-171450" algn="l">
+              <a:buFontTx/>
+              <a:buChar char="-"/>
+            </a:pPr>
+            <a:endParaRPr lang="fr-FR" sz="1100" dirty="0"/>
+          </a:p>
+          <a:p>
+            <a:pPr marL="171450" indent="-171450" algn="l">
+              <a:buFontTx/>
+              <a:buChar char="-"/>
+            </a:pPr>
+            <a:endParaRPr lang="fr-FR" sz="1100" dirty="0" smtClean="0"/>
+          </a:p>
+          <a:p>
+            <a:pPr marL="171450" indent="-171450" algn="l">
+              <a:buFontTx/>
+              <a:buChar char="-"/>
+            </a:pPr>
+            <a:endParaRPr lang="fr-FR" sz="1100" dirty="0"/>
+          </a:p>
+          <a:p>
+            <a:pPr marL="171450" indent="-171450" algn="l">
+              <a:buFontTx/>
+              <a:buChar char="-"/>
+            </a:pPr>
+            <a:endParaRPr lang="fr-FR" sz="1100" dirty="0" smtClean="0"/>
+          </a:p>
+          <a:p>
+            <a:pPr marL="171450" indent="-171450" algn="l">
+              <a:buFontTx/>
+              <a:buChar char="-"/>
+            </a:pPr>
+            <a:endParaRPr lang="fr-FR" sz="1100" dirty="0"/>
+          </a:p>
+          <a:p>
+            <a:pPr algn="l"/>
+            <a:r>
+              <a:rPr lang="fr-FR" sz="1100" dirty="0" smtClean="0"/>
+              <a:t>Avantage : </a:t>
+            </a:r>
+            <a:r>
+              <a:rPr lang="fr-FR" sz="1100" dirty="0"/>
+              <a:t>assure une constance et un maximum de précision quel que soit les données et le problème à résoudre</a:t>
+            </a:r>
+            <a:endParaRPr lang="fr-FR" sz="1100" dirty="0" smtClean="0"/>
+          </a:p>
+        </p:txBody>
+      </p:sp>
+      <p:sp>
+        <p:nvSpPr>
+          <p:cNvPr id="6" name="Espace réservé du pied de page 5"/>
+          <p:cNvSpPr>
+            <a:spLocks noGrp="1"/>
+          </p:cNvSpPr>
+          <p:nvPr>
+            <p:ph type="ftr" sz="quarter" idx="11"/>
+          </p:nvPr>
+        </p:nvSpPr>
+        <p:spPr/>
+        <p:txBody>
+          <a:bodyPr/>
+          <a:lstStyle/>
+          <a:p>
+            <a:r>
+              <a:rPr lang="en-US" dirty="0" err="1" smtClean="0"/>
+              <a:t>Léandre</a:t>
+            </a:r>
+            <a:r>
+              <a:rPr lang="en-US" dirty="0" smtClean="0"/>
+              <a:t> ANDRIANIAINA</a:t>
+            </a:r>
+            <a:endParaRPr lang="en-US" dirty="0"/>
+          </a:p>
+        </p:txBody>
+      </p:sp>
+      <p:sp>
+        <p:nvSpPr>
+          <p:cNvPr id="7" name="Espace réservé du numéro de diapositive 6"/>
+          <p:cNvSpPr>
+            <a:spLocks noGrp="1"/>
+          </p:cNvSpPr>
+          <p:nvPr>
+            <p:ph type="sldNum" sz="quarter" idx="12"/>
+          </p:nvPr>
+        </p:nvSpPr>
+        <p:spPr/>
+        <p:txBody>
+          <a:bodyPr/>
+          <a:lstStyle/>
+          <a:p>
+            <a:fld id="{D7E63A33-8271-4DD0-9C48-789913D7C115}" type="slidenum">
+              <a:rPr lang="en-US" smtClean="0"/>
+              <a:pPr/>
+              <a:t>9</a:t>
+            </a:fld>
+            <a:endParaRPr lang="en-US" dirty="0"/>
+          </a:p>
+        </p:txBody>
+      </p:sp>
+      <p:pic>
+        <p:nvPicPr>
+          <p:cNvPr id="8" name="Image 7"/>
+          <p:cNvPicPr>
+            <a:picLocks noChangeAspect="1"/>
+          </p:cNvPicPr>
+          <p:nvPr/>
+        </p:nvPicPr>
+        <p:blipFill>
+          <a:blip r:embed="rId3" cstate="print">
+            <a:extLst>
+              <a:ext uri="{28A0092B-C50C-407E-A947-70E740481C1C}">
+                <a14:useLocalDpi xmlns:a14="http://schemas.microsoft.com/office/drawing/2010/main" val="0"/>
+              </a:ext>
+            </a:extLst>
+          </a:blip>
+          <a:stretch>
+            <a:fillRect/>
+          </a:stretch>
+        </p:blipFill>
+        <p:spPr>
+          <a:xfrm>
+            <a:off x="8230319" y="6212347"/>
+            <a:ext cx="913681" cy="645653"/>
+          </a:xfrm>
+          <a:prstGeom prst="rect">
+            <a:avLst/>
+          </a:prstGeom>
+        </p:spPr>
+      </p:pic>
+      <p:pic>
+        <p:nvPicPr>
+          <p:cNvPr id="1026" name="Picture 2"/>
           <p:cNvPicPr>
             <a:picLocks noChangeAspect="1" noChangeArrowheads="1"/>
           </p:cNvPicPr>
           <p:nvPr/>
         </p:nvPicPr>
         <p:blipFill>
-          <a:blip r:embed="rId4" cstate="print">
+          <a:blip r:embed="rId4">
             <a:extLst>
               <a:ext uri="{28A0092B-C50C-407E-A947-70E740481C1C}">
                 <a14:useLocalDpi xmlns:a14="http://schemas.microsoft.com/office/drawing/2010/main" val="0"/>
@@ -8593,8 +9502,8 @@
         </p:blipFill>
         <p:spPr bwMode="auto">
           <a:xfrm>
-            <a:off x="6030822" y="1628800"/>
-            <a:ext cx="2745599" cy="2448272"/>
+            <a:off x="683568" y="2492896"/>
+            <a:ext cx="7382023" cy="1581150"/>
           </a:xfrm>
           <a:prstGeom prst="rect">
             <a:avLst/>
@@ -8634,1387 +9543,10 @@
           </a:extLst>
         </p:spPr>
       </p:pic>
-      <p:pic>
-        <p:nvPicPr>
-          <p:cNvPr id="3077" name="Picture 5"/>
-          <p:cNvPicPr>
-            <a:picLocks noChangeAspect="1" noChangeArrowheads="1"/>
-          </p:cNvPicPr>
-          <p:nvPr/>
-        </p:nvPicPr>
-        <p:blipFill rotWithShape="1">
-          <a:blip r:embed="rId5">
-            <a:extLst>
-              <a:ext uri="{28A0092B-C50C-407E-A947-70E740481C1C}">
-                <a14:useLocalDpi xmlns:a14="http://schemas.microsoft.com/office/drawing/2010/main" val="0"/>
-              </a:ext>
-            </a:extLst>
-          </a:blip>
-          <a:srcRect r="5707"/>
-          <a:stretch/>
-        </p:blipFill>
-        <p:spPr bwMode="auto">
-          <a:xfrm>
-            <a:off x="323528" y="4174808"/>
-            <a:ext cx="5400600" cy="2582596"/>
-          </a:xfrm>
-          <a:prstGeom prst="rect">
-            <a:avLst/>
-          </a:prstGeom>
-          <a:noFill/>
-          <a:ln>
-            <a:noFill/>
-          </a:ln>
-          <a:effectLst/>
-          <a:extLst>
-            <a:ext uri="{909E8E84-426E-40DD-AFC4-6F175D3DCCD1}">
-              <a14:hiddenFill xmlns:a14="http://schemas.microsoft.com/office/drawing/2010/main">
-                <a:solidFill>
-                  <a:schemeClr val="accent1"/>
-                </a:solidFill>
-              </a14:hiddenFill>
-            </a:ext>
-            <a:ext uri="{91240B29-F687-4F45-9708-019B960494DF}">
-              <a14:hiddenLine xmlns:a14="http://schemas.microsoft.com/office/drawing/2010/main" w="9525">
-                <a:solidFill>
-                  <a:schemeClr val="tx1"/>
-                </a:solidFill>
-                <a:miter lim="800000"/>
-                <a:headEnd/>
-                <a:tailEnd/>
-              </a14:hiddenLine>
-            </a:ext>
-            <a:ext uri="{AF507438-7753-43E0-B8FC-AC1667EBCBE1}">
-              <a14:hiddenEffects xmlns:a14="http://schemas.microsoft.com/office/drawing/2010/main">
-                <a:effectLst>
-                  <a:outerShdw dist="35921" dir="2700000" algn="ctr" rotWithShape="0">
-                    <a:schemeClr val="bg2"/>
-                  </a:outerShdw>
-                </a:effectLst>
-              </a14:hiddenEffects>
-            </a:ext>
-          </a:extLst>
-        </p:spPr>
-      </p:pic>
-      <p:pic>
-        <p:nvPicPr>
-          <p:cNvPr id="3078" name="Picture 6"/>
-          <p:cNvPicPr>
-            <a:picLocks noChangeAspect="1" noChangeArrowheads="1"/>
-          </p:cNvPicPr>
-          <p:nvPr/>
-        </p:nvPicPr>
-        <p:blipFill>
-          <a:blip r:embed="rId6" cstate="print">
-            <a:extLst>
-              <a:ext uri="{28A0092B-C50C-407E-A947-70E740481C1C}">
-                <a14:useLocalDpi xmlns:a14="http://schemas.microsoft.com/office/drawing/2010/main" val="0"/>
-              </a:ext>
-            </a:extLst>
-          </a:blip>
-          <a:srcRect/>
-          <a:stretch>
-            <a:fillRect/>
-          </a:stretch>
-        </p:blipFill>
-        <p:spPr bwMode="auto">
-          <a:xfrm>
-            <a:off x="6161423" y="4186493"/>
-            <a:ext cx="2525736" cy="2500362"/>
-          </a:xfrm>
-          <a:prstGeom prst="rect">
-            <a:avLst/>
-          </a:prstGeom>
-          <a:noFill/>
-          <a:ln>
-            <a:noFill/>
-          </a:ln>
-          <a:effectLst/>
-          <a:extLst>
-            <a:ext uri="{909E8E84-426E-40DD-AFC4-6F175D3DCCD1}">
-              <a14:hiddenFill xmlns:a14="http://schemas.microsoft.com/office/drawing/2010/main">
-                <a:solidFill>
-                  <a:schemeClr val="accent1"/>
-                </a:solidFill>
-              </a14:hiddenFill>
-            </a:ext>
-            <a:ext uri="{91240B29-F687-4F45-9708-019B960494DF}">
-              <a14:hiddenLine xmlns:a14="http://schemas.microsoft.com/office/drawing/2010/main" w="9525">
-                <a:solidFill>
-                  <a:schemeClr val="tx1"/>
-                </a:solidFill>
-                <a:miter lim="800000"/>
-                <a:headEnd/>
-                <a:tailEnd/>
-              </a14:hiddenLine>
-            </a:ext>
-            <a:ext uri="{AF507438-7753-43E0-B8FC-AC1667EBCBE1}">
-              <a14:hiddenEffects xmlns:a14="http://schemas.microsoft.com/office/drawing/2010/main">
-                <a:effectLst>
-                  <a:outerShdw dist="35921" dir="2700000" algn="ctr" rotWithShape="0">
-                    <a:schemeClr val="bg2"/>
-                  </a:outerShdw>
-                </a:effectLst>
-              </a14:hiddenEffects>
-            </a:ext>
-          </a:extLst>
-        </p:spPr>
-      </p:pic>
     </p:spTree>
     <p:extLst>
       <p:ext uri="{BB962C8B-B14F-4D97-AF65-F5344CB8AC3E}">
-        <p14:creationId xmlns:p14="http://schemas.microsoft.com/office/powerpoint/2010/main" val="2993796379"/>
-      </p:ext>
-    </p:extLst>
-  </p:cSld>
-  <p:clrMapOvr>
-    <a:masterClrMapping/>
-  </p:clrMapOvr>
-  <p:timing>
-    <p:tnLst>
-      <p:par>
-        <p:cTn id="1" dur="indefinite" restart="never" nodeType="tmRoot"/>
-      </p:par>
-    </p:tnLst>
-  </p:timing>
-</p:sld>
-</file>
-
-<file path=ppt/slides/slide7.xml><?xml version="1.0" encoding="utf-8"?>
-<p:sld xmlns:a="http://schemas.openxmlformats.org/drawingml/2006/main" xmlns:r="http://schemas.openxmlformats.org/officeDocument/2006/relationships" xmlns:p="http://schemas.openxmlformats.org/presentationml/2006/main">
-  <p:cSld>
-    <p:spTree>
-      <p:nvGrpSpPr>
-        <p:cNvPr id="1" name=""/>
-        <p:cNvGrpSpPr/>
-        <p:nvPr/>
-      </p:nvGrpSpPr>
-      <p:grpSpPr>
-        <a:xfrm>
-          <a:off x="0" y="0"/>
-          <a:ext cx="0" cy="0"/>
-          <a:chOff x="0" y="0"/>
-          <a:chExt cx="0" cy="0"/>
-        </a:xfrm>
-      </p:grpSpPr>
-      <p:sp>
-        <p:nvSpPr>
-          <p:cNvPr id="2" name="Titre 1"/>
-          <p:cNvSpPr>
-            <a:spLocks noGrp="1"/>
-          </p:cNvSpPr>
-          <p:nvPr>
-            <p:ph type="title"/>
-          </p:nvPr>
-        </p:nvSpPr>
-        <p:spPr>
-          <a:xfrm>
-            <a:off x="971600" y="332656"/>
-            <a:ext cx="6696744" cy="720080"/>
-          </a:xfrm>
-        </p:spPr>
-        <p:txBody>
-          <a:bodyPr/>
-          <a:lstStyle/>
-          <a:p>
-            <a:pPr marL="0" indent="0" algn="l">
-              <a:buNone/>
-            </a:pPr>
-            <a:r>
-              <a:rPr lang="fr-FR" sz="3600" dirty="0" smtClean="0"/>
-              <a:t>Explorations des données :</a:t>
-            </a:r>
-            <a:endParaRPr lang="fr-FR" sz="3600" dirty="0"/>
-          </a:p>
-        </p:txBody>
-      </p:sp>
-      <p:sp>
-        <p:nvSpPr>
-          <p:cNvPr id="3" name="Espace réservé du texte 2"/>
-          <p:cNvSpPr>
-            <a:spLocks noGrp="1"/>
-          </p:cNvSpPr>
-          <p:nvPr>
-            <p:ph type="body" idx="1"/>
-          </p:nvPr>
-        </p:nvSpPr>
-        <p:spPr>
-          <a:xfrm>
-            <a:off x="827584" y="1196752"/>
-            <a:ext cx="7632848" cy="4824536"/>
-          </a:xfrm>
-        </p:spPr>
-        <p:txBody>
-          <a:bodyPr>
-            <a:normAutofit/>
-          </a:bodyPr>
-          <a:lstStyle/>
-          <a:p>
-            <a:pPr marL="285750" indent="-285750" algn="l">
-              <a:buFont typeface="Wingdings" pitchFamily="2" charset="2"/>
-              <a:buChar char="Ø"/>
-            </a:pPr>
-            <a:r>
-              <a:rPr lang="fr-FR" sz="1800" dirty="0" smtClean="0"/>
-              <a:t>Nettoyage : </a:t>
-            </a:r>
-          </a:p>
-          <a:p>
-            <a:pPr marL="285750" indent="-285750" algn="l">
-              <a:buFontTx/>
-              <a:buChar char="-"/>
-            </a:pPr>
-            <a:r>
-              <a:rPr lang="fr-FR" sz="1200" dirty="0"/>
-              <a:t>Ne garder que les top1000 des </a:t>
-            </a:r>
-            <a:r>
-              <a:rPr lang="fr-FR" sz="1200" dirty="0" smtClean="0"/>
-              <a:t>mots</a:t>
-            </a:r>
-            <a:endParaRPr lang="fr-FR" sz="1200" dirty="0"/>
-          </a:p>
-          <a:p>
-            <a:pPr marL="285750" indent="-285750" algn="l">
-              <a:buFontTx/>
-              <a:buChar char="-"/>
-            </a:pPr>
-            <a:r>
-              <a:rPr lang="fr-FR" sz="1200" dirty="0" smtClean="0"/>
-              <a:t>Ne garder que les questions contenant au mois un tag dans top100  : (19 759</a:t>
-            </a:r>
-            <a:r>
-              <a:rPr lang="fr-FR" sz="1200" dirty="0"/>
-              <a:t>, 8) </a:t>
-            </a:r>
-            <a:r>
-              <a:rPr lang="fr-FR" sz="1200" dirty="0">
-                <a:sym typeface="Wingdings"/>
-              </a:rPr>
-              <a:t></a:t>
-            </a:r>
-            <a:r>
-              <a:rPr lang="fr-FR" sz="1200" dirty="0"/>
-              <a:t> (</a:t>
-            </a:r>
-            <a:r>
-              <a:rPr lang="fr-FR" sz="1200" dirty="0" smtClean="0"/>
-              <a:t>19 748</a:t>
-            </a:r>
-            <a:r>
-              <a:rPr lang="fr-FR" sz="1200" dirty="0"/>
-              <a:t>, 8</a:t>
-            </a:r>
-            <a:r>
-              <a:rPr lang="fr-FR" sz="1200" dirty="0" smtClean="0"/>
-              <a:t>)</a:t>
-            </a:r>
-            <a:endParaRPr lang="fr-FR" sz="1800" dirty="0"/>
-          </a:p>
-          <a:p>
-            <a:pPr marL="285750" indent="-285750" algn="l">
-              <a:buFont typeface="Wingdings" pitchFamily="2" charset="2"/>
-              <a:buChar char="Ø"/>
-            </a:pPr>
-            <a:r>
-              <a:rPr lang="fr-FR" sz="1800" dirty="0" smtClean="0"/>
-              <a:t>Vectorisation des données pour modélisations :</a:t>
-            </a:r>
-          </a:p>
-          <a:p>
-            <a:pPr marL="342900" indent="-342900" algn="l">
-              <a:buFontTx/>
-              <a:buChar char="-"/>
-            </a:pPr>
-            <a:r>
-              <a:rPr lang="fr-FR" sz="1200" dirty="0" smtClean="0"/>
-              <a:t>En entrée (=X)de notre modèle, on a les mots (corpus) vectorisé en « Bag </a:t>
-            </a:r>
-            <a:r>
-              <a:rPr lang="fr-FR" sz="1200" dirty="0"/>
-              <a:t>O</a:t>
-            </a:r>
-            <a:r>
-              <a:rPr lang="fr-FR" sz="1200" dirty="0" smtClean="0"/>
-              <a:t>f </a:t>
-            </a:r>
-            <a:r>
-              <a:rPr lang="fr-FR" sz="1200" dirty="0" err="1"/>
-              <a:t>W</a:t>
-            </a:r>
-            <a:r>
-              <a:rPr lang="fr-FR" sz="1200" dirty="0" err="1" smtClean="0"/>
-              <a:t>ords</a:t>
-            </a:r>
-            <a:r>
-              <a:rPr lang="fr-FR" sz="1200" dirty="0" smtClean="0"/>
-              <a:t> » </a:t>
-            </a:r>
-            <a:endParaRPr lang="fr-FR" sz="1200" dirty="0"/>
-          </a:p>
-          <a:p>
-            <a:pPr marL="342900" indent="-342900" algn="l">
-              <a:buFontTx/>
-              <a:buChar char="-"/>
-            </a:pPr>
-            <a:endParaRPr lang="fr-FR" sz="1200" dirty="0" smtClean="0"/>
-          </a:p>
-          <a:p>
-            <a:pPr marL="342900" indent="-342900" algn="l">
-              <a:buFontTx/>
-              <a:buChar char="-"/>
-            </a:pPr>
-            <a:endParaRPr lang="fr-FR" sz="1200" dirty="0" smtClean="0"/>
-          </a:p>
-          <a:p>
-            <a:pPr marL="342900" indent="-342900" algn="l">
-              <a:buFontTx/>
-              <a:buChar char="-"/>
-            </a:pPr>
-            <a:endParaRPr lang="fr-FR" sz="1200" dirty="0" smtClean="0"/>
-          </a:p>
-          <a:p>
-            <a:pPr marL="342900" indent="-342900" algn="l">
-              <a:buFontTx/>
-              <a:buChar char="-"/>
-            </a:pPr>
-            <a:endParaRPr lang="fr-FR" sz="1200" dirty="0" smtClean="0"/>
-          </a:p>
-          <a:p>
-            <a:pPr marL="342900" indent="-342900" algn="l">
-              <a:buFontTx/>
-              <a:buChar char="-"/>
-            </a:pPr>
-            <a:r>
-              <a:rPr lang="fr-FR" sz="1200" dirty="0" smtClean="0"/>
-              <a:t>En sortie (=y), ou valeur prédite, on a les top 100 des tags  : </a:t>
-            </a:r>
-          </a:p>
-          <a:p>
-            <a:pPr marL="342900" indent="-342900" algn="l">
-              <a:buFontTx/>
-              <a:buChar char="-"/>
-            </a:pPr>
-            <a:endParaRPr lang="fr-FR" sz="1200" dirty="0"/>
-          </a:p>
-          <a:p>
-            <a:pPr marL="342900" indent="-342900" algn="l">
-              <a:buFontTx/>
-              <a:buChar char="-"/>
-            </a:pPr>
-            <a:endParaRPr lang="fr-FR" sz="1200" dirty="0" smtClean="0"/>
-          </a:p>
-          <a:p>
-            <a:pPr marL="342900" indent="-342900" algn="l">
-              <a:buFontTx/>
-              <a:buChar char="-"/>
-            </a:pPr>
-            <a:endParaRPr lang="fr-FR" sz="1200" dirty="0"/>
-          </a:p>
-          <a:p>
-            <a:pPr marL="342900" indent="-342900" algn="l">
-              <a:buFontTx/>
-              <a:buChar char="-"/>
-            </a:pPr>
-            <a:endParaRPr lang="fr-FR" sz="1200" dirty="0" smtClean="0"/>
-          </a:p>
-          <a:p>
-            <a:pPr marL="342900" indent="-342900" algn="l">
-              <a:buFontTx/>
-              <a:buChar char="-"/>
-            </a:pPr>
-            <a:endParaRPr lang="fr-FR" sz="1200" dirty="0"/>
-          </a:p>
-          <a:p>
-            <a:pPr marL="342900" indent="-342900" algn="l">
-              <a:buFontTx/>
-              <a:buChar char="-"/>
-            </a:pPr>
-            <a:r>
-              <a:rPr lang="fr-FR" sz="1200" dirty="0" smtClean="0"/>
-              <a:t>Split en 80% d’entrainements et 20% de tests</a:t>
-            </a:r>
-          </a:p>
-          <a:p>
-            <a:pPr marL="342900" indent="-342900" algn="l">
-              <a:buFontTx/>
-              <a:buChar char="-"/>
-            </a:pPr>
-            <a:r>
-              <a:rPr lang="fr-FR" sz="1200" dirty="0" smtClean="0"/>
-              <a:t>Cas d’une classification multi-étiquette ou multi-label</a:t>
-            </a:r>
-            <a:endParaRPr lang="fr-FR" sz="1800" dirty="0" smtClean="0"/>
-          </a:p>
-          <a:p>
-            <a:pPr algn="l"/>
-            <a:endParaRPr lang="fr-FR" sz="1200" dirty="0" smtClean="0"/>
-          </a:p>
-          <a:p>
-            <a:pPr algn="l"/>
-            <a:endParaRPr lang="fr-FR" sz="1800" dirty="0"/>
-          </a:p>
-        </p:txBody>
-      </p:sp>
-      <p:sp>
-        <p:nvSpPr>
-          <p:cNvPr id="6" name="Espace réservé du pied de page 5"/>
-          <p:cNvSpPr>
-            <a:spLocks noGrp="1"/>
-          </p:cNvSpPr>
-          <p:nvPr>
-            <p:ph type="ftr" sz="quarter" idx="11"/>
-          </p:nvPr>
-        </p:nvSpPr>
-        <p:spPr/>
-        <p:txBody>
-          <a:bodyPr/>
-          <a:lstStyle/>
-          <a:p>
-            <a:r>
-              <a:rPr lang="en-US" dirty="0" err="1" smtClean="0"/>
-              <a:t>Léandre</a:t>
-            </a:r>
-            <a:r>
-              <a:rPr lang="en-US" dirty="0" smtClean="0"/>
-              <a:t> ANDRIANIAINA</a:t>
-            </a:r>
-            <a:endParaRPr lang="en-US" dirty="0"/>
-          </a:p>
-        </p:txBody>
-      </p:sp>
-      <p:sp>
-        <p:nvSpPr>
-          <p:cNvPr id="7" name="Espace réservé du numéro de diapositive 6"/>
-          <p:cNvSpPr>
-            <a:spLocks noGrp="1"/>
-          </p:cNvSpPr>
-          <p:nvPr>
-            <p:ph type="sldNum" sz="quarter" idx="12"/>
-          </p:nvPr>
-        </p:nvSpPr>
-        <p:spPr/>
-        <p:txBody>
-          <a:bodyPr/>
-          <a:lstStyle/>
-          <a:p>
-            <a:fld id="{D7E63A33-8271-4DD0-9C48-789913D7C115}" type="slidenum">
-              <a:rPr lang="en-US" smtClean="0"/>
-              <a:pPr/>
-              <a:t>7</a:t>
-            </a:fld>
-            <a:endParaRPr lang="en-US"/>
-          </a:p>
-        </p:txBody>
-      </p:sp>
-      <p:pic>
-        <p:nvPicPr>
-          <p:cNvPr id="9" name="Image 8"/>
-          <p:cNvPicPr>
-            <a:picLocks noChangeAspect="1"/>
-          </p:cNvPicPr>
-          <p:nvPr/>
-        </p:nvPicPr>
-        <p:blipFill>
-          <a:blip r:embed="rId2" cstate="print">
-            <a:extLst>
-              <a:ext uri="{28A0092B-C50C-407E-A947-70E740481C1C}">
-                <a14:useLocalDpi xmlns:a14="http://schemas.microsoft.com/office/drawing/2010/main" val="0"/>
-              </a:ext>
-            </a:extLst>
-          </a:blip>
-          <a:stretch>
-            <a:fillRect/>
-          </a:stretch>
-        </p:blipFill>
-        <p:spPr>
-          <a:xfrm>
-            <a:off x="8230319" y="6212347"/>
-            <a:ext cx="913681" cy="645653"/>
-          </a:xfrm>
-          <a:prstGeom prst="rect">
-            <a:avLst/>
-          </a:prstGeom>
-        </p:spPr>
-      </p:pic>
-      <p:pic>
-        <p:nvPicPr>
-          <p:cNvPr id="4099" name="Picture 3"/>
-          <p:cNvPicPr>
-            <a:picLocks noChangeAspect="1" noChangeArrowheads="1"/>
-          </p:cNvPicPr>
-          <p:nvPr/>
-        </p:nvPicPr>
-        <p:blipFill>
-          <a:blip r:embed="rId3">
-            <a:extLst>
-              <a:ext uri="{28A0092B-C50C-407E-A947-70E740481C1C}">
-                <a14:useLocalDpi xmlns:a14="http://schemas.microsoft.com/office/drawing/2010/main" val="0"/>
-              </a:ext>
-            </a:extLst>
-          </a:blip>
-          <a:srcRect/>
-          <a:stretch>
-            <a:fillRect/>
-          </a:stretch>
-        </p:blipFill>
-        <p:spPr bwMode="auto">
-          <a:xfrm>
-            <a:off x="1247387" y="2708920"/>
-            <a:ext cx="2304256" cy="1019094"/>
-          </a:xfrm>
-          <a:prstGeom prst="rect">
-            <a:avLst/>
-          </a:prstGeom>
-          <a:noFill/>
-          <a:ln>
-            <a:noFill/>
-          </a:ln>
-          <a:effectLst/>
-          <a:extLst>
-            <a:ext uri="{909E8E84-426E-40DD-AFC4-6F175D3DCCD1}">
-              <a14:hiddenFill xmlns:a14="http://schemas.microsoft.com/office/drawing/2010/main">
-                <a:solidFill>
-                  <a:schemeClr val="accent1"/>
-                </a:solidFill>
-              </a14:hiddenFill>
-            </a:ext>
-            <a:ext uri="{91240B29-F687-4F45-9708-019B960494DF}">
-              <a14:hiddenLine xmlns:a14="http://schemas.microsoft.com/office/drawing/2010/main" w="9525">
-                <a:solidFill>
-                  <a:schemeClr val="tx1"/>
-                </a:solidFill>
-                <a:miter lim="800000"/>
-                <a:headEnd/>
-                <a:tailEnd/>
-              </a14:hiddenLine>
-            </a:ext>
-            <a:ext uri="{AF507438-7753-43E0-B8FC-AC1667EBCBE1}">
-              <a14:hiddenEffects xmlns:a14="http://schemas.microsoft.com/office/drawing/2010/main">
-                <a:effectLst>
-                  <a:outerShdw dist="35921" dir="2700000" algn="ctr" rotWithShape="0">
-                    <a:schemeClr val="bg2"/>
-                  </a:outerShdw>
-                </a:effectLst>
-              </a14:hiddenEffects>
-            </a:ext>
-          </a:extLst>
-        </p:spPr>
-      </p:pic>
-      <p:pic>
-        <p:nvPicPr>
-          <p:cNvPr id="4100" name="Picture 4"/>
-          <p:cNvPicPr>
-            <a:picLocks noChangeAspect="1" noChangeArrowheads="1"/>
-          </p:cNvPicPr>
-          <p:nvPr/>
-        </p:nvPicPr>
-        <p:blipFill>
-          <a:blip r:embed="rId4">
-            <a:extLst>
-              <a:ext uri="{28A0092B-C50C-407E-A947-70E740481C1C}">
-                <a14:useLocalDpi xmlns:a14="http://schemas.microsoft.com/office/drawing/2010/main" val="0"/>
-              </a:ext>
-            </a:extLst>
-          </a:blip>
-          <a:srcRect/>
-          <a:stretch>
-            <a:fillRect/>
-          </a:stretch>
-        </p:blipFill>
-        <p:spPr bwMode="auto">
-          <a:xfrm>
-            <a:off x="1187624" y="4005064"/>
-            <a:ext cx="4248125" cy="1148812"/>
-          </a:xfrm>
-          <a:prstGeom prst="rect">
-            <a:avLst/>
-          </a:prstGeom>
-          <a:noFill/>
-          <a:ln>
-            <a:noFill/>
-          </a:ln>
-          <a:effectLst/>
-          <a:extLst>
-            <a:ext uri="{909E8E84-426E-40DD-AFC4-6F175D3DCCD1}">
-              <a14:hiddenFill xmlns:a14="http://schemas.microsoft.com/office/drawing/2010/main">
-                <a:solidFill>
-                  <a:schemeClr val="accent1"/>
-                </a:solidFill>
-              </a14:hiddenFill>
-            </a:ext>
-            <a:ext uri="{91240B29-F687-4F45-9708-019B960494DF}">
-              <a14:hiddenLine xmlns:a14="http://schemas.microsoft.com/office/drawing/2010/main" w="9525">
-                <a:solidFill>
-                  <a:schemeClr val="tx1"/>
-                </a:solidFill>
-                <a:miter lim="800000"/>
-                <a:headEnd/>
-                <a:tailEnd/>
-              </a14:hiddenLine>
-            </a:ext>
-            <a:ext uri="{AF507438-7753-43E0-B8FC-AC1667EBCBE1}">
-              <a14:hiddenEffects xmlns:a14="http://schemas.microsoft.com/office/drawing/2010/main">
-                <a:effectLst>
-                  <a:outerShdw dist="35921" dir="2700000" algn="ctr" rotWithShape="0">
-                    <a:schemeClr val="bg2"/>
-                  </a:outerShdw>
-                </a:effectLst>
-              </a14:hiddenEffects>
-            </a:ext>
-          </a:extLst>
-        </p:spPr>
-      </p:pic>
-    </p:spTree>
-    <p:extLst>
-      <p:ext uri="{BB962C8B-B14F-4D97-AF65-F5344CB8AC3E}">
-        <p14:creationId xmlns:p14="http://schemas.microsoft.com/office/powerpoint/2010/main" val="2894319924"/>
-      </p:ext>
-    </p:extLst>
-  </p:cSld>
-  <p:clrMapOvr>
-    <a:masterClrMapping/>
-  </p:clrMapOvr>
-  <p:timing>
-    <p:tnLst>
-      <p:par>
-        <p:cTn id="1" dur="indefinite" restart="never" nodeType="tmRoot"/>
-      </p:par>
-    </p:tnLst>
-  </p:timing>
-</p:sld>
-</file>
-
-<file path=ppt/slides/slide8.xml><?xml version="1.0" encoding="utf-8"?>
-<p:sld xmlns:a="http://schemas.openxmlformats.org/drawingml/2006/main" xmlns:r="http://schemas.openxmlformats.org/officeDocument/2006/relationships" xmlns:p="http://schemas.openxmlformats.org/presentationml/2006/main">
-  <p:cSld>
-    <p:spTree>
-      <p:nvGrpSpPr>
-        <p:cNvPr id="1" name=""/>
-        <p:cNvGrpSpPr/>
-        <p:nvPr/>
-      </p:nvGrpSpPr>
-      <p:grpSpPr>
-        <a:xfrm>
-          <a:off x="0" y="0"/>
-          <a:ext cx="0" cy="0"/>
-          <a:chOff x="0" y="0"/>
-          <a:chExt cx="0" cy="0"/>
-        </a:xfrm>
-      </p:grpSpPr>
-      <p:sp>
-        <p:nvSpPr>
-          <p:cNvPr id="2" name="Titre 1"/>
-          <p:cNvSpPr>
-            <a:spLocks noGrp="1"/>
-          </p:cNvSpPr>
-          <p:nvPr>
-            <p:ph type="title"/>
-          </p:nvPr>
-        </p:nvSpPr>
-        <p:spPr>
-          <a:xfrm>
-            <a:off x="395536" y="332656"/>
-            <a:ext cx="8424936" cy="720080"/>
-          </a:xfrm>
-        </p:spPr>
-        <p:txBody>
-          <a:bodyPr/>
-          <a:lstStyle/>
-          <a:p>
-            <a:pPr marL="0" indent="0" algn="l">
-              <a:buNone/>
-            </a:pPr>
-            <a:r>
-              <a:rPr lang="fr-FR" sz="3200" dirty="0" smtClean="0"/>
-              <a:t>Modélisation : Approche non-supervisée</a:t>
-            </a:r>
-            <a:endParaRPr lang="fr-FR" sz="3200" dirty="0"/>
-          </a:p>
-        </p:txBody>
-      </p:sp>
-      <p:sp>
-        <p:nvSpPr>
-          <p:cNvPr id="3" name="Espace réservé du texte 2"/>
-          <p:cNvSpPr>
-            <a:spLocks noGrp="1"/>
-          </p:cNvSpPr>
-          <p:nvPr>
-            <p:ph type="body" idx="1"/>
-          </p:nvPr>
-        </p:nvSpPr>
-        <p:spPr>
-          <a:xfrm>
-            <a:off x="611560" y="1196752"/>
-            <a:ext cx="7848872" cy="4464496"/>
-          </a:xfrm>
-        </p:spPr>
-        <p:txBody>
-          <a:bodyPr>
-            <a:normAutofit/>
-          </a:bodyPr>
-          <a:lstStyle/>
-          <a:p>
-            <a:pPr algn="l"/>
-            <a:r>
-              <a:rPr lang="fr-FR" sz="1100" dirty="0" smtClean="0"/>
-              <a:t>Créer automatiquement </a:t>
-            </a:r>
-            <a:r>
-              <a:rPr lang="fr-FR" sz="1100" dirty="0"/>
-              <a:t>des </a:t>
-            </a:r>
-            <a:r>
-              <a:rPr lang="fr-FR" sz="1100" dirty="0" smtClean="0"/>
-              <a:t>thèmes(</a:t>
-            </a:r>
-            <a:r>
-              <a:rPr lang="fr-FR" sz="1100" dirty="0" err="1" smtClean="0"/>
-              <a:t>topics</a:t>
-            </a:r>
-            <a:r>
-              <a:rPr lang="fr-FR" sz="1100" dirty="0" smtClean="0"/>
-              <a:t>) en </a:t>
-            </a:r>
-            <a:r>
-              <a:rPr lang="fr-FR" sz="1100" dirty="0"/>
-              <a:t>fonctions </a:t>
-            </a:r>
-            <a:r>
-              <a:rPr lang="fr-FR" sz="1100" dirty="0" smtClean="0"/>
-              <a:t>de </a:t>
-            </a:r>
-            <a:r>
-              <a:rPr lang="fr-FR" sz="1100" dirty="0"/>
-              <a:t>contenu et </a:t>
-            </a:r>
-            <a:r>
-              <a:rPr lang="fr-FR" sz="1100" dirty="0" smtClean="0"/>
-              <a:t>ressemblance des mots(</a:t>
-            </a:r>
-            <a:r>
-              <a:rPr lang="fr-FR" sz="1100" dirty="0" err="1" smtClean="0"/>
-              <a:t>Trending</a:t>
-            </a:r>
-            <a:r>
-              <a:rPr lang="fr-FR" sz="1100" dirty="0" smtClean="0"/>
-              <a:t> </a:t>
-            </a:r>
-            <a:r>
-              <a:rPr lang="fr-FR" sz="1100" dirty="0" err="1" smtClean="0"/>
-              <a:t>topics</a:t>
-            </a:r>
-            <a:r>
-              <a:rPr lang="fr-FR" sz="1100" dirty="0" smtClean="0"/>
-              <a:t>)</a:t>
-            </a:r>
-          </a:p>
-          <a:p>
-            <a:pPr algn="l"/>
-            <a:r>
-              <a:rPr lang="fr-FR" sz="1600" dirty="0" smtClean="0"/>
-              <a:t>Le modèle LDA </a:t>
-            </a:r>
-            <a:r>
-              <a:rPr lang="fr-FR" sz="1600" dirty="0"/>
-              <a:t>(Latent </a:t>
-            </a:r>
-            <a:r>
-              <a:rPr lang="fr-FR" sz="1600" dirty="0" err="1"/>
-              <a:t>Derilicht</a:t>
-            </a:r>
-            <a:r>
-              <a:rPr lang="fr-FR" sz="1600" dirty="0"/>
-              <a:t> </a:t>
-            </a:r>
-            <a:r>
-              <a:rPr lang="fr-FR" sz="1600" dirty="0" err="1"/>
-              <a:t>Analysis</a:t>
-            </a:r>
-            <a:r>
-              <a:rPr lang="fr-FR" sz="1600" dirty="0"/>
-              <a:t>) </a:t>
-            </a:r>
-            <a:r>
-              <a:rPr lang="fr-FR" sz="1600" dirty="0" smtClean="0"/>
-              <a:t>:</a:t>
-            </a:r>
-          </a:p>
-          <a:p>
-            <a:pPr algn="l"/>
-            <a:r>
-              <a:rPr lang="fr-FR" sz="1100" dirty="0" smtClean="0"/>
-              <a:t>C’est un modèle probabiliste avec hypothèses :</a:t>
-            </a:r>
-          </a:p>
-          <a:p>
-            <a:pPr marL="171450" indent="-171450" algn="l">
-              <a:buFontTx/>
-              <a:buChar char="-"/>
-            </a:pPr>
-            <a:r>
-              <a:rPr lang="fr-FR" sz="1100" dirty="0" smtClean="0"/>
-              <a:t>Un document est formé d’ensemble de mots(BOW)</a:t>
-            </a:r>
-          </a:p>
-          <a:p>
-            <a:pPr marL="171450" indent="-171450" algn="l">
-              <a:buFontTx/>
-              <a:buChar char="-"/>
-            </a:pPr>
-            <a:r>
-              <a:rPr lang="fr-FR" sz="1100" dirty="0" smtClean="0"/>
-              <a:t>Chaque document aborde un certain </a:t>
-            </a:r>
-            <a:r>
-              <a:rPr lang="fr-FR" sz="1100" dirty="0" err="1" smtClean="0"/>
-              <a:t>nbr</a:t>
-            </a:r>
-            <a:r>
-              <a:rPr lang="fr-FR" sz="1100" dirty="0" smtClean="0"/>
-              <a:t> de </a:t>
-            </a:r>
-            <a:r>
-              <a:rPr lang="fr-FR" sz="1100" dirty="0" err="1" smtClean="0"/>
-              <a:t>topic</a:t>
-            </a:r>
-            <a:r>
-              <a:rPr lang="fr-FR" sz="1100" dirty="0" smtClean="0"/>
-              <a:t> dans différentes proportions</a:t>
-            </a:r>
-          </a:p>
-          <a:p>
-            <a:pPr marL="171450" indent="-171450" algn="l">
-              <a:buFontTx/>
-              <a:buChar char="-"/>
-            </a:pPr>
-            <a:r>
-              <a:rPr lang="fr-FR" sz="1100" dirty="0" smtClean="0"/>
-              <a:t>Chaque mot  a sa proportion de probabilité d’être liée à un </a:t>
-            </a:r>
-            <a:r>
-              <a:rPr lang="fr-FR" sz="1100" dirty="0" err="1" smtClean="0"/>
-              <a:t>topic</a:t>
-            </a:r>
-            <a:endParaRPr lang="fr-FR" sz="1100" dirty="0" smtClean="0"/>
-          </a:p>
-          <a:p>
-            <a:pPr marL="171450" indent="-171450" algn="l">
-              <a:buFontTx/>
-              <a:buChar char="-"/>
-            </a:pPr>
-            <a:r>
-              <a:rPr lang="fr-FR" sz="1100" dirty="0" smtClean="0"/>
-              <a:t>Donc on peut représenter chaque </a:t>
-            </a:r>
-            <a:r>
-              <a:rPr lang="fr-FR" sz="1100" dirty="0" err="1" smtClean="0"/>
-              <a:t>topic</a:t>
-            </a:r>
-            <a:r>
-              <a:rPr lang="fr-FR" sz="1100" dirty="0" smtClean="0"/>
-              <a:t> par une probabilité sur chaque mot</a:t>
-            </a:r>
-          </a:p>
-          <a:p>
-            <a:pPr algn="l"/>
-            <a:r>
-              <a:rPr lang="fr-FR" sz="1100" dirty="0" smtClean="0"/>
-              <a:t>LDA nous permet d’extraire ces probabilités entre </a:t>
-            </a:r>
-            <a:r>
-              <a:rPr lang="fr-FR" sz="1100" dirty="0" err="1" smtClean="0"/>
-              <a:t>topics</a:t>
-            </a:r>
-            <a:r>
-              <a:rPr lang="fr-FR" sz="1100" dirty="0" smtClean="0"/>
-              <a:t> et mots</a:t>
-            </a:r>
-          </a:p>
-          <a:p>
-            <a:pPr algn="l"/>
-            <a:endParaRPr lang="fr-FR" sz="1100" dirty="0" smtClean="0"/>
-          </a:p>
-          <a:p>
-            <a:pPr algn="l"/>
-            <a:r>
-              <a:rPr lang="fr-FR" sz="1100" b="1" u="sng" dirty="0" err="1" smtClean="0"/>
-              <a:t>Topics</a:t>
-            </a:r>
-            <a:r>
-              <a:rPr lang="fr-FR" sz="1100" b="1" u="sng" dirty="0" smtClean="0"/>
-              <a:t> optimal avec le modèle HDP</a:t>
-            </a:r>
-            <a:r>
-              <a:rPr lang="fr-FR" sz="1100" dirty="0" smtClean="0"/>
-              <a:t>: 20</a:t>
-            </a:r>
-          </a:p>
-        </p:txBody>
-      </p:sp>
-      <p:sp>
-        <p:nvSpPr>
-          <p:cNvPr id="6" name="Espace réservé du pied de page 5"/>
-          <p:cNvSpPr>
-            <a:spLocks noGrp="1"/>
-          </p:cNvSpPr>
-          <p:nvPr>
-            <p:ph type="ftr" sz="quarter" idx="11"/>
-          </p:nvPr>
-        </p:nvSpPr>
-        <p:spPr/>
-        <p:txBody>
-          <a:bodyPr/>
-          <a:lstStyle/>
-          <a:p>
-            <a:r>
-              <a:rPr lang="en-US" dirty="0" err="1" smtClean="0"/>
-              <a:t>Léandre</a:t>
-            </a:r>
-            <a:r>
-              <a:rPr lang="en-US" dirty="0" smtClean="0"/>
-              <a:t> ANDRIANIAINA</a:t>
-            </a:r>
-            <a:endParaRPr lang="en-US" dirty="0"/>
-          </a:p>
-        </p:txBody>
-      </p:sp>
-      <p:sp>
-        <p:nvSpPr>
-          <p:cNvPr id="7" name="Espace réservé du numéro de diapositive 6"/>
-          <p:cNvSpPr>
-            <a:spLocks noGrp="1"/>
-          </p:cNvSpPr>
-          <p:nvPr>
-            <p:ph type="sldNum" sz="quarter" idx="12"/>
-          </p:nvPr>
-        </p:nvSpPr>
-        <p:spPr/>
-        <p:txBody>
-          <a:bodyPr/>
-          <a:lstStyle/>
-          <a:p>
-            <a:fld id="{D7E63A33-8271-4DD0-9C48-789913D7C115}" type="slidenum">
-              <a:rPr lang="en-US" smtClean="0"/>
-              <a:pPr/>
-              <a:t>8</a:t>
-            </a:fld>
-            <a:endParaRPr lang="en-US" dirty="0"/>
-          </a:p>
-        </p:txBody>
-      </p:sp>
-      <p:pic>
-        <p:nvPicPr>
-          <p:cNvPr id="8" name="Image 7"/>
-          <p:cNvPicPr>
-            <a:picLocks noChangeAspect="1"/>
-          </p:cNvPicPr>
-          <p:nvPr/>
-        </p:nvPicPr>
-        <p:blipFill>
-          <a:blip r:embed="rId2" cstate="print">
-            <a:extLst>
-              <a:ext uri="{28A0092B-C50C-407E-A947-70E740481C1C}">
-                <a14:useLocalDpi xmlns:a14="http://schemas.microsoft.com/office/drawing/2010/main" val="0"/>
-              </a:ext>
-            </a:extLst>
-          </a:blip>
-          <a:stretch>
-            <a:fillRect/>
-          </a:stretch>
-        </p:blipFill>
-        <p:spPr>
-          <a:xfrm>
-            <a:off x="8230319" y="6212347"/>
-            <a:ext cx="913681" cy="645653"/>
-          </a:xfrm>
-          <a:prstGeom prst="rect">
-            <a:avLst/>
-          </a:prstGeom>
-        </p:spPr>
-      </p:pic>
-      <p:pic>
-        <p:nvPicPr>
-          <p:cNvPr id="2050" name="Picture 2"/>
-          <p:cNvPicPr>
-            <a:picLocks noChangeAspect="1" noChangeArrowheads="1"/>
-          </p:cNvPicPr>
-          <p:nvPr/>
-        </p:nvPicPr>
-        <p:blipFill>
-          <a:blip r:embed="rId3">
-            <a:extLst>
-              <a:ext uri="{28A0092B-C50C-407E-A947-70E740481C1C}">
-                <a14:useLocalDpi xmlns:a14="http://schemas.microsoft.com/office/drawing/2010/main" val="0"/>
-              </a:ext>
-            </a:extLst>
-          </a:blip>
-          <a:srcRect/>
-          <a:stretch>
-            <a:fillRect/>
-          </a:stretch>
-        </p:blipFill>
-        <p:spPr bwMode="auto">
-          <a:xfrm>
-            <a:off x="755576" y="3717032"/>
-            <a:ext cx="4824536" cy="2564016"/>
-          </a:xfrm>
-          <a:prstGeom prst="rect">
-            <a:avLst/>
-          </a:prstGeom>
-          <a:noFill/>
-          <a:ln>
-            <a:noFill/>
-          </a:ln>
-          <a:effectLst/>
-          <a:extLst>
-            <a:ext uri="{909E8E84-426E-40DD-AFC4-6F175D3DCCD1}">
-              <a14:hiddenFill xmlns:a14="http://schemas.microsoft.com/office/drawing/2010/main">
-                <a:solidFill>
-                  <a:schemeClr val="accent1"/>
-                </a:solidFill>
-              </a14:hiddenFill>
-            </a:ext>
-            <a:ext uri="{91240B29-F687-4F45-9708-019B960494DF}">
-              <a14:hiddenLine xmlns:a14="http://schemas.microsoft.com/office/drawing/2010/main" w="9525">
-                <a:solidFill>
-                  <a:schemeClr val="tx1"/>
-                </a:solidFill>
-                <a:miter lim="800000"/>
-                <a:headEnd/>
-                <a:tailEnd/>
-              </a14:hiddenLine>
-            </a:ext>
-            <a:ext uri="{AF507438-7753-43E0-B8FC-AC1667EBCBE1}">
-              <a14:hiddenEffects xmlns:a14="http://schemas.microsoft.com/office/drawing/2010/main">
-                <a:effectLst>
-                  <a:outerShdw dist="35921" dir="2700000" algn="ctr" rotWithShape="0">
-                    <a:schemeClr val="bg2"/>
-                  </a:outerShdw>
-                </a:effectLst>
-              </a14:hiddenEffects>
-            </a:ext>
-          </a:extLst>
-        </p:spPr>
-      </p:pic>
-    </p:spTree>
-    <p:extLst>
-      <p:ext uri="{BB962C8B-B14F-4D97-AF65-F5344CB8AC3E}">
-        <p14:creationId xmlns:p14="http://schemas.microsoft.com/office/powerpoint/2010/main" val="933759288"/>
-      </p:ext>
-    </p:extLst>
-  </p:cSld>
-  <p:clrMapOvr>
-    <a:masterClrMapping/>
-  </p:clrMapOvr>
-  <p:timing>
-    <p:tnLst>
-      <p:par>
-        <p:cTn id="1" dur="indefinite" restart="never" nodeType="tmRoot"/>
-      </p:par>
-    </p:tnLst>
-  </p:timing>
-</p:sld>
-</file>
-
-<file path=ppt/slides/slide9.xml><?xml version="1.0" encoding="utf-8"?>
-<p:sld xmlns:a="http://schemas.openxmlformats.org/drawingml/2006/main" xmlns:r="http://schemas.openxmlformats.org/officeDocument/2006/relationships" xmlns:p="http://schemas.openxmlformats.org/presentationml/2006/main">
-  <p:cSld>
-    <p:spTree>
-      <p:nvGrpSpPr>
-        <p:cNvPr id="1" name=""/>
-        <p:cNvGrpSpPr/>
-        <p:nvPr/>
-      </p:nvGrpSpPr>
-      <p:grpSpPr>
-        <a:xfrm>
-          <a:off x="0" y="0"/>
-          <a:ext cx="0" cy="0"/>
-          <a:chOff x="0" y="0"/>
-          <a:chExt cx="0" cy="0"/>
-        </a:xfrm>
-      </p:grpSpPr>
-      <p:sp>
-        <p:nvSpPr>
-          <p:cNvPr id="2" name="Titre 1"/>
-          <p:cNvSpPr>
-            <a:spLocks noGrp="1"/>
-          </p:cNvSpPr>
-          <p:nvPr>
-            <p:ph type="title"/>
-          </p:nvPr>
-        </p:nvSpPr>
-        <p:spPr>
-          <a:xfrm>
-            <a:off x="-540568" y="-735367"/>
-            <a:ext cx="8424936" cy="720080"/>
-          </a:xfrm>
-        </p:spPr>
-        <p:txBody>
-          <a:bodyPr/>
-          <a:lstStyle/>
-          <a:p>
-            <a:pPr marL="0" indent="0" algn="l">
-              <a:buNone/>
-            </a:pPr>
-            <a:r>
-              <a:rPr lang="fr-FR" sz="3200" dirty="0" smtClean="0"/>
-              <a:t>Modélisation : Approche non-supervisée</a:t>
-            </a:r>
-            <a:endParaRPr lang="fr-FR" sz="3200" dirty="0"/>
-          </a:p>
-        </p:txBody>
-      </p:sp>
-      <p:sp>
-        <p:nvSpPr>
-          <p:cNvPr id="3" name="Espace réservé du texte 2"/>
-          <p:cNvSpPr>
-            <a:spLocks noGrp="1"/>
-          </p:cNvSpPr>
-          <p:nvPr>
-            <p:ph type="body" idx="1"/>
-          </p:nvPr>
-        </p:nvSpPr>
-        <p:spPr>
-          <a:xfrm>
-            <a:off x="611560" y="1196752"/>
-            <a:ext cx="7848872" cy="4464496"/>
-          </a:xfrm>
-        </p:spPr>
-        <p:txBody>
-          <a:bodyPr>
-            <a:normAutofit/>
-          </a:bodyPr>
-          <a:lstStyle/>
-          <a:p>
-            <a:pPr algn="l"/>
-            <a:r>
-              <a:rPr lang="fr-FR" sz="1200" dirty="0" smtClean="0"/>
-              <a:t>Représentation graphique avec </a:t>
-            </a:r>
-            <a:r>
-              <a:rPr lang="fr-FR" sz="1200" dirty="0" err="1" smtClean="0"/>
-              <a:t>PyLDAVis</a:t>
-            </a:r>
-            <a:r>
-              <a:rPr lang="fr-FR" sz="1200" dirty="0" smtClean="0"/>
-              <a:t> :</a:t>
-            </a:r>
-            <a:endParaRPr lang="fr-FR" sz="1200" dirty="0"/>
-          </a:p>
-        </p:txBody>
-      </p:sp>
-      <p:sp>
-        <p:nvSpPr>
-          <p:cNvPr id="6" name="Espace réservé du pied de page 5"/>
-          <p:cNvSpPr>
-            <a:spLocks noGrp="1"/>
-          </p:cNvSpPr>
-          <p:nvPr>
-            <p:ph type="ftr" sz="quarter" idx="11"/>
-          </p:nvPr>
-        </p:nvSpPr>
-        <p:spPr/>
-        <p:txBody>
-          <a:bodyPr/>
-          <a:lstStyle/>
-          <a:p>
-            <a:r>
-              <a:rPr lang="en-US" dirty="0" err="1" smtClean="0"/>
-              <a:t>Léandre</a:t>
-            </a:r>
-            <a:r>
-              <a:rPr lang="en-US" dirty="0" smtClean="0"/>
-              <a:t> ANDRIANIAINA</a:t>
-            </a:r>
-            <a:endParaRPr lang="en-US" dirty="0"/>
-          </a:p>
-        </p:txBody>
-      </p:sp>
-      <p:sp>
-        <p:nvSpPr>
-          <p:cNvPr id="7" name="Espace réservé du numéro de diapositive 6"/>
-          <p:cNvSpPr>
-            <a:spLocks noGrp="1"/>
-          </p:cNvSpPr>
-          <p:nvPr>
-            <p:ph type="sldNum" sz="quarter" idx="12"/>
-          </p:nvPr>
-        </p:nvSpPr>
-        <p:spPr/>
-        <p:txBody>
-          <a:bodyPr/>
-          <a:lstStyle/>
-          <a:p>
-            <a:fld id="{D7E63A33-8271-4DD0-9C48-789913D7C115}" type="slidenum">
-              <a:rPr lang="en-US" smtClean="0"/>
-              <a:pPr/>
-              <a:t>9</a:t>
-            </a:fld>
-            <a:endParaRPr lang="en-US" dirty="0"/>
-          </a:p>
-        </p:txBody>
-      </p:sp>
-      <p:pic>
-        <p:nvPicPr>
-          <p:cNvPr id="8" name="Image 7"/>
-          <p:cNvPicPr>
-            <a:picLocks noChangeAspect="1"/>
-          </p:cNvPicPr>
-          <p:nvPr/>
-        </p:nvPicPr>
-        <p:blipFill>
-          <a:blip r:embed="rId2" cstate="print">
-            <a:extLst>
-              <a:ext uri="{28A0092B-C50C-407E-A947-70E740481C1C}">
-                <a14:useLocalDpi xmlns:a14="http://schemas.microsoft.com/office/drawing/2010/main" val="0"/>
-              </a:ext>
-            </a:extLst>
-          </a:blip>
-          <a:stretch>
-            <a:fillRect/>
-          </a:stretch>
-        </p:blipFill>
-        <p:spPr>
-          <a:xfrm>
-            <a:off x="8230319" y="6212347"/>
-            <a:ext cx="913681" cy="645653"/>
-          </a:xfrm>
-          <a:prstGeom prst="rect">
-            <a:avLst/>
-          </a:prstGeom>
-        </p:spPr>
-      </p:pic>
-      <p:sp>
-        <p:nvSpPr>
-          <p:cNvPr id="4" name="ZoneTexte 3"/>
-          <p:cNvSpPr txBox="1"/>
-          <p:nvPr/>
-        </p:nvSpPr>
-        <p:spPr>
-          <a:xfrm>
-            <a:off x="5652120" y="1564879"/>
-            <a:ext cx="3240360" cy="938719"/>
-          </a:xfrm>
-          <a:prstGeom prst="rect">
-            <a:avLst/>
-          </a:prstGeom>
-          <a:noFill/>
-        </p:spPr>
-        <p:txBody>
-          <a:bodyPr wrap="square" rtlCol="0">
-            <a:spAutoFit/>
-          </a:bodyPr>
-          <a:lstStyle/>
-          <a:p>
-            <a:r>
-              <a:rPr lang="fr-FR" sz="1100" dirty="0" smtClean="0"/>
-              <a:t>La taille du cercle -&gt; l’importance du </a:t>
-            </a:r>
-            <a:r>
-              <a:rPr lang="fr-FR" sz="1100" dirty="0" err="1" smtClean="0"/>
-              <a:t>topic</a:t>
-            </a:r>
-            <a:r>
-              <a:rPr lang="fr-FR" sz="1100" dirty="0" smtClean="0"/>
-              <a:t> dans le document</a:t>
-            </a:r>
-          </a:p>
-          <a:p>
-            <a:r>
-              <a:rPr lang="fr-FR" sz="1100" dirty="0" smtClean="0"/>
-              <a:t>Distance entre les cercles -&gt; similitude</a:t>
-            </a:r>
-          </a:p>
-          <a:p>
-            <a:r>
-              <a:rPr lang="fr-FR" sz="1100" dirty="0" smtClean="0"/>
-              <a:t>Plot en rouge </a:t>
-            </a:r>
-            <a:r>
-              <a:rPr lang="fr-FR" sz="1100" dirty="0"/>
-              <a:t>-&gt; </a:t>
-            </a:r>
-            <a:r>
-              <a:rPr lang="fr-FR" sz="1100" dirty="0" smtClean="0"/>
-              <a:t>proportion des mots dans le </a:t>
-            </a:r>
-            <a:r>
-              <a:rPr lang="fr-FR" sz="1100" dirty="0" err="1" smtClean="0"/>
-              <a:t>topic</a:t>
-            </a:r>
-            <a:endParaRPr lang="fr-FR" sz="1100" dirty="0"/>
-          </a:p>
-        </p:txBody>
-      </p:sp>
-      <p:pic>
-        <p:nvPicPr>
-          <p:cNvPr id="1026" name="Picture 2"/>
-          <p:cNvPicPr>
-            <a:picLocks noChangeAspect="1" noChangeArrowheads="1"/>
-          </p:cNvPicPr>
-          <p:nvPr/>
-        </p:nvPicPr>
-        <p:blipFill>
-          <a:blip r:embed="rId3">
-            <a:extLst>
-              <a:ext uri="{28A0092B-C50C-407E-A947-70E740481C1C}">
-                <a14:useLocalDpi xmlns:a14="http://schemas.microsoft.com/office/drawing/2010/main" val="0"/>
-              </a:ext>
-            </a:extLst>
-          </a:blip>
-          <a:srcRect/>
-          <a:stretch>
-            <a:fillRect/>
-          </a:stretch>
-        </p:blipFill>
-        <p:spPr bwMode="auto">
-          <a:xfrm>
-            <a:off x="691314" y="1550653"/>
-            <a:ext cx="4320480" cy="2682231"/>
-          </a:xfrm>
-          <a:prstGeom prst="rect">
-            <a:avLst/>
-          </a:prstGeom>
-          <a:noFill/>
-          <a:ln>
-            <a:noFill/>
-          </a:ln>
-          <a:effectLst/>
-          <a:extLst>
-            <a:ext uri="{909E8E84-426E-40DD-AFC4-6F175D3DCCD1}">
-              <a14:hiddenFill xmlns:a14="http://schemas.microsoft.com/office/drawing/2010/main">
-                <a:solidFill>
-                  <a:schemeClr val="accent1"/>
-                </a:solidFill>
-              </a14:hiddenFill>
-            </a:ext>
-            <a:ext uri="{91240B29-F687-4F45-9708-019B960494DF}">
-              <a14:hiddenLine xmlns:a14="http://schemas.microsoft.com/office/drawing/2010/main" w="9525">
-                <a:solidFill>
-                  <a:schemeClr val="tx1"/>
-                </a:solidFill>
-                <a:miter lim="800000"/>
-                <a:headEnd/>
-                <a:tailEnd/>
-              </a14:hiddenLine>
-            </a:ext>
-            <a:ext uri="{AF507438-7753-43E0-B8FC-AC1667EBCBE1}">
-              <a14:hiddenEffects xmlns:a14="http://schemas.microsoft.com/office/drawing/2010/main">
-                <a:effectLst>
-                  <a:outerShdw dist="35921" dir="2700000" algn="ctr" rotWithShape="0">
-                    <a:schemeClr val="bg2"/>
-                  </a:outerShdw>
-                </a:effectLst>
-              </a14:hiddenEffects>
-            </a:ext>
-          </a:extLst>
-        </p:spPr>
-      </p:pic>
-    </p:spTree>
-    <p:extLst>
-      <p:ext uri="{BB962C8B-B14F-4D97-AF65-F5344CB8AC3E}">
-        <p14:creationId xmlns:p14="http://schemas.microsoft.com/office/powerpoint/2010/main" val="2435398246"/>
+        <p14:creationId xmlns:p14="http://schemas.microsoft.com/office/powerpoint/2010/main" val="1562117569"/>
       </p:ext>
     </p:extLst>
   </p:cSld>
